--- a/Documents/School/Thesis docs/ALAT.pptx
+++ b/Documents/School/Thesis docs/ALAT.pptx
@@ -5,30 +5,30 @@
     <p:sldMasterId id="2147483648" r:id="rId1"/>
   </p:sldMasterIdLst>
   <p:notesMasterIdLst>
-    <p:notesMasterId r:id="rId27"/>
+    <p:notesMasterId r:id="rId30"/>
   </p:notesMasterIdLst>
   <p:handoutMasterIdLst>
-    <p:handoutMasterId r:id="rId28"/>
+    <p:handoutMasterId r:id="rId31"/>
   </p:handoutMasterIdLst>
   <p:sldIdLst>
     <p:sldId id="257" r:id="rId2"/>
     <p:sldId id="258" r:id="rId3"/>
     <p:sldId id="261" r:id="rId4"/>
     <p:sldId id="259" r:id="rId5"/>
-    <p:sldId id="260" r:id="rId6"/>
-    <p:sldId id="262" r:id="rId7"/>
-    <p:sldId id="263" r:id="rId8"/>
-    <p:sldId id="264" r:id="rId9"/>
-    <p:sldId id="265" r:id="rId10"/>
-    <p:sldId id="266" r:id="rId11"/>
-    <p:sldId id="271" r:id="rId12"/>
-    <p:sldId id="272" r:id="rId13"/>
-    <p:sldId id="273" r:id="rId14"/>
-    <p:sldId id="274" r:id="rId15"/>
-    <p:sldId id="267" r:id="rId16"/>
-    <p:sldId id="275" r:id="rId17"/>
-    <p:sldId id="276" r:id="rId18"/>
-    <p:sldId id="277" r:id="rId19"/>
+    <p:sldId id="282" r:id="rId6"/>
+    <p:sldId id="260" r:id="rId7"/>
+    <p:sldId id="262" r:id="rId8"/>
+    <p:sldId id="263" r:id="rId9"/>
+    <p:sldId id="264" r:id="rId10"/>
+    <p:sldId id="265" r:id="rId11"/>
+    <p:sldId id="266" r:id="rId12"/>
+    <p:sldId id="271" r:id="rId13"/>
+    <p:sldId id="272" r:id="rId14"/>
+    <p:sldId id="273" r:id="rId15"/>
+    <p:sldId id="274" r:id="rId16"/>
+    <p:sldId id="267" r:id="rId17"/>
+    <p:sldId id="275" r:id="rId18"/>
+    <p:sldId id="276" r:id="rId19"/>
     <p:sldId id="268" r:id="rId20"/>
     <p:sldId id="270" r:id="rId21"/>
     <p:sldId id="278" r:id="rId22"/>
@@ -36,6 +36,9 @@
     <p:sldId id="280" r:id="rId24"/>
     <p:sldId id="281" r:id="rId25"/>
     <p:sldId id="269" r:id="rId26"/>
+    <p:sldId id="283" r:id="rId27"/>
+    <p:sldId id="284" r:id="rId28"/>
+    <p:sldId id="285" r:id="rId29"/>
   </p:sldIdLst>
   <p:sldSz cx="9144000" cy="6858000" type="screen4x3"/>
   <p:notesSz cx="6858000" cy="9144000"/>
@@ -164,6 +167,11 @@
       </a:defRPr>
     </a:lvl9pPr>
   </p:defaultTextStyle>
+  <p:extLst>
+    <p:ext uri="{EFAFB233-063F-42B5-8137-9DF3F51BA10A}">
+      <p15:sldGuideLst xmlns:p15="http://schemas.microsoft.com/office/powerpoint/2012/main"/>
+    </p:ext>
+  </p:extLst>
 </p:presentation>
 </file>
 
@@ -269,7 +277,7 @@
             <a:fld id="{3782A233-DA86-4D22-A406-9137F2216474}" type="datetimeFigureOut">
               <a:rPr lang="nl-NL" altLang="en-US"/>
               <a:pPr/>
-              <a:t>11-1-2016</a:t>
+              <a:t>18-1-2016</a:t>
             </a:fld>
             <a:endParaRPr lang="nl-NL" altLang="en-US"/>
           </a:p>
@@ -472,7 +480,7 @@
             <a:fld id="{43CBADFD-BBA0-45DF-89BE-E3AA6C4EA091}" type="datetimeFigureOut">
               <a:rPr lang="nl-NL" altLang="en-US"/>
               <a:pPr/>
-              <a:t>11-1-2016</a:t>
+              <a:t>18-1-2016</a:t>
             </a:fld>
             <a:endParaRPr lang="nl-NL" altLang="en-US"/>
           </a:p>
@@ -949,13 +957,27 @@
           <a:bodyPr/>
           <a:lstStyle/>
           <a:p>
+            <a:pPr marL="171450" indent="-171450">
+              <a:buFontTx/>
+              <a:buChar char="-"/>
+            </a:pPr>
             <a:r>
               <a:rPr lang="en-US" dirty="0" smtClean="0"/>
-              <a:t>3</a:t>
+              <a:t>Current authoring</a:t>
             </a:r>
             <a:r>
               <a:rPr lang="en-US" baseline="0" dirty="0" smtClean="0"/>
-              <a:t> tools: DM, AM, new rules. Context switching is a big issue.</a:t>
+              <a:t> tool for GALE</a:t>
+            </a:r>
+          </a:p>
+          <a:p>
+            <a:pPr marL="171450" indent="-171450">
+              <a:buFontTx/>
+              <a:buChar char="-"/>
+            </a:pPr>
+            <a:r>
+              <a:rPr lang="en-US" baseline="0" dirty="0" smtClean="0"/>
+              <a:t>Some unfortunate design decisions taken due to multiple project partners </a:t>
             </a:r>
             <a:endParaRPr lang="en-US" dirty="0"/>
           </a:p>
@@ -988,7 +1010,7 @@
     </p:spTree>
     <p:extLst>
       <p:ext uri="{BB962C8B-B14F-4D97-AF65-F5344CB8AC3E}">
-        <p14:creationId xmlns:p14="http://schemas.microsoft.com/office/powerpoint/2010/main" val="668933456"/>
+        <p14:creationId xmlns:p14="http://schemas.microsoft.com/office/powerpoint/2010/main" val="1197643051"/>
       </p:ext>
     </p:extLst>
   </p:cSld>
@@ -1044,61 +1066,11 @@
           <a:p>
             <a:r>
               <a:rPr lang="en-US" dirty="0" smtClean="0"/>
-              <a:t>DM design: </a:t>
-            </a:r>
-          </a:p>
-          <a:p>
-            <a:pPr marL="171450" indent="-171450">
-              <a:buFontTx/>
-              <a:buChar char="-"/>
-            </a:pPr>
-            <a:r>
-              <a:rPr lang="en-US" dirty="0" smtClean="0"/>
-              <a:t>Cluttered</a:t>
+              <a:t>3</a:t>
             </a:r>
             <a:r>
               <a:rPr lang="en-US" baseline="0" dirty="0" smtClean="0"/>
-              <a:t> interface. </a:t>
-            </a:r>
-          </a:p>
-          <a:p>
-            <a:pPr marL="171450" indent="-171450">
-              <a:buFontTx/>
-              <a:buChar char="-"/>
-            </a:pPr>
-            <a:r>
-              <a:rPr lang="en-US" baseline="0" dirty="0" smtClean="0"/>
-              <a:t>Clumsy controls. </a:t>
-            </a:r>
-          </a:p>
-          <a:p>
-            <a:pPr marL="171450" indent="-171450">
-              <a:buFontTx/>
-              <a:buChar char="-"/>
-            </a:pPr>
-            <a:r>
-              <a:rPr lang="en-US" baseline="0" dirty="0" smtClean="0"/>
-              <a:t>Information divided over lots of screens. </a:t>
-            </a:r>
-          </a:p>
-          <a:p>
-            <a:pPr marL="171450" indent="-171450">
-              <a:buFontTx/>
-              <a:buChar char="-"/>
-            </a:pPr>
-            <a:r>
-              <a:rPr lang="en-US" baseline="0" dirty="0" smtClean="0"/>
-              <a:t>Adding concepts and relations involves various pop up windows </a:t>
-            </a:r>
-          </a:p>
-          <a:p>
-            <a:pPr marL="171450" indent="-171450">
-              <a:buFontTx/>
-              <a:buChar char="-"/>
-            </a:pPr>
-            <a:r>
-              <a:rPr lang="en-US" baseline="0" dirty="0" smtClean="0"/>
-              <a:t>selection boxes containing huge lists.</a:t>
+              <a:t> tools: DM, AM, new rules. Context switching is a big issue.</a:t>
             </a:r>
             <a:endParaRPr lang="en-US" dirty="0"/>
           </a:p>
@@ -1131,7 +1103,7 @@
     </p:spTree>
     <p:extLst>
       <p:ext uri="{BB962C8B-B14F-4D97-AF65-F5344CB8AC3E}">
-        <p14:creationId xmlns:p14="http://schemas.microsoft.com/office/powerpoint/2010/main" val="416760929"/>
+        <p14:creationId xmlns:p14="http://schemas.microsoft.com/office/powerpoint/2010/main" val="668933456"/>
       </p:ext>
     </p:extLst>
   </p:cSld>
@@ -1187,7 +1159,7 @@
           <a:p>
             <a:r>
               <a:rPr lang="en-US" dirty="0" smtClean="0"/>
-              <a:t>AM design. </a:t>
+              <a:t>DM design: </a:t>
             </a:r>
           </a:p>
           <a:p>
@@ -1197,11 +1169,11 @@
             </a:pPr>
             <a:r>
               <a:rPr lang="en-US" dirty="0" smtClean="0"/>
-              <a:t>Graph interface seems impractical.</a:t>
+              <a:t>Cluttered</a:t>
             </a:r>
             <a:r>
               <a:rPr lang="en-US" baseline="0" dirty="0" smtClean="0"/>
-              <a:t> </a:t>
+              <a:t> interface. </a:t>
             </a:r>
           </a:p>
           <a:p>
@@ -1211,7 +1183,7 @@
             </a:pPr>
             <a:r>
               <a:rPr lang="en-US" baseline="0" dirty="0" smtClean="0"/>
-              <a:t>If domain changes, other tool is needed</a:t>
+              <a:t>Clumsy controls. </a:t>
             </a:r>
           </a:p>
           <a:p>
@@ -1221,7 +1193,7 @@
             </a:pPr>
             <a:r>
               <a:rPr lang="en-US" baseline="0" dirty="0" smtClean="0"/>
-              <a:t>Big lists when selecting.</a:t>
+              <a:t>Information divided over lots of screens. </a:t>
             </a:r>
           </a:p>
           <a:p>
@@ -1231,7 +1203,7 @@
             </a:pPr>
             <a:r>
               <a:rPr lang="en-US" baseline="0" dirty="0" smtClean="0"/>
-              <a:t>Cluttered, graph does not make a lot of sense</a:t>
+              <a:t>Adding concepts and relations involves various pop up windows </a:t>
             </a:r>
           </a:p>
           <a:p>
@@ -1241,7 +1213,15 @@
             </a:pPr>
             <a:r>
               <a:rPr lang="en-US" baseline="0" dirty="0" smtClean="0"/>
-              <a:t>Way of thinking. First Rule, then concepts -&gt; STRANGE</a:t>
+              <a:t>selection </a:t>
+            </a:r>
+            <a:r>
+              <a:rPr lang="en-US" baseline="0" dirty="0" smtClean="0"/>
+              <a:t>boxes when adding relations contain </a:t>
+            </a:r>
+            <a:r>
+              <a:rPr lang="en-US" baseline="0" dirty="0" smtClean="0"/>
+              <a:t>huge lists.</a:t>
             </a:r>
             <a:endParaRPr lang="en-US" dirty="0"/>
           </a:p>
@@ -1274,7 +1254,7 @@
     </p:spTree>
     <p:extLst>
       <p:ext uri="{BB962C8B-B14F-4D97-AF65-F5344CB8AC3E}">
-        <p14:creationId xmlns:p14="http://schemas.microsoft.com/office/powerpoint/2010/main" val="1954134086"/>
+        <p14:creationId xmlns:p14="http://schemas.microsoft.com/office/powerpoint/2010/main" val="416760929"/>
       </p:ext>
     </p:extLst>
   </p:cSld>
@@ -1330,7 +1310,7 @@
           <a:p>
             <a:r>
               <a:rPr lang="en-US" dirty="0" smtClean="0"/>
-              <a:t>- Make new adaptation rules.</a:t>
+              <a:t>AM design. </a:t>
             </a:r>
           </a:p>
           <a:p>
@@ -1340,7 +1320,11 @@
             </a:pPr>
             <a:r>
               <a:rPr lang="en-US" dirty="0" smtClean="0"/>
-              <a:t>Actually pretty useful</a:t>
+              <a:t>Graph interface seems impractical.</a:t>
+            </a:r>
+            <a:r>
+              <a:rPr lang="en-US" baseline="0" dirty="0" smtClean="0"/>
+              <a:t> </a:t>
             </a:r>
           </a:p>
           <a:p>
@@ -1349,12 +1333,8 @@
               <a:buChar char="-"/>
             </a:pPr>
             <a:r>
-              <a:rPr lang="en-US" dirty="0" smtClean="0"/>
-              <a:t>No easy lookup, copy/paste from existing</a:t>
-            </a:r>
-            <a:r>
               <a:rPr lang="en-US" baseline="0" dirty="0" smtClean="0"/>
-              <a:t> rules. Is this really better than editing configuration files?</a:t>
+              <a:t>If domain changes, other tool is needed</a:t>
             </a:r>
           </a:p>
           <a:p>
@@ -1364,8 +1344,29 @@
             </a:pPr>
             <a:r>
               <a:rPr lang="en-US" baseline="0" dirty="0" smtClean="0"/>
-              <a:t>Conclude GAM discussion</a:t>
-            </a:r>
+              <a:t>Big lists when selecting.</a:t>
+            </a:r>
+          </a:p>
+          <a:p>
+            <a:pPr marL="171450" indent="-171450">
+              <a:buFontTx/>
+              <a:buChar char="-"/>
+            </a:pPr>
+            <a:r>
+              <a:rPr lang="en-US" baseline="0" dirty="0" smtClean="0"/>
+              <a:t>Cluttered, graph does not make a lot of sense</a:t>
+            </a:r>
+          </a:p>
+          <a:p>
+            <a:pPr marL="171450" indent="-171450">
+              <a:buFontTx/>
+              <a:buChar char="-"/>
+            </a:pPr>
+            <a:r>
+              <a:rPr lang="en-US" baseline="0" dirty="0" smtClean="0"/>
+              <a:t>Way of thinking. First Rule, then concepts -&gt; STRANGE</a:t>
+            </a:r>
+            <a:endParaRPr lang="en-US" dirty="0"/>
           </a:p>
         </p:txBody>
       </p:sp>
@@ -1396,7 +1397,7 @@
     </p:spTree>
     <p:extLst>
       <p:ext uri="{BB962C8B-B14F-4D97-AF65-F5344CB8AC3E}">
-        <p14:creationId xmlns:p14="http://schemas.microsoft.com/office/powerpoint/2010/main" val="4216191942"/>
+        <p14:creationId xmlns:p14="http://schemas.microsoft.com/office/powerpoint/2010/main" val="1954134086"/>
       </p:ext>
     </p:extLst>
   </p:cSld>
@@ -1452,13 +1453,47 @@
           <a:p>
             <a:r>
               <a:rPr lang="en-US" dirty="0" smtClean="0"/>
-              <a:t>A look at other</a:t>
+              <a:t>- Make new adaptation rules.</a:t>
+            </a:r>
+          </a:p>
+          <a:p>
+            <a:pPr marL="171450" indent="-171450">
+              <a:buFontTx/>
+              <a:buChar char="-"/>
+            </a:pPr>
+            <a:r>
+              <a:rPr lang="en-US" dirty="0" smtClean="0"/>
+              <a:t>Actually pretty useful for advanced</a:t>
             </a:r>
             <a:r>
               <a:rPr lang="en-US" baseline="0" dirty="0" smtClean="0"/>
-              <a:t> state of the art tools to discover what these tools do different</a:t>
-            </a:r>
-            <a:endParaRPr lang="en-US" dirty="0"/>
+              <a:t> users</a:t>
+            </a:r>
+            <a:endParaRPr lang="en-US" dirty="0" smtClean="0"/>
+          </a:p>
+          <a:p>
+            <a:pPr marL="171450" indent="-171450">
+              <a:buFontTx/>
+              <a:buChar char="-"/>
+            </a:pPr>
+            <a:r>
+              <a:rPr lang="en-US" dirty="0" smtClean="0"/>
+              <a:t>No easy lookup, copy/paste from existing</a:t>
+            </a:r>
+            <a:r>
+              <a:rPr lang="en-US" baseline="0" dirty="0" smtClean="0"/>
+              <a:t> rules. Is this really better than editing configuration files?</a:t>
+            </a:r>
+          </a:p>
+          <a:p>
+            <a:pPr marL="171450" indent="-171450">
+              <a:buFontTx/>
+              <a:buChar char="-"/>
+            </a:pPr>
+            <a:r>
+              <a:rPr lang="en-US" baseline="0" dirty="0" smtClean="0"/>
+              <a:t>Conclude GAM discussion</a:t>
+            </a:r>
           </a:p>
         </p:txBody>
       </p:sp>
@@ -1489,7 +1524,7 @@
     </p:spTree>
     <p:extLst>
       <p:ext uri="{BB962C8B-B14F-4D97-AF65-F5344CB8AC3E}">
-        <p14:creationId xmlns:p14="http://schemas.microsoft.com/office/powerpoint/2010/main" val="4168570717"/>
+        <p14:creationId xmlns:p14="http://schemas.microsoft.com/office/powerpoint/2010/main" val="4216191942"/>
       </p:ext>
     </p:extLst>
   </p:cSld>
@@ -1543,51 +1578,19 @@
           <a:bodyPr/>
           <a:lstStyle/>
           <a:p>
-            <a:pPr marL="171450" indent="-171450">
-              <a:buFontTx/>
-              <a:buChar char="-"/>
-            </a:pPr>
             <a:r>
               <a:rPr lang="en-US" dirty="0" smtClean="0"/>
-              <a:t>Graph interface attempt.</a:t>
-            </a:r>
-          </a:p>
-          <a:p>
-            <a:pPr marL="171450" indent="-171450">
-              <a:buFontTx/>
-              <a:buChar char="-"/>
-            </a:pPr>
-            <a:r>
-              <a:rPr lang="en-US" dirty="0" smtClean="0"/>
-              <a:t>Complicated</a:t>
+              <a:t>A look at other</a:t>
             </a:r>
             <a:r>
               <a:rPr lang="en-US" baseline="0" dirty="0" smtClean="0"/>
-              <a:t> interface design</a:t>
-            </a:r>
-          </a:p>
-          <a:p>
-            <a:pPr marL="171450" indent="-171450">
-              <a:buFontTx/>
-              <a:buChar char="-"/>
-            </a:pPr>
-            <a:r>
-              <a:rPr lang="en-US" dirty="0" smtClean="0"/>
-              <a:t>DM</a:t>
-            </a:r>
+              <a:t> state of the art tools to discover what these tools do different</a:t>
+            </a:r>
+          </a:p>
+          <a:p>
             <a:r>
               <a:rPr lang="en-US" baseline="0" dirty="0" smtClean="0"/>
-              <a:t> + AM in 1 model causes for redundant information/interface cluttering</a:t>
-            </a:r>
-          </a:p>
-          <a:p>
-            <a:pPr marL="171450" indent="-171450">
-              <a:buFontTx/>
-              <a:buChar char="-"/>
-            </a:pPr>
-            <a:r>
-              <a:rPr lang="en-US" baseline="0" dirty="0" smtClean="0"/>
-              <a:t>Lesson: separation of concerns is important, Graph interfaces are extremely difficult to properly use</a:t>
+              <a:t>More tools in thesis, but 2 selected to show today.</a:t>
             </a:r>
             <a:endParaRPr lang="en-US" dirty="0"/>
           </a:p>
@@ -1620,7 +1623,7 @@
     </p:spTree>
     <p:extLst>
       <p:ext uri="{BB962C8B-B14F-4D97-AF65-F5344CB8AC3E}">
-        <p14:creationId xmlns:p14="http://schemas.microsoft.com/office/powerpoint/2010/main" val="1904560937"/>
+        <p14:creationId xmlns:p14="http://schemas.microsoft.com/office/powerpoint/2010/main" val="4168570717"/>
       </p:ext>
     </p:extLst>
   </p:cSld>
@@ -1680,12 +1683,13 @@
             </a:pPr>
             <a:r>
               <a:rPr lang="en-US" dirty="0" smtClean="0"/>
-              <a:t>Soft skills emulation made</a:t>
+              <a:t>WOTAN</a:t>
             </a:r>
             <a:r>
               <a:rPr lang="en-US" baseline="0" dirty="0" smtClean="0"/>
-              <a:t> adaptive </a:t>
-            </a:r>
+              <a:t> background</a:t>
+            </a:r>
+            <a:endParaRPr lang="en-US" dirty="0" smtClean="0"/>
           </a:p>
           <a:p>
             <a:pPr marL="171450" indent="-171450">
@@ -1693,8 +1697,8 @@
               <a:buChar char="-"/>
             </a:pPr>
             <a:r>
-              <a:rPr lang="en-US" baseline="0" dirty="0" smtClean="0"/>
-              <a:t>Educational simulations. Limited scope</a:t>
+              <a:rPr lang="en-US" dirty="0" smtClean="0"/>
+              <a:t>Graph interface attempt.</a:t>
             </a:r>
           </a:p>
           <a:p>
@@ -1703,8 +1707,12 @@
               <a:buChar char="-"/>
             </a:pPr>
             <a:r>
+              <a:rPr lang="en-US" dirty="0" smtClean="0"/>
+              <a:t>Complicated</a:t>
+            </a:r>
+            <a:r>
               <a:rPr lang="en-US" baseline="0" dirty="0" smtClean="0"/>
-              <a:t>Easy to use</a:t>
+              <a:t> interface design</a:t>
             </a:r>
           </a:p>
           <a:p>
@@ -1713,8 +1721,22 @@
               <a:buChar char="-"/>
             </a:pPr>
             <a:r>
+              <a:rPr lang="en-US" dirty="0" smtClean="0"/>
+              <a:t>DM</a:t>
+            </a:r>
+            <a:r>
               <a:rPr lang="en-US" baseline="0" dirty="0" smtClean="0"/>
-              <a:t>Lesson: Tradeoff Genericity – Service/usability</a:t>
+              <a:t> + AM in 1 model causes for redundant information/interface cluttering</a:t>
+            </a:r>
+          </a:p>
+          <a:p>
+            <a:pPr marL="171450" indent="-171450">
+              <a:buFontTx/>
+              <a:buChar char="-"/>
+            </a:pPr>
+            <a:r>
+              <a:rPr lang="en-US" baseline="0" dirty="0" smtClean="0"/>
+              <a:t>Lesson: separation of concerns is important, Graph interfaces are extremely difficult to properly use</a:t>
             </a:r>
             <a:endParaRPr lang="en-US" dirty="0"/>
           </a:p>
@@ -1747,7 +1769,7 @@
     </p:spTree>
     <p:extLst>
       <p:ext uri="{BB962C8B-B14F-4D97-AF65-F5344CB8AC3E}">
-        <p14:creationId xmlns:p14="http://schemas.microsoft.com/office/powerpoint/2010/main" val="1012684459"/>
+        <p14:creationId xmlns:p14="http://schemas.microsoft.com/office/powerpoint/2010/main" val="1904560937"/>
       </p:ext>
     </p:extLst>
   </p:cSld>
@@ -1807,11 +1829,11 @@
             </a:pPr>
             <a:r>
               <a:rPr lang="en-US" dirty="0" smtClean="0"/>
-              <a:t>Focused</a:t>
+              <a:t>Soft skills emulation made</a:t>
             </a:r>
             <a:r>
               <a:rPr lang="en-US" baseline="0" dirty="0" smtClean="0"/>
-              <a:t> heavily on separation of concerns</a:t>
+              <a:t> adaptive </a:t>
             </a:r>
           </a:p>
           <a:p>
@@ -1821,7 +1843,7 @@
             </a:pPr>
             <a:r>
               <a:rPr lang="en-US" baseline="0" dirty="0" smtClean="0"/>
-              <a:t>Designed to have multiple users work on different aspects of authoring</a:t>
+              <a:t>Educational simulations. Limited scope</a:t>
             </a:r>
           </a:p>
           <a:p>
@@ -1831,7 +1853,7 @@
             </a:pPr>
             <a:r>
               <a:rPr lang="en-US" baseline="0" dirty="0" smtClean="0"/>
-              <a:t>Separate (code) editor to introduce adaptation code</a:t>
+              <a:t>Easy to use</a:t>
             </a:r>
           </a:p>
           <a:p>
@@ -1841,8 +1863,9 @@
             </a:pPr>
             <a:r>
               <a:rPr lang="en-US" baseline="0" dirty="0" smtClean="0"/>
-              <a:t>Lesson Separation of concerns vs usability</a:t>
-            </a:r>
+              <a:t>Lesson: Tradeoff Genericity – Service/usability</a:t>
+            </a:r>
+            <a:endParaRPr lang="en-US" dirty="0"/>
           </a:p>
         </p:txBody>
       </p:sp>
@@ -1873,7 +1896,7 @@
     </p:spTree>
     <p:extLst>
       <p:ext uri="{BB962C8B-B14F-4D97-AF65-F5344CB8AC3E}">
-        <p14:creationId xmlns:p14="http://schemas.microsoft.com/office/powerpoint/2010/main" val="1072678123"/>
+        <p14:creationId xmlns:p14="http://schemas.microsoft.com/office/powerpoint/2010/main" val="1012684459"/>
       </p:ext>
     </p:extLst>
   </p:cSld>
@@ -2253,7 +2276,29 @@
             </a:r>
             <a:r>
               <a:rPr lang="en-US" baseline="0" dirty="0" smtClean="0"/>
-              <a:t> new concepts standard behavior: Rules and attributes. ALSO defines attributes over all concept types (used for layouts in GALE.) prevents having to declare them for every concept.</a:t>
+              <a:t> new concepts standard behavior: Rules and attributes. </a:t>
+            </a:r>
+            <a:endParaRPr lang="en-US" baseline="0" dirty="0" smtClean="0"/>
+          </a:p>
+          <a:p>
+            <a:r>
+              <a:rPr lang="en-US" baseline="0" dirty="0" smtClean="0"/>
+              <a:t>ALSO </a:t>
+            </a:r>
+            <a:r>
+              <a:rPr lang="en-US" baseline="0" dirty="0" smtClean="0"/>
+              <a:t>defines attributes over all concept types (used for layouts in GALE.) </a:t>
+            </a:r>
+            <a:endParaRPr lang="en-US" baseline="0" dirty="0" smtClean="0"/>
+          </a:p>
+          <a:p>
+            <a:r>
+              <a:rPr lang="en-US" baseline="0" dirty="0" smtClean="0"/>
+              <a:t>prevents </a:t>
+            </a:r>
+            <a:r>
+              <a:rPr lang="en-US" baseline="0" dirty="0" smtClean="0"/>
+              <a:t>having to declare them for every concept.</a:t>
             </a:r>
           </a:p>
         </p:txBody>
@@ -2353,6 +2398,18 @@
               <a:rPr lang="en-US" baseline="0" dirty="0" smtClean="0"/>
               <a:t> this does not contain rule definitions</a:t>
             </a:r>
+          </a:p>
+          <a:p>
+            <a:r>
+              <a:rPr lang="en-US" baseline="0" dirty="0" smtClean="0"/>
+              <a:t>ALL concepts have default attributes</a:t>
+            </a:r>
+          </a:p>
+          <a:p>
+            <a:r>
+              <a:rPr lang="en-US" baseline="0" dirty="0" smtClean="0"/>
+              <a:t>Concepts of concept type contains which additional rules/attributes it has. Rules will result in more attributes (defined by these rules)</a:t>
+            </a:r>
             <a:endParaRPr lang="en-US" dirty="0"/>
           </a:p>
         </p:txBody>
@@ -2385,6 +2442,396 @@
     <p:extLst>
       <p:ext uri="{BB962C8B-B14F-4D97-AF65-F5344CB8AC3E}">
         <p14:creationId xmlns:p14="http://schemas.microsoft.com/office/powerpoint/2010/main" val="17782060"/>
+      </p:ext>
+    </p:extLst>
+  </p:cSld>
+  <p:clrMapOvr>
+    <a:masterClrMapping/>
+  </p:clrMapOvr>
+</p:notes>
+</file>
+
+<file path=ppt/notesSlides/notesSlide22.xml><?xml version="1.0" encoding="utf-8"?>
+<p:notes xmlns:a="http://schemas.openxmlformats.org/drawingml/2006/main" xmlns:r="http://schemas.openxmlformats.org/officeDocument/2006/relationships" xmlns:p="http://schemas.openxmlformats.org/presentationml/2006/main">
+  <p:cSld>
+    <p:spTree>
+      <p:nvGrpSpPr>
+        <p:cNvPr id="1" name=""/>
+        <p:cNvGrpSpPr/>
+        <p:nvPr/>
+      </p:nvGrpSpPr>
+      <p:grpSpPr>
+        <a:xfrm>
+          <a:off x="0" y="0"/>
+          <a:ext cx="0" cy="0"/>
+          <a:chOff x="0" y="0"/>
+          <a:chExt cx="0" cy="0"/>
+        </a:xfrm>
+      </p:grpSpPr>
+      <p:sp>
+        <p:nvSpPr>
+          <p:cNvPr id="2" name="Slide Image Placeholder 1"/>
+          <p:cNvSpPr>
+            <a:spLocks noGrp="1" noRot="1" noChangeAspect="1"/>
+          </p:cNvSpPr>
+          <p:nvPr>
+            <p:ph type="sldImg"/>
+          </p:nvPr>
+        </p:nvSpPr>
+        <p:spPr/>
+      </p:sp>
+      <p:sp>
+        <p:nvSpPr>
+          <p:cNvPr id="3" name="Notes Placeholder 2"/>
+          <p:cNvSpPr>
+            <a:spLocks noGrp="1"/>
+          </p:cNvSpPr>
+          <p:nvPr>
+            <p:ph type="body" idx="1"/>
+          </p:nvPr>
+        </p:nvSpPr>
+        <p:spPr/>
+        <p:txBody>
+          <a:bodyPr/>
+          <a:lstStyle/>
+          <a:p>
+            <a:r>
+              <a:rPr lang="en-US" dirty="0" smtClean="0"/>
+              <a:t>Def rules Volatile -&gt; code calculated value</a:t>
+            </a:r>
+            <a:r>
+              <a:rPr lang="en-US" baseline="0" dirty="0" smtClean="0"/>
+              <a:t> when required</a:t>
+            </a:r>
+          </a:p>
+          <a:p>
+            <a:r>
+              <a:rPr lang="en-US" dirty="0" err="1" smtClean="0"/>
+              <a:t>Pers</a:t>
+            </a:r>
+            <a:r>
+              <a:rPr lang="en-US" baseline="0" dirty="0" smtClean="0"/>
+              <a:t> rules persistent -&gt; Only attribute updates are calculated (attribute stored in user profile automatically by GALE</a:t>
+            </a:r>
+            <a:r>
+              <a:rPr lang="en-US" baseline="0" dirty="0" smtClean="0"/>
+              <a:t>)</a:t>
+            </a:r>
+            <a:endParaRPr lang="en-US" baseline="0" dirty="0" smtClean="0"/>
+          </a:p>
+        </p:txBody>
+      </p:sp>
+      <p:sp>
+        <p:nvSpPr>
+          <p:cNvPr id="4" name="Slide Number Placeholder 3"/>
+          <p:cNvSpPr>
+            <a:spLocks noGrp="1"/>
+          </p:cNvSpPr>
+          <p:nvPr>
+            <p:ph type="sldNum" sz="quarter" idx="10"/>
+          </p:nvPr>
+        </p:nvSpPr>
+        <p:spPr/>
+        <p:txBody>
+          <a:bodyPr/>
+          <a:lstStyle/>
+          <a:p>
+            <a:fld id="{BA38712C-9AF5-4848-9673-7EF0823A4FB2}" type="slidenum">
+              <a:rPr lang="nl-NL" altLang="en-US" smtClean="0"/>
+              <a:pPr/>
+              <a:t>24</a:t>
+            </a:fld>
+            <a:endParaRPr lang="nl-NL" altLang="en-US"/>
+          </a:p>
+        </p:txBody>
+      </p:sp>
+    </p:spTree>
+    <p:extLst>
+      <p:ext uri="{BB962C8B-B14F-4D97-AF65-F5344CB8AC3E}">
+        <p14:creationId xmlns:p14="http://schemas.microsoft.com/office/powerpoint/2010/main" val="1850352630"/>
+      </p:ext>
+    </p:extLst>
+  </p:cSld>
+  <p:clrMapOvr>
+    <a:masterClrMapping/>
+  </p:clrMapOvr>
+</p:notes>
+</file>
+
+<file path=ppt/notesSlides/notesSlide23.xml><?xml version="1.0" encoding="utf-8"?>
+<p:notes xmlns:a="http://schemas.openxmlformats.org/drawingml/2006/main" xmlns:r="http://schemas.openxmlformats.org/officeDocument/2006/relationships" xmlns:p="http://schemas.openxmlformats.org/presentationml/2006/main">
+  <p:cSld>
+    <p:spTree>
+      <p:nvGrpSpPr>
+        <p:cNvPr id="1" name=""/>
+        <p:cNvGrpSpPr/>
+        <p:nvPr/>
+      </p:nvGrpSpPr>
+      <p:grpSpPr>
+        <a:xfrm>
+          <a:off x="0" y="0"/>
+          <a:ext cx="0" cy="0"/>
+          <a:chOff x="0" y="0"/>
+          <a:chExt cx="0" cy="0"/>
+        </a:xfrm>
+      </p:grpSpPr>
+      <p:sp>
+        <p:nvSpPr>
+          <p:cNvPr id="2" name="Slide Image Placeholder 1"/>
+          <p:cNvSpPr>
+            <a:spLocks noGrp="1" noRot="1" noChangeAspect="1"/>
+          </p:cNvSpPr>
+          <p:nvPr>
+            <p:ph type="sldImg"/>
+          </p:nvPr>
+        </p:nvSpPr>
+        <p:spPr/>
+      </p:sp>
+      <p:sp>
+        <p:nvSpPr>
+          <p:cNvPr id="3" name="Notes Placeholder 2"/>
+          <p:cNvSpPr>
+            <a:spLocks noGrp="1"/>
+          </p:cNvSpPr>
+          <p:nvPr>
+            <p:ph type="body" idx="1"/>
+          </p:nvPr>
+        </p:nvSpPr>
+        <p:spPr/>
+        <p:txBody>
+          <a:bodyPr/>
+          <a:lstStyle/>
+          <a:p>
+            <a:r>
+              <a:rPr lang="en-US" dirty="0" smtClean="0"/>
+              <a:t>Cannot show everything…..</a:t>
+            </a:r>
+          </a:p>
+          <a:p>
+            <a:r>
+              <a:rPr lang="en-US" baseline="0" dirty="0" smtClean="0"/>
+              <a:t>Will show some things it does better than GAT.</a:t>
+            </a:r>
+          </a:p>
+          <a:p>
+            <a:pPr marL="171450" indent="-171450">
+              <a:buFontTx/>
+              <a:buChar char="-"/>
+            </a:pPr>
+            <a:r>
+              <a:rPr lang="en-US" baseline="0" dirty="0" smtClean="0"/>
+              <a:t>Think per concept</a:t>
+            </a:r>
+          </a:p>
+          <a:p>
+            <a:pPr marL="171450" indent="-171450">
+              <a:buFontTx/>
+              <a:buChar char="-"/>
+            </a:pPr>
+            <a:r>
+              <a:rPr lang="en-US" baseline="0" dirty="0" smtClean="0"/>
+              <a:t>Hierarchical parent-child structure (can also be used by GALE layout)</a:t>
+            </a:r>
+          </a:p>
+          <a:p>
+            <a:pPr marL="171450" indent="-171450">
+              <a:buFontTx/>
+              <a:buChar char="-"/>
+            </a:pPr>
+            <a:r>
+              <a:rPr lang="en-US" baseline="0" dirty="0" smtClean="0"/>
+              <a:t>All concept settings in one screen</a:t>
+            </a:r>
+          </a:p>
+          <a:p>
+            <a:pPr marL="171450" indent="-171450">
+              <a:buFontTx/>
+              <a:buChar char="-"/>
+            </a:pPr>
+            <a:r>
+              <a:rPr lang="en-US" baseline="0" dirty="0" smtClean="0"/>
+              <a:t>DM + AM in 1 tool.</a:t>
+            </a:r>
+            <a:endParaRPr lang="en-US" baseline="0" dirty="0" smtClean="0"/>
+          </a:p>
+        </p:txBody>
+      </p:sp>
+      <p:sp>
+        <p:nvSpPr>
+          <p:cNvPr id="4" name="Slide Number Placeholder 3"/>
+          <p:cNvSpPr>
+            <a:spLocks noGrp="1"/>
+          </p:cNvSpPr>
+          <p:nvPr>
+            <p:ph type="sldNum" sz="quarter" idx="10"/>
+          </p:nvPr>
+        </p:nvSpPr>
+        <p:spPr/>
+        <p:txBody>
+          <a:bodyPr/>
+          <a:lstStyle/>
+          <a:p>
+            <a:fld id="{BA38712C-9AF5-4848-9673-7EF0823A4FB2}" type="slidenum">
+              <a:rPr lang="nl-NL" altLang="en-US" smtClean="0"/>
+              <a:pPr/>
+              <a:t>25</a:t>
+            </a:fld>
+            <a:endParaRPr lang="nl-NL" altLang="en-US"/>
+          </a:p>
+        </p:txBody>
+      </p:sp>
+    </p:spTree>
+    <p:extLst>
+      <p:ext uri="{BB962C8B-B14F-4D97-AF65-F5344CB8AC3E}">
+        <p14:creationId xmlns:p14="http://schemas.microsoft.com/office/powerpoint/2010/main" val="1059428034"/>
+      </p:ext>
+    </p:extLst>
+  </p:cSld>
+  <p:clrMapOvr>
+    <a:masterClrMapping/>
+  </p:clrMapOvr>
+</p:notes>
+</file>
+
+<file path=ppt/notesSlides/notesSlide24.xml><?xml version="1.0" encoding="utf-8"?>
+<p:notes xmlns:a="http://schemas.openxmlformats.org/drawingml/2006/main" xmlns:r="http://schemas.openxmlformats.org/officeDocument/2006/relationships" xmlns:p="http://schemas.openxmlformats.org/presentationml/2006/main">
+  <p:cSld>
+    <p:spTree>
+      <p:nvGrpSpPr>
+        <p:cNvPr id="1" name=""/>
+        <p:cNvGrpSpPr/>
+        <p:nvPr/>
+      </p:nvGrpSpPr>
+      <p:grpSpPr>
+        <a:xfrm>
+          <a:off x="0" y="0"/>
+          <a:ext cx="0" cy="0"/>
+          <a:chOff x="0" y="0"/>
+          <a:chExt cx="0" cy="0"/>
+        </a:xfrm>
+      </p:grpSpPr>
+      <p:sp>
+        <p:nvSpPr>
+          <p:cNvPr id="2" name="Slide Image Placeholder 1"/>
+          <p:cNvSpPr>
+            <a:spLocks noGrp="1" noRot="1" noChangeAspect="1"/>
+          </p:cNvSpPr>
+          <p:nvPr>
+            <p:ph type="sldImg"/>
+          </p:nvPr>
+        </p:nvSpPr>
+        <p:spPr/>
+      </p:sp>
+      <p:sp>
+        <p:nvSpPr>
+          <p:cNvPr id="3" name="Notes Placeholder 2"/>
+          <p:cNvSpPr>
+            <a:spLocks noGrp="1"/>
+          </p:cNvSpPr>
+          <p:nvPr>
+            <p:ph type="body" idx="1"/>
+          </p:nvPr>
+        </p:nvSpPr>
+        <p:spPr/>
+        <p:txBody>
+          <a:bodyPr/>
+          <a:lstStyle/>
+          <a:p>
+            <a:r>
+              <a:rPr lang="en-US" dirty="0" smtClean="0"/>
+              <a:t>ALAT</a:t>
+            </a:r>
+            <a:r>
+              <a:rPr lang="en-US" baseline="0" dirty="0" smtClean="0"/>
+              <a:t> is meant to be new GALE platform</a:t>
+            </a:r>
+          </a:p>
+          <a:p>
+            <a:r>
+              <a:rPr lang="en-US" baseline="0" dirty="0" smtClean="0"/>
+              <a:t>Learning styles in AH have been researched at TU/e, introduce them to </a:t>
+            </a:r>
+            <a:r>
+              <a:rPr lang="en-US" baseline="0" dirty="0" err="1" smtClean="0"/>
+              <a:t>alat</a:t>
+            </a:r>
+            <a:r>
+              <a:rPr lang="en-US" baseline="0" dirty="0" smtClean="0"/>
+              <a:t>!</a:t>
+            </a:r>
+          </a:p>
+          <a:p>
+            <a:r>
+              <a:rPr lang="en-US" baseline="0" dirty="0" smtClean="0"/>
+              <a:t>Due to </a:t>
+            </a:r>
+            <a:r>
+              <a:rPr lang="en-US" baseline="0" dirty="0" err="1" smtClean="0"/>
+              <a:t>roode</a:t>
+            </a:r>
+            <a:r>
+              <a:rPr lang="en-US" baseline="0" dirty="0" smtClean="0"/>
+              <a:t> </a:t>
+            </a:r>
+            <a:r>
+              <a:rPr lang="en-US" baseline="0" dirty="0" err="1" smtClean="0"/>
+              <a:t>kikker</a:t>
+            </a:r>
+            <a:r>
+              <a:rPr lang="en-US" baseline="0" dirty="0" smtClean="0"/>
+              <a:t> connection: create a version usable by teachers.</a:t>
+            </a:r>
+          </a:p>
+          <a:p>
+            <a:r>
+              <a:rPr lang="en-US" baseline="0" dirty="0" smtClean="0"/>
+              <a:t>Testing will probably conclude an easier version is needed. Refer to </a:t>
+            </a:r>
+            <a:r>
+              <a:rPr lang="en-US" baseline="0" dirty="0" err="1" smtClean="0"/>
+              <a:t>ACTSim</a:t>
+            </a:r>
+            <a:endParaRPr lang="en-US" baseline="0" dirty="0" smtClean="0"/>
+          </a:p>
+          <a:p>
+            <a:r>
+              <a:rPr lang="en-US" baseline="0" dirty="0" smtClean="0"/>
+              <a:t>HTI maybe? Can we make a graph-like interface work in authoring at all?</a:t>
+            </a:r>
+          </a:p>
+          <a:p>
+            <a:endParaRPr lang="en-US" dirty="0"/>
+          </a:p>
+        </p:txBody>
+      </p:sp>
+      <p:sp>
+        <p:nvSpPr>
+          <p:cNvPr id="4" name="Slide Number Placeholder 3"/>
+          <p:cNvSpPr>
+            <a:spLocks noGrp="1"/>
+          </p:cNvSpPr>
+          <p:nvPr>
+            <p:ph type="sldNum" sz="quarter" idx="10"/>
+          </p:nvPr>
+        </p:nvSpPr>
+        <p:spPr/>
+        <p:txBody>
+          <a:bodyPr/>
+          <a:lstStyle/>
+          <a:p>
+            <a:fld id="{BA38712C-9AF5-4848-9673-7EF0823A4FB2}" type="slidenum">
+              <a:rPr lang="nl-NL" altLang="en-US" smtClean="0"/>
+              <a:pPr/>
+              <a:t>26</a:t>
+            </a:fld>
+            <a:endParaRPr lang="nl-NL" altLang="en-US"/>
+          </a:p>
+        </p:txBody>
+      </p:sp>
+    </p:spTree>
+    <p:extLst>
+      <p:ext uri="{BB962C8B-B14F-4D97-AF65-F5344CB8AC3E}">
+        <p14:creationId xmlns:p14="http://schemas.microsoft.com/office/powerpoint/2010/main" val="1615268851"/>
       </p:ext>
     </p:extLst>
   </p:cSld>
@@ -2458,7 +2905,17 @@
             </a:pPr>
             <a:r>
               <a:rPr lang="en-US" baseline="0" dirty="0" smtClean="0"/>
-              <a:t>So: Browser content which adapts.</a:t>
+              <a:t>So: Browser content which adapts to a user specifically.</a:t>
+            </a:r>
+          </a:p>
+          <a:p>
+            <a:pPr marL="171450" indent="-171450">
+              <a:buFontTx/>
+              <a:buChar char="-"/>
+            </a:pPr>
+            <a:r>
+              <a:rPr lang="en-US" baseline="0" dirty="0" smtClean="0"/>
+              <a:t>Adaptive Hypermedia is about adapting content to the user, rather than a 1 size fits all solution for all users.</a:t>
             </a:r>
             <a:endParaRPr lang="en-US" dirty="0"/>
           </a:p>
@@ -2547,11 +3004,7 @@
           <a:p>
             <a:r>
               <a:rPr lang="en-US" dirty="0" smtClean="0"/>
-              <a:t>User profile can be filled in by the adaptive</a:t>
-            </a:r>
-            <a:r>
-              <a:rPr lang="en-US" baseline="0" dirty="0" smtClean="0"/>
-              <a:t> system itself or externally from some other data source</a:t>
+              <a:t>Whatever you can think of in terms of personalization in web applications</a:t>
             </a:r>
             <a:endParaRPr lang="en-US" dirty="0"/>
           </a:p>
@@ -2584,7 +3037,7 @@
     </p:spTree>
     <p:extLst>
       <p:ext uri="{BB962C8B-B14F-4D97-AF65-F5344CB8AC3E}">
-        <p14:creationId xmlns:p14="http://schemas.microsoft.com/office/powerpoint/2010/main" val="2433167867"/>
+        <p14:creationId xmlns:p14="http://schemas.microsoft.com/office/powerpoint/2010/main" val="1877672371"/>
       </p:ext>
     </p:extLst>
   </p:cSld>
@@ -2638,37 +3091,51 @@
           <a:bodyPr/>
           <a:lstStyle/>
           <a:p>
-            <a:pPr marL="171450" indent="-171450">
-              <a:buFontTx/>
-              <a:buChar char="-"/>
-            </a:pPr>
             <a:r>
               <a:rPr lang="en-US" dirty="0" smtClean="0"/>
-              <a:t>GALE is the TU/e</a:t>
+              <a:t>User profile can be filled in by the adaptive</a:t>
             </a:r>
             <a:r>
               <a:rPr lang="en-US" baseline="0" dirty="0" smtClean="0"/>
-              <a:t> standard adaptive hypermedia platform.</a:t>
-            </a:r>
-          </a:p>
-          <a:p>
-            <a:pPr marL="171450" indent="-171450">
-              <a:buFontTx/>
-              <a:buChar char="-"/>
-            </a:pPr>
+              <a:t> system </a:t>
+            </a:r>
             <a:r>
               <a:rPr lang="en-US" baseline="0" dirty="0" smtClean="0"/>
-              <a:t>Developed in GRAPPLE project. Collaboration with European partners both industrial and academic.	2008 to 2011</a:t>
-            </a:r>
-          </a:p>
-          <a:p>
-            <a:pPr marL="171450" indent="-171450">
-              <a:buFontTx/>
-              <a:buChar char="-"/>
-            </a:pPr>
+              <a:t>itself (like </a:t>
+            </a:r>
+            <a:r>
+              <a:rPr lang="en-US" baseline="0" dirty="0" err="1" smtClean="0"/>
+              <a:t>nr</a:t>
+            </a:r>
             <a:r>
               <a:rPr lang="en-US" baseline="0" dirty="0" smtClean="0"/>
-              <a:t>Gale runs “adaptive applications”</a:t>
+              <a:t> times visited or time spent on a page, questionnaire/</a:t>
+            </a:r>
+            <a:r>
+              <a:rPr lang="en-US" baseline="0" dirty="0" err="1" smtClean="0"/>
+              <a:t>excersise</a:t>
+            </a:r>
+            <a:r>
+              <a:rPr lang="en-US" baseline="0" dirty="0" smtClean="0"/>
+              <a:t> results) </a:t>
+            </a:r>
+          </a:p>
+          <a:p>
+            <a:r>
+              <a:rPr lang="en-US" baseline="0" dirty="0" smtClean="0"/>
+              <a:t>Or </a:t>
+            </a:r>
+            <a:r>
+              <a:rPr lang="en-US" baseline="0" dirty="0" smtClean="0"/>
+              <a:t>externally from some other </a:t>
+            </a:r>
+            <a:r>
+              <a:rPr lang="en-US" baseline="0" dirty="0" smtClean="0"/>
+              <a:t>available data </a:t>
+            </a:r>
+            <a:r>
+              <a:rPr lang="en-US" baseline="0" dirty="0" smtClean="0"/>
+              <a:t>source</a:t>
             </a:r>
             <a:endParaRPr lang="en-US" dirty="0"/>
           </a:p>
@@ -2701,7 +3168,7 @@
     </p:spTree>
     <p:extLst>
       <p:ext uri="{BB962C8B-B14F-4D97-AF65-F5344CB8AC3E}">
-        <p14:creationId xmlns:p14="http://schemas.microsoft.com/office/powerpoint/2010/main" val="1061621038"/>
+        <p14:creationId xmlns:p14="http://schemas.microsoft.com/office/powerpoint/2010/main" val="2433167867"/>
       </p:ext>
     </p:extLst>
   </p:cSld>
@@ -2755,54 +3222,37 @@
           <a:bodyPr/>
           <a:lstStyle/>
           <a:p>
+            <a:pPr marL="171450" indent="-171450">
+              <a:buFontTx/>
+              <a:buChar char="-"/>
+            </a:pPr>
             <a:r>
               <a:rPr lang="en-US" dirty="0" smtClean="0"/>
-              <a:t>Adaptive applications</a:t>
+              <a:t>GALE is the TU/e</a:t>
             </a:r>
             <a:r>
               <a:rPr lang="en-US" baseline="0" dirty="0" smtClean="0"/>
-              <a:t> consist out of DM + AM.</a:t>
-            </a:r>
-            <a:endParaRPr lang="en-US" dirty="0" smtClean="0"/>
-          </a:p>
-          <a:p>
-            <a:r>
-              <a:rPr lang="en-US" dirty="0" smtClean="0"/>
-              <a:t>Name examples of</a:t>
-            </a:r>
+              <a:t> standard adaptive hypermedia platform.</a:t>
+            </a:r>
+          </a:p>
+          <a:p>
+            <a:pPr marL="171450" indent="-171450">
+              <a:buFontTx/>
+              <a:buChar char="-"/>
+            </a:pPr>
             <a:r>
               <a:rPr lang="en-US" baseline="0" dirty="0" smtClean="0"/>
-              <a:t> DM items, </a:t>
-            </a:r>
-            <a:r>
-              <a:rPr lang="en-US" baseline="0" dirty="0" err="1" smtClean="0"/>
-              <a:t>Att</a:t>
-            </a:r>
+              <a:t>Developed in GRAPPLE project. Collaboration with European partners both industrial and academic.	2008 to 2011</a:t>
+            </a:r>
+          </a:p>
+          <a:p>
+            <a:pPr marL="171450" indent="-171450">
+              <a:buFontTx/>
+              <a:buChar char="-"/>
+            </a:pPr>
             <a:r>
               <a:rPr lang="en-US" baseline="0" dirty="0" smtClean="0"/>
-              <a:t>/</a:t>
-            </a:r>
-            <a:r>
-              <a:rPr lang="en-US" baseline="0" dirty="0" err="1" smtClean="0"/>
-              <a:t>params</a:t>
-            </a:r>
-            <a:r>
-              <a:rPr lang="en-US" baseline="0" dirty="0" smtClean="0"/>
-              <a:t>: name, web resource, category. Non-pedagogical rules: parent/child or functional: Moon </a:t>
-            </a:r>
-            <a:r>
-              <a:rPr lang="en-US" baseline="0" dirty="0" err="1" smtClean="0"/>
-              <a:t>rotatesAround</a:t>
-            </a:r>
-            <a:r>
-              <a:rPr lang="en-US" baseline="0" dirty="0" smtClean="0"/>
-              <a:t> earth.</a:t>
-            </a:r>
-          </a:p>
-          <a:p>
-            <a:r>
-              <a:rPr lang="en-US" baseline="0" dirty="0" smtClean="0"/>
-              <a:t>AM</a:t>
+              <a:t>Gale runs “adaptive applications”</a:t>
             </a:r>
             <a:endParaRPr lang="en-US" dirty="0"/>
           </a:p>
@@ -2835,7 +3285,7 @@
     </p:spTree>
     <p:extLst>
       <p:ext uri="{BB962C8B-B14F-4D97-AF65-F5344CB8AC3E}">
-        <p14:creationId xmlns:p14="http://schemas.microsoft.com/office/powerpoint/2010/main" val="954073715"/>
+        <p14:creationId xmlns:p14="http://schemas.microsoft.com/office/powerpoint/2010/main" val="1061621038"/>
       </p:ext>
     </p:extLst>
   </p:cSld>
@@ -2891,28 +3341,68 @@
           <a:p>
             <a:r>
               <a:rPr lang="en-US" dirty="0" smtClean="0"/>
-              <a:t>Complicated: Rules</a:t>
+              <a:t>Adaptive applications</a:t>
             </a:r>
             <a:r>
               <a:rPr lang="en-US" baseline="0" dirty="0" smtClean="0"/>
-              <a:t> are in code very technical. Large applications become unmanageable.</a:t>
-            </a:r>
-          </a:p>
-          <a:p>
+              <a:t> consist out of DM + AM.</a:t>
+            </a:r>
+            <a:endParaRPr lang="en-US" dirty="0" smtClean="0"/>
+          </a:p>
+          <a:p>
+            <a:r>
+              <a:rPr lang="en-US" dirty="0" smtClean="0"/>
+              <a:t>Name examples of</a:t>
+            </a:r>
             <a:r>
               <a:rPr lang="en-US" baseline="0" dirty="0" smtClean="0"/>
-              <a:t>Tedious: Lot of repeated behavior. This results in a lot of dumb </a:t>
+              <a:t> DM items, </a:t>
             </a:r>
             <a:r>
               <a:rPr lang="en-US" baseline="0" dirty="0" err="1" smtClean="0"/>
-              <a:t>labour</a:t>
+              <a:t>Att</a:t>
             </a:r>
             <a:r>
               <a:rPr lang="en-US" baseline="0" dirty="0" smtClean="0"/>
-              <a:t>.</a:t>
-            </a:r>
-          </a:p>
-          <a:p>
+              <a:t>/</a:t>
+            </a:r>
+            <a:r>
+              <a:rPr lang="en-US" baseline="0" dirty="0" err="1" smtClean="0"/>
+              <a:t>params</a:t>
+            </a:r>
+            <a:r>
+              <a:rPr lang="en-US" baseline="0" dirty="0" smtClean="0"/>
+              <a:t>: name, web resource, category. </a:t>
+            </a:r>
+          </a:p>
+          <a:p>
+            <a:r>
+              <a:rPr lang="en-US" baseline="0" dirty="0" smtClean="0"/>
+              <a:t>Non-pedagogical rules: parent/child or functional: Moon </a:t>
+            </a:r>
+            <a:r>
+              <a:rPr lang="en-US" baseline="0" dirty="0" err="1" smtClean="0"/>
+              <a:t>rotatesAround</a:t>
+            </a:r>
+            <a:r>
+              <a:rPr lang="en-US" baseline="0" dirty="0" smtClean="0"/>
+              <a:t> earth. (used in gale layouts to create hierarchy or lists for example)</a:t>
+            </a:r>
+          </a:p>
+          <a:p>
+            <a:r>
+              <a:rPr lang="en-US" baseline="0" dirty="0" smtClean="0"/>
+              <a:t>AM.</a:t>
+            </a:r>
+          </a:p>
+          <a:p>
+            <a:endParaRPr lang="en-US" baseline="0" dirty="0" smtClean="0"/>
+          </a:p>
+          <a:p>
+            <a:r>
+              <a:rPr lang="en-US" baseline="0" dirty="0" smtClean="0"/>
+              <a:t>Snippet comes from demo, developed earlier by a masters student. I redeveloped it using ALAT. Will show this in live demo</a:t>
+            </a:r>
             <a:endParaRPr lang="en-US" dirty="0"/>
           </a:p>
         </p:txBody>
@@ -2944,7 +3434,7 @@
     </p:spTree>
     <p:extLst>
       <p:ext uri="{BB962C8B-B14F-4D97-AF65-F5344CB8AC3E}">
-        <p14:creationId xmlns:p14="http://schemas.microsoft.com/office/powerpoint/2010/main" val="433205510"/>
+        <p14:creationId xmlns:p14="http://schemas.microsoft.com/office/powerpoint/2010/main" val="954073715"/>
       </p:ext>
     </p:extLst>
   </p:cSld>
@@ -3000,12 +3490,25 @@
           <a:p>
             <a:r>
               <a:rPr lang="en-US" dirty="0" smtClean="0"/>
-              <a:t>Take away complexity from the user. </a:t>
+              <a:t>Complicated: Rules</a:t>
             </a:r>
             <a:r>
               <a:rPr lang="en-US" baseline="0" dirty="0" smtClean="0"/>
-              <a:t> Makes designing easier.  Generate applications based on design.</a:t>
-            </a:r>
+              <a:t> are in code very technical. Large applications become unmanageable.</a:t>
+            </a:r>
+          </a:p>
+          <a:p>
+            <a:r>
+              <a:rPr lang="en-US" baseline="0" dirty="0" smtClean="0"/>
+              <a:t>Tedious: Lot of repeated behavior. This results in a lot of dumb </a:t>
+            </a:r>
+            <a:r>
+              <a:rPr lang="en-US" baseline="0" dirty="0" smtClean="0"/>
+              <a:t>labor.</a:t>
+            </a:r>
+            <a:endParaRPr lang="en-US" baseline="0" dirty="0" smtClean="0"/>
+          </a:p>
+          <a:p>
             <a:endParaRPr lang="en-US" dirty="0"/>
           </a:p>
         </p:txBody>
@@ -3037,7 +3540,7 @@
     </p:spTree>
     <p:extLst>
       <p:ext uri="{BB962C8B-B14F-4D97-AF65-F5344CB8AC3E}">
-        <p14:creationId xmlns:p14="http://schemas.microsoft.com/office/powerpoint/2010/main" val="2428940239"/>
+        <p14:creationId xmlns:p14="http://schemas.microsoft.com/office/powerpoint/2010/main" val="433205510"/>
       </p:ext>
     </p:extLst>
   </p:cSld>
@@ -3091,27 +3594,13 @@
           <a:bodyPr/>
           <a:lstStyle/>
           <a:p>
-            <a:pPr marL="171450" indent="-171450">
-              <a:buFontTx/>
-              <a:buChar char="-"/>
-            </a:pPr>
             <a:r>
               <a:rPr lang="en-US" dirty="0" smtClean="0"/>
-              <a:t>Current authoring</a:t>
+              <a:t>Take away complexity from the user. </a:t>
             </a:r>
             <a:r>
               <a:rPr lang="en-US" baseline="0" dirty="0" smtClean="0"/>
-              <a:t> tool for GALE</a:t>
-            </a:r>
-          </a:p>
-          <a:p>
-            <a:pPr marL="171450" indent="-171450">
-              <a:buFontTx/>
-              <a:buChar char="-"/>
-            </a:pPr>
-            <a:r>
-              <a:rPr lang="en-US" baseline="0" dirty="0" smtClean="0"/>
-              <a:t>Some unfortunate design decisions taken due to multiple project partners </a:t>
+              <a:t> Makes designing easier.  Generate applications based on design.</a:t>
             </a:r>
             <a:endParaRPr lang="en-US" dirty="0"/>
           </a:p>
@@ -3144,7 +3633,7 @@
     </p:spTree>
     <p:extLst>
       <p:ext uri="{BB962C8B-B14F-4D97-AF65-F5344CB8AC3E}">
-        <p14:creationId xmlns:p14="http://schemas.microsoft.com/office/powerpoint/2010/main" val="1197643051"/>
+        <p14:creationId xmlns:p14="http://schemas.microsoft.com/office/powerpoint/2010/main" val="2428940239"/>
       </p:ext>
     </p:extLst>
   </p:cSld>
@@ -7573,7 +8062,7 @@
         <p:spPr bwMode="auto">
           <a:xfrm>
             <a:off x="276225" y="1622425"/>
-            <a:ext cx="3592513" cy="1963738"/>
+            <a:ext cx="3592513" cy="1337343"/>
           </a:xfrm>
           <a:noFill/>
           <a:extLst>
@@ -7611,10 +8100,6 @@
               </a:rPr>
               <a:t>ALAT</a:t>
             </a:r>
-            <a:endParaRPr lang="en-US" altLang="en-US" dirty="0" smtClean="0">
-              <a:latin typeface="Arial" panose="020B0604020202020204" pitchFamily="34" charset="0"/>
-              <a:cs typeface="Arial" panose="020B0604020202020204" pitchFamily="34" charset="0"/>
-            </a:endParaRPr>
           </a:p>
         </p:txBody>
       </p:sp>
@@ -7630,7 +8115,7 @@
         </p:nvSpPr>
         <p:spPr bwMode="auto">
           <a:xfrm>
-            <a:off x="276225" y="3678238"/>
+            <a:off x="276225" y="2959768"/>
             <a:ext cx="3149600" cy="2705100"/>
           </a:xfrm>
           <a:noFill/>
@@ -7667,12 +8152,8 @@
                 <a:latin typeface="Arial" panose="020B0604020202020204" pitchFamily="34" charset="0"/>
                 <a:cs typeface="Arial" panose="020B0604020202020204" pitchFamily="34" charset="0"/>
               </a:rPr>
-              <a:t>A new authoring environment</a:t>
-            </a:r>
-            <a:endParaRPr lang="en-US" altLang="en-US" dirty="0" smtClean="0">
-              <a:latin typeface="Arial" panose="020B0604020202020204" pitchFamily="34" charset="0"/>
-              <a:cs typeface="Arial" panose="020B0604020202020204" pitchFamily="34" charset="0"/>
-            </a:endParaRPr>
+              <a:t>A new authoring environment for GALE</a:t>
+            </a:r>
           </a:p>
         </p:txBody>
       </p:sp>
@@ -7729,65 +8210,57 @@
               <a:buNone/>
             </a:pPr>
             <a:r>
-              <a:rPr lang="en-US" sz="2800" b="1" dirty="0" smtClean="0"/>
-              <a:t>The current tool for GALE:</a:t>
-            </a:r>
-            <a:br>
-              <a:rPr lang="en-US" sz="2800" b="1" dirty="0" smtClean="0"/>
-            </a:br>
-            <a:r>
-              <a:rPr lang="en-US" sz="2800" b="1" dirty="0" smtClean="0"/>
-              <a:t>GAT</a:t>
+              <a:rPr lang="en-US" sz="2800" dirty="0" smtClean="0"/>
+              <a:t>The solution: Authoring Tools</a:t>
             </a:r>
           </a:p>
           <a:p>
             <a:pPr marL="0" indent="0" algn="ctr">
               <a:buNone/>
             </a:pPr>
-            <a:endParaRPr lang="en-US" sz="2800" b="1" dirty="0"/>
-          </a:p>
-          <a:p>
-            <a:r>
-              <a:rPr lang="en-US" dirty="0" smtClean="0"/>
-              <a:t>GRAPPLE Authoring Tool</a:t>
-            </a:r>
-          </a:p>
-          <a:p>
-            <a:r>
-              <a:rPr lang="en-US" dirty="0" smtClean="0"/>
-              <a:t>Created by multiple parties</a:t>
-            </a:r>
-          </a:p>
-          <a:p>
-            <a:r>
-              <a:rPr lang="en-US" dirty="0" smtClean="0"/>
-              <a:t>Unfortunate design decisions</a:t>
-            </a:r>
-          </a:p>
-          <a:p>
-            <a:endParaRPr lang="en-US" dirty="0" smtClean="0"/>
+            <a:endParaRPr lang="en-US" sz="2800" dirty="0" smtClean="0"/>
+          </a:p>
+          <a:p>
+            <a:pPr marL="0" indent="0" algn="ctr">
+              <a:buNone/>
+            </a:pPr>
+            <a:endParaRPr lang="en-US" sz="2800" dirty="0"/>
+          </a:p>
+          <a:p>
+            <a:pPr marL="0" indent="0" algn="ctr">
+              <a:buNone/>
+            </a:pPr>
+            <a:endParaRPr lang="en-US" sz="2800" dirty="0"/>
+          </a:p>
+        </p:txBody>
+      </p:sp>
+      <p:sp>
+        <p:nvSpPr>
+          <p:cNvPr id="3" name="Subtitle 2"/>
+          <p:cNvSpPr>
+            <a:spLocks noGrp="1"/>
+          </p:cNvSpPr>
+          <p:nvPr>
+            <p:ph type="subTitle" idx="1"/>
+          </p:nvPr>
+        </p:nvSpPr>
+        <p:spPr/>
+        <p:txBody>
+          <a:bodyPr>
+            <a:normAutofit fontScale="70000" lnSpcReduction="20000"/>
+          </a:bodyPr>
+          <a:lstStyle/>
+          <a:p>
+            <a:r>
+              <a:rPr lang="en-US" altLang="en-US" dirty="0">
+                <a:latin typeface="Arial" panose="020B0604020202020204" pitchFamily="34" charset="0"/>
+                <a:cs typeface="Arial" panose="020B0604020202020204" pitchFamily="34" charset="0"/>
+              </a:rPr>
+              <a:t>ALAT: A new authoring environment</a:t>
+            </a:r>
           </a:p>
           <a:p>
             <a:endParaRPr lang="en-US" dirty="0"/>
-          </a:p>
-        </p:txBody>
-      </p:sp>
-      <p:sp>
-        <p:nvSpPr>
-          <p:cNvPr id="3" name="Subtitle 2"/>
-          <p:cNvSpPr>
-            <a:spLocks noGrp="1"/>
-          </p:cNvSpPr>
-          <p:nvPr>
-            <p:ph type="subTitle" idx="1"/>
-          </p:nvPr>
-        </p:nvSpPr>
-        <p:spPr/>
-        <p:txBody>
-          <a:bodyPr/>
-          <a:lstStyle/>
-          <a:p>
-            <a:endParaRPr lang="en-US"/>
           </a:p>
         </p:txBody>
       </p:sp>
@@ -7818,7 +8291,7 @@
     </p:spTree>
     <p:extLst>
       <p:ext uri="{BB962C8B-B14F-4D97-AF65-F5344CB8AC3E}">
-        <p14:creationId xmlns:p14="http://schemas.microsoft.com/office/powerpoint/2010/main" val="2657944682"/>
+        <p14:creationId xmlns:p14="http://schemas.microsoft.com/office/powerpoint/2010/main" val="2219527320"/>
       </p:ext>
     </p:extLst>
   </p:cSld>
@@ -7874,7 +8347,14 @@
             </a:pPr>
             <a:r>
               <a:rPr lang="en-US" sz="2800" b="1" dirty="0" smtClean="0"/>
-              <a:t>3 tools in 1</a:t>
+              <a:t>The current tool for GALE:</a:t>
+            </a:r>
+            <a:br>
+              <a:rPr lang="en-US" sz="2800" b="1" dirty="0" smtClean="0"/>
+            </a:br>
+            <a:r>
+              <a:rPr lang="en-US" sz="2800" b="1" dirty="0" smtClean="0"/>
+              <a:t>GAT</a:t>
             </a:r>
           </a:p>
           <a:p>
@@ -7883,6 +8363,41 @@
             </a:pPr>
             <a:endParaRPr lang="en-US" sz="2800" b="1" dirty="0"/>
           </a:p>
+          <a:p>
+            <a:r>
+              <a:rPr lang="en-US" dirty="0" smtClean="0"/>
+              <a:t>GRAPPLE Authoring </a:t>
+            </a:r>
+            <a:r>
+              <a:rPr lang="en-US" dirty="0" smtClean="0"/>
+              <a:t>Tool</a:t>
+            </a:r>
+          </a:p>
+          <a:p>
+            <a:r>
+              <a:rPr lang="en-US" dirty="0" smtClean="0"/>
+              <a:t>Also developed during GRAPPLE project</a:t>
+            </a:r>
+            <a:endParaRPr lang="en-US" dirty="0" smtClean="0"/>
+          </a:p>
+          <a:p>
+            <a:r>
+              <a:rPr lang="en-US" dirty="0" smtClean="0"/>
+              <a:t>Created by multiple parties</a:t>
+            </a:r>
+          </a:p>
+          <a:p>
+            <a:r>
+              <a:rPr lang="en-US" dirty="0" smtClean="0"/>
+              <a:t>Unfortunate design decisions</a:t>
+            </a:r>
+          </a:p>
+          <a:p>
+            <a:endParaRPr lang="en-US" dirty="0" smtClean="0"/>
+          </a:p>
+          <a:p>
+            <a:endParaRPr lang="en-US" dirty="0"/>
+          </a:p>
         </p:txBody>
       </p:sp>
       <p:sp>
@@ -7897,10 +8412,21 @@
         </p:nvSpPr>
         <p:spPr/>
         <p:txBody>
-          <a:bodyPr/>
+          <a:bodyPr>
+            <a:normAutofit fontScale="70000" lnSpcReduction="20000"/>
+          </a:bodyPr>
           <a:lstStyle/>
           <a:p>
-            <a:endParaRPr lang="en-US"/>
+            <a:r>
+              <a:rPr lang="en-US" altLang="en-US" dirty="0">
+                <a:latin typeface="Arial" panose="020B0604020202020204" pitchFamily="34" charset="0"/>
+                <a:cs typeface="Arial" panose="020B0604020202020204" pitchFamily="34" charset="0"/>
+              </a:rPr>
+              <a:t>ALAT: A new authoring environment</a:t>
+            </a:r>
+          </a:p>
+          <a:p>
+            <a:endParaRPr lang="en-US" dirty="0"/>
           </a:p>
         </p:txBody>
       </p:sp>
@@ -7923,6 +8449,130 @@
               <a:rPr lang="nl-NL" altLang="en-US" smtClean="0"/>
               <a:pPr/>
               <a:t>11</a:t>
+            </a:fld>
+            <a:endParaRPr lang="nl-NL" altLang="en-US"/>
+          </a:p>
+        </p:txBody>
+      </p:sp>
+    </p:spTree>
+    <p:extLst>
+      <p:ext uri="{BB962C8B-B14F-4D97-AF65-F5344CB8AC3E}">
+        <p14:creationId xmlns:p14="http://schemas.microsoft.com/office/powerpoint/2010/main" val="2657944682"/>
+      </p:ext>
+    </p:extLst>
+  </p:cSld>
+  <p:clrMapOvr>
+    <a:masterClrMapping/>
+  </p:clrMapOvr>
+  <p:timing>
+    <p:tnLst>
+      <p:par>
+        <p:cTn id="1" dur="indefinite" restart="never" nodeType="tmRoot"/>
+      </p:par>
+    </p:tnLst>
+  </p:timing>
+</p:sld>
+</file>
+
+<file path=ppt/slides/slide12.xml><?xml version="1.0" encoding="utf-8"?>
+<p:sld xmlns:a="http://schemas.openxmlformats.org/drawingml/2006/main" xmlns:r="http://schemas.openxmlformats.org/officeDocument/2006/relationships" xmlns:p="http://schemas.openxmlformats.org/presentationml/2006/main">
+  <p:cSld>
+    <p:spTree>
+      <p:nvGrpSpPr>
+        <p:cNvPr id="1" name=""/>
+        <p:cNvGrpSpPr/>
+        <p:nvPr/>
+      </p:nvGrpSpPr>
+      <p:grpSpPr>
+        <a:xfrm>
+          <a:off x="0" y="0"/>
+          <a:ext cx="0" cy="0"/>
+          <a:chOff x="0" y="0"/>
+          <a:chExt cx="0" cy="0"/>
+        </a:xfrm>
+      </p:grpSpPr>
+      <p:sp>
+        <p:nvSpPr>
+          <p:cNvPr id="2" name="Content Placeholder 1"/>
+          <p:cNvSpPr>
+            <a:spLocks noGrp="1"/>
+          </p:cNvSpPr>
+          <p:nvPr>
+            <p:ph sz="half" idx="2"/>
+          </p:nvPr>
+        </p:nvSpPr>
+        <p:spPr/>
+        <p:txBody>
+          <a:bodyPr>
+            <a:normAutofit/>
+          </a:bodyPr>
+          <a:lstStyle/>
+          <a:p>
+            <a:pPr marL="0" indent="0" algn="ctr">
+              <a:buNone/>
+            </a:pPr>
+            <a:r>
+              <a:rPr lang="en-US" sz="2800" b="1" dirty="0" smtClean="0"/>
+              <a:t>3 tools in 1</a:t>
+            </a:r>
+          </a:p>
+          <a:p>
+            <a:pPr marL="0" indent="0" algn="ctr">
+              <a:buNone/>
+            </a:pPr>
+            <a:endParaRPr lang="en-US" sz="2800" b="1" dirty="0"/>
+          </a:p>
+        </p:txBody>
+      </p:sp>
+      <p:sp>
+        <p:nvSpPr>
+          <p:cNvPr id="3" name="Subtitle 2"/>
+          <p:cNvSpPr>
+            <a:spLocks noGrp="1"/>
+          </p:cNvSpPr>
+          <p:nvPr>
+            <p:ph type="subTitle" idx="1"/>
+          </p:nvPr>
+        </p:nvSpPr>
+        <p:spPr/>
+        <p:txBody>
+          <a:bodyPr>
+            <a:normAutofit fontScale="70000" lnSpcReduction="20000"/>
+          </a:bodyPr>
+          <a:lstStyle/>
+          <a:p>
+            <a:r>
+              <a:rPr lang="en-US" altLang="en-US" dirty="0">
+                <a:latin typeface="Arial" panose="020B0604020202020204" pitchFamily="34" charset="0"/>
+                <a:cs typeface="Arial" panose="020B0604020202020204" pitchFamily="34" charset="0"/>
+              </a:rPr>
+              <a:t>ALAT: A new authoring environment</a:t>
+            </a:r>
+          </a:p>
+          <a:p>
+            <a:endParaRPr lang="en-US" dirty="0"/>
+          </a:p>
+        </p:txBody>
+      </p:sp>
+      <p:sp>
+        <p:nvSpPr>
+          <p:cNvPr id="4" name="Slide Number Placeholder 3"/>
+          <p:cNvSpPr>
+            <a:spLocks noGrp="1"/>
+          </p:cNvSpPr>
+          <p:nvPr>
+            <p:ph type="sldNum" sz="quarter" idx="10"/>
+          </p:nvPr>
+        </p:nvSpPr>
+        <p:spPr/>
+        <p:txBody>
+          <a:bodyPr/>
+          <a:lstStyle/>
+          <a:p>
+            <a:fld id="{AEAEA9A1-7A57-4607-A57D-E63C9252F9ED}" type="slidenum">
+              <a:rPr lang="nl-NL" altLang="en-US" smtClean="0"/>
+              <a:pPr/>
+              <a:t>12</a:t>
             </a:fld>
             <a:endParaRPr lang="nl-NL" altLang="en-US"/>
           </a:p>
@@ -8038,7 +8688,7 @@
 </p:sld>
 </file>
 
-<file path=ppt/slides/slide12.xml><?xml version="1.0" encoding="utf-8"?>
+<file path=ppt/slides/slide13.xml><?xml version="1.0" encoding="utf-8"?>
 <p:sld xmlns:a="http://schemas.openxmlformats.org/drawingml/2006/main" xmlns:r="http://schemas.openxmlformats.org/officeDocument/2006/relationships" xmlns:p="http://schemas.openxmlformats.org/presentationml/2006/main">
   <p:cSld>
     <p:spTree>
@@ -8095,10 +8745,21 @@
         </p:nvSpPr>
         <p:spPr/>
         <p:txBody>
-          <a:bodyPr/>
+          <a:bodyPr>
+            <a:normAutofit fontScale="70000" lnSpcReduction="20000"/>
+          </a:bodyPr>
           <a:lstStyle/>
           <a:p>
-            <a:endParaRPr lang="en-US"/>
+            <a:r>
+              <a:rPr lang="en-US" altLang="en-US" dirty="0">
+                <a:latin typeface="Arial" panose="020B0604020202020204" pitchFamily="34" charset="0"/>
+                <a:cs typeface="Arial" panose="020B0604020202020204" pitchFamily="34" charset="0"/>
+              </a:rPr>
+              <a:t>ALAT: A new authoring environment</a:t>
+            </a:r>
+          </a:p>
+          <a:p>
+            <a:endParaRPr lang="en-US" dirty="0"/>
           </a:p>
         </p:txBody>
       </p:sp>
@@ -8120,7 +8781,7 @@
             <a:fld id="{AEAEA9A1-7A57-4607-A57D-E63C9252F9ED}" type="slidenum">
               <a:rPr lang="nl-NL" altLang="en-US" smtClean="0"/>
               <a:pPr/>
-              <a:t>12</a:t>
+              <a:t>13</a:t>
             </a:fld>
             <a:endParaRPr lang="nl-NL" altLang="en-US"/>
           </a:p>
@@ -8176,7 +8837,7 @@
 </p:sld>
 </file>
 
-<file path=ppt/slides/slide13.xml><?xml version="1.0" encoding="utf-8"?>
+<file path=ppt/slides/slide14.xml><?xml version="1.0" encoding="utf-8"?>
 <p:sld xmlns:a="http://schemas.openxmlformats.org/drawingml/2006/main" xmlns:r="http://schemas.openxmlformats.org/officeDocument/2006/relationships" xmlns:p="http://schemas.openxmlformats.org/presentationml/2006/main">
   <p:cSld>
     <p:spTree>
@@ -8233,10 +8894,21 @@
         </p:nvSpPr>
         <p:spPr/>
         <p:txBody>
-          <a:bodyPr/>
+          <a:bodyPr>
+            <a:normAutofit fontScale="70000" lnSpcReduction="20000"/>
+          </a:bodyPr>
           <a:lstStyle/>
           <a:p>
-            <a:endParaRPr lang="en-US"/>
+            <a:r>
+              <a:rPr lang="en-US" altLang="en-US" dirty="0">
+                <a:latin typeface="Arial" panose="020B0604020202020204" pitchFamily="34" charset="0"/>
+                <a:cs typeface="Arial" panose="020B0604020202020204" pitchFamily="34" charset="0"/>
+              </a:rPr>
+              <a:t>ALAT: A new authoring environment</a:t>
+            </a:r>
+          </a:p>
+          <a:p>
+            <a:endParaRPr lang="en-US" dirty="0"/>
           </a:p>
         </p:txBody>
       </p:sp>
@@ -8258,7 +8930,7 @@
             <a:fld id="{AEAEA9A1-7A57-4607-A57D-E63C9252F9ED}" type="slidenum">
               <a:rPr lang="nl-NL" altLang="en-US" smtClean="0"/>
               <a:pPr/>
-              <a:t>13</a:t>
+              <a:t>14</a:t>
             </a:fld>
             <a:endParaRPr lang="nl-NL" altLang="en-US"/>
           </a:p>
@@ -8314,7 +8986,7 @@
 </p:sld>
 </file>
 
-<file path=ppt/slides/slide14.xml><?xml version="1.0" encoding="utf-8"?>
+<file path=ppt/slides/slide15.xml><?xml version="1.0" encoding="utf-8"?>
 <p:sld xmlns:a="http://schemas.openxmlformats.org/drawingml/2006/main" xmlns:r="http://schemas.openxmlformats.org/officeDocument/2006/relationships" xmlns:p="http://schemas.openxmlformats.org/presentationml/2006/main">
   <p:cSld>
     <p:spTree>
@@ -8371,10 +9043,21 @@
         </p:nvSpPr>
         <p:spPr/>
         <p:txBody>
-          <a:bodyPr/>
+          <a:bodyPr>
+            <a:normAutofit fontScale="70000" lnSpcReduction="20000"/>
+          </a:bodyPr>
           <a:lstStyle/>
           <a:p>
-            <a:endParaRPr lang="en-US"/>
+            <a:r>
+              <a:rPr lang="en-US" altLang="en-US" dirty="0">
+                <a:latin typeface="Arial" panose="020B0604020202020204" pitchFamily="34" charset="0"/>
+                <a:cs typeface="Arial" panose="020B0604020202020204" pitchFamily="34" charset="0"/>
+              </a:rPr>
+              <a:t>ALAT: A new authoring environment</a:t>
+            </a:r>
+          </a:p>
+          <a:p>
+            <a:endParaRPr lang="en-US" dirty="0"/>
           </a:p>
         </p:txBody>
       </p:sp>
@@ -8396,7 +9079,7 @@
             <a:fld id="{AEAEA9A1-7A57-4607-A57D-E63C9252F9ED}" type="slidenum">
               <a:rPr lang="nl-NL" altLang="en-US" smtClean="0"/>
               <a:pPr/>
-              <a:t>14</a:t>
+              <a:t>15</a:t>
             </a:fld>
             <a:endParaRPr lang="nl-NL" altLang="en-US"/>
           </a:p>
@@ -8452,7 +9135,7 @@
 </p:sld>
 </file>
 
-<file path=ppt/slides/slide15.xml><?xml version="1.0" encoding="utf-8"?>
+<file path=ppt/slides/slide16.xml><?xml version="1.0" encoding="utf-8"?>
 <p:sld xmlns:a="http://schemas.openxmlformats.org/drawingml/2006/main" xmlns:r="http://schemas.openxmlformats.org/officeDocument/2006/relationships" xmlns:p="http://schemas.openxmlformats.org/presentationml/2006/main">
   <p:cSld>
     <p:spTree>
@@ -8491,7 +9174,11 @@
             </a:pPr>
             <a:r>
               <a:rPr lang="en-US" sz="2800" b="1" dirty="0" smtClean="0"/>
-              <a:t>Other state of the art tools</a:t>
+              <a:t>Other </a:t>
+            </a:r>
+            <a:r>
+              <a:rPr lang="en-US" sz="2800" b="1" dirty="0" smtClean="0"/>
+              <a:t>related work</a:t>
             </a:r>
             <a:endParaRPr lang="en-US" sz="2800" b="1" dirty="0"/>
           </a:p>
@@ -8509,10 +9196,21 @@
         </p:nvSpPr>
         <p:spPr/>
         <p:txBody>
-          <a:bodyPr/>
+          <a:bodyPr>
+            <a:normAutofit fontScale="70000" lnSpcReduction="20000"/>
+          </a:bodyPr>
           <a:lstStyle/>
           <a:p>
-            <a:endParaRPr lang="en-US"/>
+            <a:r>
+              <a:rPr lang="en-US" altLang="en-US" dirty="0">
+                <a:latin typeface="Arial" panose="020B0604020202020204" pitchFamily="34" charset="0"/>
+                <a:cs typeface="Arial" panose="020B0604020202020204" pitchFamily="34" charset="0"/>
+              </a:rPr>
+              <a:t>ALAT: A new authoring environment</a:t>
+            </a:r>
+          </a:p>
+          <a:p>
+            <a:endParaRPr lang="en-US" dirty="0"/>
           </a:p>
         </p:txBody>
       </p:sp>
@@ -8534,7 +9232,7 @@
             <a:fld id="{AEAEA9A1-7A57-4607-A57D-E63C9252F9ED}" type="slidenum">
               <a:rPr lang="nl-NL" altLang="en-US" smtClean="0"/>
               <a:pPr/>
-              <a:t>15</a:t>
+              <a:t>16</a:t>
             </a:fld>
             <a:endParaRPr lang="nl-NL" altLang="en-US"/>
           </a:p>
@@ -8560,7 +9258,7 @@
 </p:sld>
 </file>
 
-<file path=ppt/slides/slide16.xml><?xml version="1.0" encoding="utf-8"?>
+<file path=ppt/slides/slide17.xml><?xml version="1.0" encoding="utf-8"?>
 <p:sld xmlns:a="http://schemas.openxmlformats.org/drawingml/2006/main" xmlns:r="http://schemas.openxmlformats.org/officeDocument/2006/relationships" xmlns:p="http://schemas.openxmlformats.org/presentationml/2006/main">
   <p:cSld>
     <p:spTree>
@@ -8601,7 +9299,16 @@
               <a:rPr lang="en-US" sz="2800" b="1" dirty="0" smtClean="0"/>
               <a:t>WOTAN</a:t>
             </a:r>
-            <a:endParaRPr lang="en-US" sz="2800" b="1" dirty="0"/>
+          </a:p>
+          <a:p>
+            <a:pPr marL="0" indent="0" algn="ctr">
+              <a:buNone/>
+            </a:pPr>
+            <a:r>
+              <a:rPr lang="en-US" dirty="0" smtClean="0"/>
+              <a:t>(Freire &amp; Rodriguez, University of Madrid 2005)</a:t>
+            </a:r>
+            <a:endParaRPr lang="en-US" sz="2800" dirty="0"/>
           </a:p>
         </p:txBody>
       </p:sp>
@@ -8617,10 +9324,21 @@
         </p:nvSpPr>
         <p:spPr/>
         <p:txBody>
-          <a:bodyPr/>
+          <a:bodyPr>
+            <a:normAutofit fontScale="70000" lnSpcReduction="20000"/>
+          </a:bodyPr>
           <a:lstStyle/>
           <a:p>
-            <a:endParaRPr lang="en-US"/>
+            <a:r>
+              <a:rPr lang="en-US" altLang="en-US" dirty="0">
+                <a:latin typeface="Arial" panose="020B0604020202020204" pitchFamily="34" charset="0"/>
+                <a:cs typeface="Arial" panose="020B0604020202020204" pitchFamily="34" charset="0"/>
+              </a:rPr>
+              <a:t>ALAT: A new authoring environment</a:t>
+            </a:r>
+          </a:p>
+          <a:p>
+            <a:endParaRPr lang="en-US" dirty="0"/>
           </a:p>
         </p:txBody>
       </p:sp>
@@ -8642,7 +9360,7 @@
             <a:fld id="{AEAEA9A1-7A57-4607-A57D-E63C9252F9ED}" type="slidenum">
               <a:rPr lang="nl-NL" altLang="en-US" smtClean="0"/>
               <a:pPr/>
-              <a:t>16</a:t>
+              <a:t>17</a:t>
             </a:fld>
             <a:endParaRPr lang="nl-NL" altLang="en-US"/>
           </a:p>
@@ -8728,7 +9446,7 @@
 </p:sld>
 </file>
 
-<file path=ppt/slides/slide17.xml><?xml version="1.0" encoding="utf-8"?>
+<file path=ppt/slides/slide18.xml><?xml version="1.0" encoding="utf-8"?>
 <p:sld xmlns:a="http://schemas.openxmlformats.org/drawingml/2006/main" xmlns:r="http://schemas.openxmlformats.org/officeDocument/2006/relationships" xmlns:p="http://schemas.openxmlformats.org/presentationml/2006/main">
   <p:cSld>
     <p:spTree>
@@ -8769,7 +9487,17 @@
               <a:rPr lang="en-US" sz="2800" b="1" dirty="0" err="1" smtClean="0"/>
               <a:t>ACTsim</a:t>
             </a:r>
-            <a:endParaRPr lang="en-US" sz="2800" b="1" dirty="0"/>
+            <a:endParaRPr lang="en-US" sz="2800" b="1" dirty="0" smtClean="0"/>
+          </a:p>
+          <a:p>
+            <a:pPr marL="0" indent="0" algn="ctr">
+              <a:buNone/>
+            </a:pPr>
+            <a:r>
+              <a:rPr lang="en-US" dirty="0" smtClean="0"/>
+              <a:t>(Gaffney, Dagger, Wade, Trinity College Dublin 2010)</a:t>
+            </a:r>
+            <a:endParaRPr lang="en-US" dirty="0"/>
           </a:p>
         </p:txBody>
       </p:sp>
@@ -8785,10 +9513,21 @@
         </p:nvSpPr>
         <p:spPr/>
         <p:txBody>
-          <a:bodyPr/>
+          <a:bodyPr>
+            <a:normAutofit fontScale="70000" lnSpcReduction="20000"/>
+          </a:bodyPr>
           <a:lstStyle/>
           <a:p>
-            <a:endParaRPr lang="en-US"/>
+            <a:r>
+              <a:rPr lang="en-US" altLang="en-US" dirty="0">
+                <a:latin typeface="Arial" panose="020B0604020202020204" pitchFamily="34" charset="0"/>
+                <a:cs typeface="Arial" panose="020B0604020202020204" pitchFamily="34" charset="0"/>
+              </a:rPr>
+              <a:t>ALAT: A new authoring environment</a:t>
+            </a:r>
+          </a:p>
+          <a:p>
+            <a:endParaRPr lang="en-US" dirty="0"/>
           </a:p>
         </p:txBody>
       </p:sp>
@@ -8810,7 +9549,7 @@
             <a:fld id="{AEAEA9A1-7A57-4607-A57D-E63C9252F9ED}" type="slidenum">
               <a:rPr lang="nl-NL" altLang="en-US" smtClean="0"/>
               <a:pPr/>
-              <a:t>17</a:t>
+              <a:t>18</a:t>
             </a:fld>
             <a:endParaRPr lang="nl-NL" altLang="en-US"/>
           </a:p>
@@ -8838,7 +9577,7 @@
         </p:blipFill>
         <p:spPr>
           <a:xfrm>
-            <a:off x="1705901" y="1745305"/>
+            <a:off x="1705901" y="2171190"/>
             <a:ext cx="5525271" cy="3962953"/>
           </a:xfrm>
           <a:prstGeom prst="rect">
@@ -8850,149 +9589,6 @@
     <p:extLst>
       <p:ext uri="{BB962C8B-B14F-4D97-AF65-F5344CB8AC3E}">
         <p14:creationId xmlns:p14="http://schemas.microsoft.com/office/powerpoint/2010/main" val="3610475842"/>
-      </p:ext>
-    </p:extLst>
-  </p:cSld>
-  <p:clrMapOvr>
-    <a:masterClrMapping/>
-  </p:clrMapOvr>
-  <p:timing>
-    <p:tnLst>
-      <p:par>
-        <p:cTn id="1" dur="indefinite" restart="never" nodeType="tmRoot"/>
-      </p:par>
-    </p:tnLst>
-  </p:timing>
-</p:sld>
-</file>
-
-<file path=ppt/slides/slide18.xml><?xml version="1.0" encoding="utf-8"?>
-<p:sld xmlns:a="http://schemas.openxmlformats.org/drawingml/2006/main" xmlns:r="http://schemas.openxmlformats.org/officeDocument/2006/relationships" xmlns:p="http://schemas.openxmlformats.org/presentationml/2006/main">
-  <p:cSld>
-    <p:spTree>
-      <p:nvGrpSpPr>
-        <p:cNvPr id="1" name=""/>
-        <p:cNvGrpSpPr/>
-        <p:nvPr/>
-      </p:nvGrpSpPr>
-      <p:grpSpPr>
-        <a:xfrm>
-          <a:off x="0" y="0"/>
-          <a:ext cx="0" cy="0"/>
-          <a:chOff x="0" y="0"/>
-          <a:chExt cx="0" cy="0"/>
-        </a:xfrm>
-      </p:grpSpPr>
-      <p:sp>
-        <p:nvSpPr>
-          <p:cNvPr id="2" name="Content Placeholder 1"/>
-          <p:cNvSpPr>
-            <a:spLocks noGrp="1"/>
-          </p:cNvSpPr>
-          <p:nvPr>
-            <p:ph sz="half" idx="2"/>
-          </p:nvPr>
-        </p:nvSpPr>
-        <p:spPr/>
-        <p:txBody>
-          <a:bodyPr>
-            <a:normAutofit/>
-          </a:bodyPr>
-          <a:lstStyle/>
-          <a:p>
-            <a:pPr marL="0" indent="0" algn="ctr">
-              <a:buNone/>
-            </a:pPr>
-            <a:r>
-              <a:rPr lang="en-US" sz="2800" b="1" dirty="0" smtClean="0"/>
-              <a:t>MOT 3.0</a:t>
-            </a:r>
-            <a:endParaRPr lang="en-US" sz="2800" b="1" dirty="0"/>
-          </a:p>
-        </p:txBody>
-      </p:sp>
-      <p:sp>
-        <p:nvSpPr>
-          <p:cNvPr id="3" name="Subtitle 2"/>
-          <p:cNvSpPr>
-            <a:spLocks noGrp="1"/>
-          </p:cNvSpPr>
-          <p:nvPr>
-            <p:ph type="subTitle" idx="1"/>
-          </p:nvPr>
-        </p:nvSpPr>
-        <p:spPr/>
-        <p:txBody>
-          <a:bodyPr/>
-          <a:lstStyle/>
-          <a:p>
-            <a:endParaRPr lang="en-US"/>
-          </a:p>
-        </p:txBody>
-      </p:sp>
-      <p:sp>
-        <p:nvSpPr>
-          <p:cNvPr id="4" name="Slide Number Placeholder 3"/>
-          <p:cNvSpPr>
-            <a:spLocks noGrp="1"/>
-          </p:cNvSpPr>
-          <p:nvPr>
-            <p:ph type="sldNum" sz="quarter" idx="10"/>
-          </p:nvPr>
-        </p:nvSpPr>
-        <p:spPr/>
-        <p:txBody>
-          <a:bodyPr/>
-          <a:lstStyle/>
-          <a:p>
-            <a:fld id="{AEAEA9A1-7A57-4607-A57D-E63C9252F9ED}" type="slidenum">
-              <a:rPr lang="nl-NL" altLang="en-US" smtClean="0"/>
-              <a:pPr/>
-              <a:t>18</a:t>
-            </a:fld>
-            <a:endParaRPr lang="nl-NL" altLang="en-US"/>
-          </a:p>
-        </p:txBody>
-      </p:sp>
-      <p:pic>
-        <p:nvPicPr>
-          <p:cNvPr id="5" name="Picture 4"/>
-          <p:cNvPicPr>
-            <a:picLocks noChangeAspect="1"/>
-          </p:cNvPicPr>
-          <p:nvPr/>
-        </p:nvPicPr>
-        <p:blipFill>
-          <a:blip r:embed="rId3">
-            <a:extLst>
-              <a:ext uri="{28A0092B-C50C-407E-A947-70E740481C1C}">
-                <a14:useLocalDpi xmlns:a14="http://schemas.microsoft.com/office/drawing/2010/main" val="0"/>
-              </a:ext>
-            </a:extLst>
-          </a:blip>
-          <a:stretch>
-            <a:fillRect/>
-          </a:stretch>
-        </p:blipFill>
-        <p:spPr>
-          <a:xfrm>
-            <a:off x="767810" y="2133850"/>
-            <a:ext cx="7727527" cy="2537301"/>
-          </a:xfrm>
-          <a:prstGeom prst="rect">
-            <a:avLst/>
-          </a:prstGeom>
-          <a:ln>
-            <a:solidFill>
-              <a:schemeClr val="tx1"/>
-            </a:solidFill>
-          </a:ln>
-        </p:spPr>
-      </p:pic>
-    </p:spTree>
-    <p:extLst>
-      <p:ext uri="{BB962C8B-B14F-4D97-AF65-F5344CB8AC3E}">
-        <p14:creationId xmlns:p14="http://schemas.microsoft.com/office/powerpoint/2010/main" val="603908576"/>
       </p:ext>
     </p:extLst>
   </p:cSld>
@@ -9101,10 +9697,21 @@
         </p:nvSpPr>
         <p:spPr/>
         <p:txBody>
-          <a:bodyPr/>
+          <a:bodyPr>
+            <a:normAutofit fontScale="70000" lnSpcReduction="20000"/>
+          </a:bodyPr>
           <a:lstStyle/>
           <a:p>
-            <a:endParaRPr lang="en-US"/>
+            <a:r>
+              <a:rPr lang="en-US" altLang="en-US" dirty="0">
+                <a:latin typeface="Arial" panose="020B0604020202020204" pitchFamily="34" charset="0"/>
+                <a:cs typeface="Arial" panose="020B0604020202020204" pitchFamily="34" charset="0"/>
+              </a:rPr>
+              <a:t>ALAT: A new authoring environment</a:t>
+            </a:r>
+          </a:p>
+          <a:p>
+            <a:endParaRPr lang="en-US" dirty="0"/>
           </a:p>
         </p:txBody>
       </p:sp>
@@ -9261,19 +9868,24 @@
                 <a:latin typeface="Arial" panose="020B0604020202020204" pitchFamily="34" charset="0"/>
                 <a:cs typeface="Arial" panose="020B0604020202020204" pitchFamily="34" charset="0"/>
               </a:rPr>
-              <a:t>Conclusions </a:t>
+              <a:t>Future </a:t>
             </a:r>
             <a:r>
               <a:rPr lang="en-US" altLang="en-US" dirty="0" smtClean="0">
                 <a:latin typeface="Arial" panose="020B0604020202020204" pitchFamily="34" charset="0"/>
                 <a:cs typeface="Arial" panose="020B0604020202020204" pitchFamily="34" charset="0"/>
               </a:rPr>
-              <a:t>&amp; Future work</a:t>
-            </a:r>
-            <a:endParaRPr lang="en-US" altLang="en-US" dirty="0" smtClean="0">
-              <a:latin typeface="Arial" panose="020B0604020202020204" pitchFamily="34" charset="0"/>
-              <a:cs typeface="Arial" panose="020B0604020202020204" pitchFamily="34" charset="0"/>
-            </a:endParaRPr>
+              <a:t>work</a:t>
+            </a:r>
+          </a:p>
+          <a:p>
+            <a:r>
+              <a:rPr lang="en-US" altLang="en-US" dirty="0" smtClean="0">
+                <a:latin typeface="Arial" panose="020B0604020202020204" pitchFamily="34" charset="0"/>
+                <a:cs typeface="Arial" panose="020B0604020202020204" pitchFamily="34" charset="0"/>
+              </a:rPr>
+              <a:t>Conclusions</a:t>
+            </a:r>
           </a:p>
         </p:txBody>
       </p:sp>
@@ -9546,8 +10158,9 @@
           <a:p>
             <a:r>
               <a:rPr lang="en-US" dirty="0" smtClean="0"/>
-              <a:t>Adaptation rules</a:t>
-            </a:r>
+              <a:t>Relation definitions</a:t>
+            </a:r>
+            <a:endParaRPr lang="en-US" dirty="0" smtClean="0"/>
           </a:p>
           <a:p>
             <a:r>
@@ -9570,10 +10183,21 @@
         </p:nvSpPr>
         <p:spPr/>
         <p:txBody>
-          <a:bodyPr/>
+          <a:bodyPr>
+            <a:normAutofit fontScale="70000" lnSpcReduction="20000"/>
+          </a:bodyPr>
           <a:lstStyle/>
           <a:p>
-            <a:endParaRPr lang="en-US"/>
+            <a:r>
+              <a:rPr lang="en-US" altLang="en-US" dirty="0">
+                <a:latin typeface="Arial" panose="020B0604020202020204" pitchFamily="34" charset="0"/>
+                <a:cs typeface="Arial" panose="020B0604020202020204" pitchFamily="34" charset="0"/>
+              </a:rPr>
+              <a:t>ALAT: A new authoring environment</a:t>
+            </a:r>
+          </a:p>
+          <a:p>
+            <a:endParaRPr lang="en-US" dirty="0"/>
           </a:p>
         </p:txBody>
       </p:sp>
@@ -9710,10 +10334,21 @@
         </p:nvSpPr>
         <p:spPr/>
         <p:txBody>
-          <a:bodyPr/>
+          <a:bodyPr>
+            <a:normAutofit fontScale="70000" lnSpcReduction="20000"/>
+          </a:bodyPr>
           <a:lstStyle/>
           <a:p>
-            <a:endParaRPr lang="en-US"/>
+            <a:r>
+              <a:rPr lang="en-US" altLang="en-US" dirty="0">
+                <a:latin typeface="Arial" panose="020B0604020202020204" pitchFamily="34" charset="0"/>
+                <a:cs typeface="Arial" panose="020B0604020202020204" pitchFamily="34" charset="0"/>
+              </a:rPr>
+              <a:t>ALAT: A new authoring environment</a:t>
+            </a:r>
+          </a:p>
+          <a:p>
+            <a:endParaRPr lang="en-US" dirty="0"/>
           </a:p>
         </p:txBody>
       </p:sp>
@@ -9790,10 +10425,21 @@
         </p:nvSpPr>
         <p:spPr/>
         <p:txBody>
-          <a:bodyPr/>
+          <a:bodyPr>
+            <a:normAutofit fontScale="70000" lnSpcReduction="20000"/>
+          </a:bodyPr>
           <a:lstStyle/>
           <a:p>
-            <a:endParaRPr lang="en-US"/>
+            <a:r>
+              <a:rPr lang="en-US" altLang="en-US" dirty="0">
+                <a:latin typeface="Arial" panose="020B0604020202020204" pitchFamily="34" charset="0"/>
+                <a:cs typeface="Arial" panose="020B0604020202020204" pitchFamily="34" charset="0"/>
+              </a:rPr>
+              <a:t>ALAT: A new authoring environment</a:t>
+            </a:r>
+          </a:p>
+          <a:p>
+            <a:endParaRPr lang="en-US" dirty="0"/>
           </a:p>
         </p:txBody>
       </p:sp>
@@ -11421,7 +12067,27 @@
           <a:p>
             <a:r>
               <a:rPr lang="en-US" dirty="0" smtClean="0"/>
-              <a:t>Adaptation rules</a:t>
+              <a:t>Adaptation </a:t>
+            </a:r>
+            <a:r>
+              <a:rPr lang="en-US" dirty="0"/>
+              <a:t>rules on default attributes</a:t>
+            </a:r>
+          </a:p>
+          <a:p>
+            <a:r>
+              <a:rPr lang="en-US" dirty="0"/>
+              <a:t>Adaptation rules on other attributes</a:t>
+            </a:r>
+          </a:p>
+          <a:p>
+            <a:r>
+              <a:rPr lang="en-US" dirty="0"/>
+              <a:t>Default </a:t>
+            </a:r>
+            <a:r>
+              <a:rPr lang="en-US" dirty="0" smtClean="0"/>
+              <a:t>non-pedagogical relations</a:t>
             </a:r>
           </a:p>
           <a:p>
@@ -11436,25 +12102,6 @@
               <a:t>Tooltips for usability</a:t>
             </a:r>
           </a:p>
-          <a:p>
-            <a:r>
-              <a:rPr lang="en-US" dirty="0" smtClean="0"/>
-              <a:t>Adaptation rules on default attributes</a:t>
-            </a:r>
-          </a:p>
-          <a:p>
-            <a:r>
-              <a:rPr lang="en-US" dirty="0" smtClean="0"/>
-              <a:t>Adaptation rules on other attributes</a:t>
-            </a:r>
-          </a:p>
-          <a:p>
-            <a:r>
-              <a:rPr lang="en-US" dirty="0" smtClean="0"/>
-              <a:t>Default non-pedagogic relations</a:t>
-            </a:r>
-            <a:endParaRPr lang="en-US" dirty="0"/>
-          </a:p>
         </p:txBody>
       </p:sp>
       <p:sp>
@@ -11469,8 +12116,19 @@
         </p:nvSpPr>
         <p:spPr/>
         <p:txBody>
-          <a:bodyPr/>
+          <a:bodyPr>
+            <a:normAutofit fontScale="70000" lnSpcReduction="20000"/>
+          </a:bodyPr>
           <a:lstStyle/>
+          <a:p>
+            <a:r>
+              <a:rPr lang="en-US" altLang="en-US" dirty="0">
+                <a:latin typeface="Arial" panose="020B0604020202020204" pitchFamily="34" charset="0"/>
+                <a:cs typeface="Arial" panose="020B0604020202020204" pitchFamily="34" charset="0"/>
+              </a:rPr>
+              <a:t>ALAT: A new authoring environment</a:t>
+            </a:r>
+          </a:p>
           <a:p>
             <a:endParaRPr lang="en-US" dirty="0"/>
           </a:p>
@@ -11549,10 +12207,21 @@
         </p:nvSpPr>
         <p:spPr/>
         <p:txBody>
-          <a:bodyPr/>
+          <a:bodyPr>
+            <a:normAutofit fontScale="70000" lnSpcReduction="20000"/>
+          </a:bodyPr>
           <a:lstStyle/>
           <a:p>
-            <a:endParaRPr lang="en-US"/>
+            <a:r>
+              <a:rPr lang="en-US" altLang="en-US" dirty="0">
+                <a:latin typeface="Arial" panose="020B0604020202020204" pitchFamily="34" charset="0"/>
+                <a:cs typeface="Arial" panose="020B0604020202020204" pitchFamily="34" charset="0"/>
+              </a:rPr>
+              <a:t>ALAT: A new authoring environment</a:t>
+            </a:r>
+          </a:p>
+          <a:p>
+            <a:endParaRPr lang="en-US" dirty="0"/>
           </a:p>
         </p:txBody>
       </p:sp>
@@ -11590,8 +12259,8 @@
         </p:nvSpPr>
         <p:spPr bwMode="auto">
           <a:xfrm>
-            <a:off x="1243012" y="679768"/>
-            <a:ext cx="6657975" cy="5498465"/>
+            <a:off x="1243012" y="604612"/>
+            <a:ext cx="6657975" cy="5678478"/>
           </a:xfrm>
           <a:prstGeom prst="rect">
             <a:avLst/>
@@ -11623,7 +12292,7 @@
               </a:spcAft>
             </a:pPr>
             <a:r>
-              <a:rPr lang="en-US" sz="1100">
+              <a:rPr lang="en-US" sz="1100" dirty="0">
                 <a:solidFill>
                   <a:srgbClr val="70AD47"/>
                 </a:solidFill>
@@ -11634,7 +12303,7 @@
               </a:rPr>
               <a:t>{  </a:t>
             </a:r>
-            <a:endParaRPr lang="en-US" sz="1100">
+            <a:endParaRPr lang="en-US" sz="1100" dirty="0">
               <a:effectLst/>
               <a:latin typeface="Arial" panose="020B0604020202020204" pitchFamily="34" charset="0"/>
               <a:ea typeface="Calibri" panose="020F0502020204030204" pitchFamily="34" charset="0"/>
@@ -11651,7 +12320,7 @@
               </a:spcAft>
             </a:pPr>
             <a:r>
-              <a:rPr lang="en-US" sz="1100">
+              <a:rPr lang="en-US" sz="1100" dirty="0">
                 <a:solidFill>
                   <a:srgbClr val="70AD47"/>
                 </a:solidFill>
@@ -11663,7 +12332,7 @@
               <a:t>   </a:t>
             </a:r>
             <a:r>
-              <a:rPr lang="en-US" sz="1100" b="1">
+              <a:rPr lang="en-US" sz="1100" b="1" dirty="0">
                 <a:solidFill>
                   <a:srgbClr val="70AD47"/>
                 </a:solidFill>
@@ -11672,10 +12341,10 @@
                 <a:ea typeface="Calibri" panose="020F0502020204030204" pitchFamily="34" charset="0"/>
                 <a:cs typeface="Consolas" panose="020B0609020204030204" pitchFamily="49" charset="0"/>
               </a:rPr>
-              <a:t>"def_att_rules"</a:t>
-            </a:r>
-            <a:r>
-              <a:rPr lang="en-US" sz="1100">
+              <a:t>"</a:t>
+            </a:r>
+            <a:r>
+              <a:rPr lang="en-US" sz="1100" b="1" dirty="0" err="1">
                 <a:solidFill>
                   <a:srgbClr val="70AD47"/>
                 </a:solidFill>
@@ -11684,10 +12353,34 @@
                 <a:ea typeface="Calibri" panose="020F0502020204030204" pitchFamily="34" charset="0"/>
                 <a:cs typeface="Consolas" panose="020B0609020204030204" pitchFamily="49" charset="0"/>
               </a:rPr>
+              <a:t>def_att_rules</a:t>
+            </a:r>
+            <a:r>
+              <a:rPr lang="en-US" sz="1100" b="1" dirty="0">
+                <a:solidFill>
+                  <a:srgbClr val="70AD47"/>
+                </a:solidFill>
+                <a:effectLst/>
+                <a:latin typeface="Consolas" panose="020B0609020204030204" pitchFamily="49" charset="0"/>
+                <a:ea typeface="Calibri" panose="020F0502020204030204" pitchFamily="34" charset="0"/>
+                <a:cs typeface="Consolas" panose="020B0609020204030204" pitchFamily="49" charset="0"/>
+              </a:rPr>
+              <a:t>"</a:t>
+            </a:r>
+            <a:r>
+              <a:rPr lang="en-US" sz="1100" dirty="0">
+                <a:solidFill>
+                  <a:srgbClr val="70AD47"/>
+                </a:solidFill>
+                <a:effectLst/>
+                <a:latin typeface="Consolas" panose="020B0609020204030204" pitchFamily="49" charset="0"/>
+                <a:ea typeface="Calibri" panose="020F0502020204030204" pitchFamily="34" charset="0"/>
+                <a:cs typeface="Consolas" panose="020B0609020204030204" pitchFamily="49" charset="0"/>
+              </a:rPr>
               <a:t>:[  </a:t>
             </a:r>
             <a:br>
-              <a:rPr lang="en-US" sz="1100">
+              <a:rPr lang="en-US" sz="1100" dirty="0">
                 <a:solidFill>
                   <a:srgbClr val="70AD47"/>
                 </a:solidFill>
@@ -11698,7 +12391,7 @@
               </a:rPr>
             </a:br>
             <a:r>
-              <a:rPr lang="en-US" sz="1100">
+              <a:rPr lang="en-US" sz="1100" dirty="0">
                 <a:solidFill>
                   <a:srgbClr val="555555"/>
                 </a:solidFill>
@@ -11710,7 +12403,7 @@
               <a:t>      </a:t>
             </a:r>
             <a:r>
-              <a:rPr lang="en-US" sz="1100">
+              <a:rPr lang="en-US" sz="1100" dirty="0">
                 <a:solidFill>
                   <a:srgbClr val="70AD47"/>
                 </a:solidFill>
@@ -11722,7 +12415,7 @@
               <a:t>{</a:t>
             </a:r>
             <a:r>
-              <a:rPr lang="en-US" sz="1100">
+              <a:rPr lang="en-US" sz="1100" dirty="0">
                 <a:solidFill>
                   <a:srgbClr val="666666"/>
                 </a:solidFill>
@@ -11734,7 +12427,7 @@
               <a:t>  </a:t>
             </a:r>
             <a:r>
-              <a:rPr lang="en-US" sz="1100">
+              <a:rPr lang="en-US" sz="1100" dirty="0">
                 <a:solidFill>
                   <a:srgbClr val="555555"/>
                 </a:solidFill>
@@ -11746,7 +12439,7 @@
               <a:t/>
             </a:r>
             <a:br>
-              <a:rPr lang="en-US" sz="1100">
+              <a:rPr lang="en-US" sz="1100" dirty="0">
                 <a:solidFill>
                   <a:srgbClr val="555555"/>
                 </a:solidFill>
@@ -11757,7 +12450,7 @@
               </a:rPr>
             </a:br>
             <a:r>
-              <a:rPr lang="en-US" sz="1100">
+              <a:rPr lang="en-US" sz="1100" dirty="0">
                 <a:solidFill>
                   <a:srgbClr val="70AD47"/>
                 </a:solidFill>
@@ -11769,7 +12462,7 @@
               <a:t>         </a:t>
             </a:r>
             <a:r>
-              <a:rPr lang="en-US" sz="1100" b="1">
+              <a:rPr lang="en-US" sz="1100" b="1" dirty="0">
                 <a:solidFill>
                   <a:srgbClr val="70AD47"/>
                 </a:solidFill>
@@ -11781,7 +12474,7 @@
               <a:t>"name"</a:t>
             </a:r>
             <a:r>
-              <a:rPr lang="en-US" sz="1100">
+              <a:rPr lang="en-US" sz="1100" dirty="0">
                 <a:solidFill>
                   <a:srgbClr val="70AD47"/>
                 </a:solidFill>
@@ -11790,10 +12483,34 @@
                 <a:ea typeface="Calibri" panose="020F0502020204030204" pitchFamily="34" charset="0"/>
                 <a:cs typeface="Consolas" panose="020B0609020204030204" pitchFamily="49" charset="0"/>
               </a:rPr>
-              <a:t>:"hasPrerequisite",</a:t>
+              <a:t>:"</a:t>
+            </a:r>
+            <a:r>
+              <a:rPr lang="en-US" sz="1100" dirty="0" err="1">
+                <a:solidFill>
+                  <a:srgbClr val="70AD47"/>
+                </a:solidFill>
+                <a:effectLst/>
+                <a:latin typeface="Consolas" panose="020B0609020204030204" pitchFamily="49" charset="0"/>
+                <a:ea typeface="Calibri" panose="020F0502020204030204" pitchFamily="34" charset="0"/>
+                <a:cs typeface="Consolas" panose="020B0609020204030204" pitchFamily="49" charset="0"/>
+              </a:rPr>
+              <a:t>hasPrerequisite</a:t>
+            </a:r>
+            <a:r>
+              <a:rPr lang="en-US" sz="1100" dirty="0">
+                <a:solidFill>
+                  <a:srgbClr val="70AD47"/>
+                </a:solidFill>
+                <a:effectLst/>
+                <a:latin typeface="Consolas" panose="020B0609020204030204" pitchFamily="49" charset="0"/>
+                <a:ea typeface="Calibri" panose="020F0502020204030204" pitchFamily="34" charset="0"/>
+                <a:cs typeface="Consolas" panose="020B0609020204030204" pitchFamily="49" charset="0"/>
+              </a:rPr>
+              <a:t>",</a:t>
             </a:r>
             <a:br>
-              <a:rPr lang="en-US" sz="1100">
+              <a:rPr lang="en-US" sz="1100" dirty="0">
                 <a:solidFill>
                   <a:srgbClr val="70AD47"/>
                 </a:solidFill>
@@ -11804,7 +12521,7 @@
               </a:rPr>
             </a:br>
             <a:r>
-              <a:rPr lang="en-US" sz="1100">
+              <a:rPr lang="en-US" sz="1100" dirty="0">
                 <a:solidFill>
                   <a:srgbClr val="70AD47"/>
                 </a:solidFill>
@@ -11816,7 +12533,7 @@
               <a:t>         </a:t>
             </a:r>
             <a:r>
-              <a:rPr lang="en-US" sz="1100" b="1">
+              <a:rPr lang="en-US" sz="1100" b="1" dirty="0">
                 <a:solidFill>
                   <a:srgbClr val="70AD47"/>
                 </a:solidFill>
@@ -11825,10 +12542,10 @@
                 <a:ea typeface="Calibri" panose="020F0502020204030204" pitchFamily="34" charset="0"/>
                 <a:cs typeface="Consolas" panose="020B0609020204030204" pitchFamily="49" charset="0"/>
               </a:rPr>
-              <a:t>"type"</a:t>
-            </a:r>
-            <a:r>
-              <a:rPr lang="en-US" sz="1100">
+              <a:t>"</a:t>
+            </a:r>
+            <a:r>
+              <a:rPr lang="en-US" sz="1100" b="1" dirty="0" err="1">
                 <a:solidFill>
                   <a:srgbClr val="70AD47"/>
                 </a:solidFill>
@@ -11837,10 +12554,34 @@
                 <a:ea typeface="Calibri" panose="020F0502020204030204" pitchFamily="34" charset="0"/>
                 <a:cs typeface="Consolas" panose="020B0609020204030204" pitchFamily="49" charset="0"/>
               </a:rPr>
-              <a:t>:"binary",</a:t>
+              <a:t>type"</a:t>
+            </a:r>
+            <a:r>
+              <a:rPr lang="en-US" sz="1100" dirty="0" err="1">
+                <a:solidFill>
+                  <a:srgbClr val="70AD47"/>
+                </a:solidFill>
+                <a:effectLst/>
+                <a:latin typeface="Consolas" panose="020B0609020204030204" pitchFamily="49" charset="0"/>
+                <a:ea typeface="Calibri" panose="020F0502020204030204" pitchFamily="34" charset="0"/>
+                <a:cs typeface="Consolas" panose="020B0609020204030204" pitchFamily="49" charset="0"/>
+              </a:rPr>
+              <a:t>:"binary</a:t>
+            </a:r>
+            <a:r>
+              <a:rPr lang="en-US" sz="1100" dirty="0">
+                <a:solidFill>
+                  <a:srgbClr val="70AD47"/>
+                </a:solidFill>
+                <a:effectLst/>
+                <a:latin typeface="Consolas" panose="020B0609020204030204" pitchFamily="49" charset="0"/>
+                <a:ea typeface="Calibri" panose="020F0502020204030204" pitchFamily="34" charset="0"/>
+                <a:cs typeface="Consolas" panose="020B0609020204030204" pitchFamily="49" charset="0"/>
+              </a:rPr>
+              <a:t>",</a:t>
             </a:r>
             <a:br>
-              <a:rPr lang="en-US" sz="1100">
+              <a:rPr lang="en-US" sz="1100" dirty="0">
                 <a:solidFill>
                   <a:srgbClr val="70AD47"/>
                 </a:solidFill>
@@ -11851,7 +12592,7 @@
               </a:rPr>
             </a:br>
             <a:r>
-              <a:rPr lang="en-US" sz="1100">
+              <a:rPr lang="en-US" sz="1100" dirty="0">
                 <a:solidFill>
                   <a:srgbClr val="70AD47"/>
                 </a:solidFill>
@@ -11863,7 +12604,7 @@
               <a:t>         </a:t>
             </a:r>
             <a:r>
-              <a:rPr lang="en-US" sz="1100" b="1">
+              <a:rPr lang="en-US" sz="1100" b="1" dirty="0">
                 <a:solidFill>
                   <a:srgbClr val="70AD47"/>
                 </a:solidFill>
@@ -11872,10 +12613,10 @@
                 <a:ea typeface="Calibri" panose="020F0502020204030204" pitchFamily="34" charset="0"/>
                 <a:cs typeface="Consolas" panose="020B0609020204030204" pitchFamily="49" charset="0"/>
               </a:rPr>
-              <a:t>"target"</a:t>
-            </a:r>
-            <a:r>
-              <a:rPr lang="en-US" sz="1100">
+              <a:t>"</a:t>
+            </a:r>
+            <a:r>
+              <a:rPr lang="en-US" sz="1100" b="1" dirty="0" err="1">
                 <a:solidFill>
                   <a:srgbClr val="70AD47"/>
                 </a:solidFill>
@@ -11884,10 +12625,34 @@
                 <a:ea typeface="Calibri" panose="020F0502020204030204" pitchFamily="34" charset="0"/>
                 <a:cs typeface="Consolas" panose="020B0609020204030204" pitchFamily="49" charset="0"/>
               </a:rPr>
-              <a:t>:"suitability",</a:t>
+              <a:t>target"</a:t>
+            </a:r>
+            <a:r>
+              <a:rPr lang="en-US" sz="1100" dirty="0" err="1">
+                <a:solidFill>
+                  <a:srgbClr val="70AD47"/>
+                </a:solidFill>
+                <a:effectLst/>
+                <a:latin typeface="Consolas" panose="020B0609020204030204" pitchFamily="49" charset="0"/>
+                <a:ea typeface="Calibri" panose="020F0502020204030204" pitchFamily="34" charset="0"/>
+                <a:cs typeface="Consolas" panose="020B0609020204030204" pitchFamily="49" charset="0"/>
+              </a:rPr>
+              <a:t>:"suitability</a:t>
+            </a:r>
+            <a:r>
+              <a:rPr lang="en-US" sz="1100" dirty="0">
+                <a:solidFill>
+                  <a:srgbClr val="70AD47"/>
+                </a:solidFill>
+                <a:effectLst/>
+                <a:latin typeface="Consolas" panose="020B0609020204030204" pitchFamily="49" charset="0"/>
+                <a:ea typeface="Calibri" panose="020F0502020204030204" pitchFamily="34" charset="0"/>
+                <a:cs typeface="Consolas" panose="020B0609020204030204" pitchFamily="49" charset="0"/>
+              </a:rPr>
+              <a:t>",</a:t>
             </a:r>
             <a:br>
-              <a:rPr lang="en-US" sz="1100">
+              <a:rPr lang="en-US" sz="1100" dirty="0">
                 <a:solidFill>
                   <a:srgbClr val="70AD47"/>
                 </a:solidFill>
@@ -11898,7 +12663,7 @@
               </a:rPr>
             </a:br>
             <a:r>
-              <a:rPr lang="en-US" sz="1100">
+              <a:rPr lang="en-US" sz="1100" dirty="0">
                 <a:solidFill>
                   <a:srgbClr val="70AD47"/>
                 </a:solidFill>
@@ -11910,7 +12675,7 @@
               <a:t>         </a:t>
             </a:r>
             <a:r>
-              <a:rPr lang="en-US" sz="1100" b="1">
+              <a:rPr lang="en-US" sz="1100" b="1" dirty="0">
                 <a:solidFill>
                   <a:srgbClr val="70AD47"/>
                 </a:solidFill>
@@ -11919,10 +12684,10 @@
                 <a:ea typeface="Calibri" panose="020F0502020204030204" pitchFamily="34" charset="0"/>
                 <a:cs typeface="Consolas" panose="020B0609020204030204" pitchFamily="49" charset="0"/>
               </a:rPr>
-              <a:t>"tooltip"</a:t>
-            </a:r>
-            <a:r>
-              <a:rPr lang="en-US" sz="1100">
+              <a:t>"</a:t>
+            </a:r>
+            <a:r>
+              <a:rPr lang="en-US" sz="1100" b="1" dirty="0" err="1">
                 <a:solidFill>
                   <a:srgbClr val="70AD47"/>
                 </a:solidFill>
@@ -11931,10 +12696,34 @@
                 <a:ea typeface="Calibri" panose="020F0502020204030204" pitchFamily="34" charset="0"/>
                 <a:cs typeface="Consolas" panose="020B0609020204030204" pitchFamily="49" charset="0"/>
               </a:rPr>
-              <a:t>:"Target concept must be learned before source is recommended.",</a:t>
+              <a:t>tooltip"</a:t>
+            </a:r>
+            <a:r>
+              <a:rPr lang="en-US" sz="1100" dirty="0" err="1">
+                <a:solidFill>
+                  <a:srgbClr val="70AD47"/>
+                </a:solidFill>
+                <a:effectLst/>
+                <a:latin typeface="Consolas" panose="020B0609020204030204" pitchFamily="49" charset="0"/>
+                <a:ea typeface="Calibri" panose="020F0502020204030204" pitchFamily="34" charset="0"/>
+                <a:cs typeface="Consolas" panose="020B0609020204030204" pitchFamily="49" charset="0"/>
+              </a:rPr>
+              <a:t>:"Target</a:t>
+            </a:r>
+            <a:r>
+              <a:rPr lang="en-US" sz="1100" dirty="0">
+                <a:solidFill>
+                  <a:srgbClr val="70AD47"/>
+                </a:solidFill>
+                <a:effectLst/>
+                <a:latin typeface="Consolas" panose="020B0609020204030204" pitchFamily="49" charset="0"/>
+                <a:ea typeface="Calibri" panose="020F0502020204030204" pitchFamily="34" charset="0"/>
+                <a:cs typeface="Consolas" panose="020B0609020204030204" pitchFamily="49" charset="0"/>
+              </a:rPr>
+              <a:t> concept must be learned before source is recommended.",</a:t>
             </a:r>
             <a:br>
-              <a:rPr lang="en-US" sz="1100">
+              <a:rPr lang="en-US" sz="1100" dirty="0">
                 <a:solidFill>
                   <a:srgbClr val="70AD47"/>
                 </a:solidFill>
@@ -11945,7 +12734,7 @@
               </a:rPr>
             </a:br>
             <a:r>
-              <a:rPr lang="en-US" sz="1100">
+              <a:rPr lang="en-US" sz="1100" dirty="0">
                 <a:solidFill>
                   <a:srgbClr val="70AD47"/>
                 </a:solidFill>
@@ -11957,7 +12746,7 @@
               <a:t>         </a:t>
             </a:r>
             <a:r>
-              <a:rPr lang="en-US" sz="1100" b="1">
+              <a:rPr lang="en-US" sz="1100" b="1" dirty="0">
                 <a:solidFill>
                   <a:srgbClr val="70AD47"/>
                 </a:solidFill>
@@ -11969,7 +12758,7 @@
               <a:t>"code"</a:t>
             </a:r>
             <a:r>
-              <a:rPr lang="en-US" sz="1100">
+              <a:rPr lang="en-US" sz="1100" dirty="0">
                 <a:solidFill>
                   <a:srgbClr val="70AD47"/>
                 </a:solidFill>
@@ -11981,7 +12770,7 @@
               <a:t>:"${%target%#knowledge} &gt; 0.8",</a:t>
             </a:r>
             <a:br>
-              <a:rPr lang="en-US" sz="1100">
+              <a:rPr lang="en-US" sz="1100" dirty="0">
                 <a:solidFill>
                   <a:srgbClr val="70AD47"/>
                 </a:solidFill>
@@ -11992,7 +12781,7 @@
               </a:rPr>
             </a:br>
             <a:r>
-              <a:rPr lang="en-US" sz="1100">
+              <a:rPr lang="en-US" sz="1100" dirty="0">
                 <a:solidFill>
                   <a:srgbClr val="70AD47"/>
                 </a:solidFill>
@@ -12004,7 +12793,7 @@
               <a:t>         </a:t>
             </a:r>
             <a:r>
-              <a:rPr lang="en-US" sz="1100" b="1">
+              <a:rPr lang="en-US" sz="1100" b="1" dirty="0">
                 <a:solidFill>
                   <a:srgbClr val="70AD47"/>
                 </a:solidFill>
@@ -12013,10 +12802,10 @@
                 <a:ea typeface="Calibri" panose="020F0502020204030204" pitchFamily="34" charset="0"/>
                 <a:cs typeface="Consolas" panose="020B0609020204030204" pitchFamily="49" charset="0"/>
               </a:rPr>
-              <a:t>"operator"</a:t>
-            </a:r>
-            <a:r>
-              <a:rPr lang="en-US" sz="1100">
+              <a:t>"</a:t>
+            </a:r>
+            <a:r>
+              <a:rPr lang="en-US" sz="1100" b="1" dirty="0" err="1">
                 <a:solidFill>
                   <a:srgbClr val="70AD47"/>
                 </a:solidFill>
@@ -12025,10 +12814,34 @@
                 <a:ea typeface="Calibri" panose="020F0502020204030204" pitchFamily="34" charset="0"/>
                 <a:cs typeface="Consolas" panose="020B0609020204030204" pitchFamily="49" charset="0"/>
               </a:rPr>
-              <a:t>:"and"</a:t>
+              <a:t>operator"</a:t>
+            </a:r>
+            <a:r>
+              <a:rPr lang="en-US" sz="1100" dirty="0" err="1">
+                <a:solidFill>
+                  <a:srgbClr val="70AD47"/>
+                </a:solidFill>
+                <a:effectLst/>
+                <a:latin typeface="Consolas" panose="020B0609020204030204" pitchFamily="49" charset="0"/>
+                <a:ea typeface="Calibri" panose="020F0502020204030204" pitchFamily="34" charset="0"/>
+                <a:cs typeface="Consolas" panose="020B0609020204030204" pitchFamily="49" charset="0"/>
+              </a:rPr>
+              <a:t>:"and</a:t>
+            </a:r>
+            <a:r>
+              <a:rPr lang="en-US" sz="1100" dirty="0">
+                <a:solidFill>
+                  <a:srgbClr val="70AD47"/>
+                </a:solidFill>
+                <a:effectLst/>
+                <a:latin typeface="Consolas" panose="020B0609020204030204" pitchFamily="49" charset="0"/>
+                <a:ea typeface="Calibri" panose="020F0502020204030204" pitchFamily="34" charset="0"/>
+                <a:cs typeface="Consolas" panose="020B0609020204030204" pitchFamily="49" charset="0"/>
+              </a:rPr>
+              <a:t>"</a:t>
             </a:r>
             <a:br>
-              <a:rPr lang="en-US" sz="1100">
+              <a:rPr lang="en-US" sz="1100" dirty="0">
                 <a:solidFill>
                   <a:srgbClr val="70AD47"/>
                 </a:solidFill>
@@ -12039,7 +12852,7 @@
               </a:rPr>
             </a:br>
             <a:r>
-              <a:rPr lang="en-US" sz="1100">
+              <a:rPr lang="en-US" sz="1100" dirty="0">
                 <a:solidFill>
                   <a:srgbClr val="70AD47"/>
                 </a:solidFill>
@@ -12051,7 +12864,7 @@
               <a:t>      }</a:t>
             </a:r>
             <a:br>
-              <a:rPr lang="en-US" sz="1100">
+              <a:rPr lang="en-US" sz="1100" dirty="0">
                 <a:solidFill>
                   <a:srgbClr val="70AD47"/>
                 </a:solidFill>
@@ -12062,7 +12875,7 @@
               </a:rPr>
             </a:br>
             <a:r>
-              <a:rPr lang="en-US" sz="1100">
+              <a:rPr lang="en-US" sz="1100" dirty="0">
                 <a:solidFill>
                   <a:srgbClr val="70AD47"/>
                 </a:solidFill>
@@ -12074,7 +12887,7 @@
               <a:t>   ],</a:t>
             </a:r>
             <a:br>
-              <a:rPr lang="en-US" sz="1100">
+              <a:rPr lang="en-US" sz="1100" dirty="0">
                 <a:solidFill>
                   <a:srgbClr val="70AD47"/>
                 </a:solidFill>
@@ -12085,7 +12898,7 @@
               </a:rPr>
             </a:br>
             <a:r>
-              <a:rPr lang="en-US" sz="1100">
+              <a:rPr lang="en-US" sz="1100" dirty="0">
                 <a:solidFill>
                   <a:srgbClr val="70AD47"/>
                 </a:solidFill>
@@ -12097,7 +12910,7 @@
               <a:t>   </a:t>
             </a:r>
             <a:r>
-              <a:rPr lang="en-US" sz="1100" b="1">
+              <a:rPr lang="en-US" sz="1100" b="1" dirty="0">
                 <a:solidFill>
                   <a:srgbClr val="70AD47"/>
                 </a:solidFill>
@@ -12106,10 +12919,10 @@
                 <a:ea typeface="Calibri" panose="020F0502020204030204" pitchFamily="34" charset="0"/>
                 <a:cs typeface="Consolas" panose="020B0609020204030204" pitchFamily="49" charset="0"/>
               </a:rPr>
-              <a:t>"persistent_att_rules"</a:t>
-            </a:r>
-            <a:r>
-              <a:rPr lang="en-US" sz="1100">
+              <a:t>"</a:t>
+            </a:r>
+            <a:r>
+              <a:rPr lang="en-US" sz="1100" b="1" dirty="0" err="1">
                 <a:solidFill>
                   <a:srgbClr val="70AD47"/>
                 </a:solidFill>
@@ -12118,10 +12931,34 @@
                 <a:ea typeface="Calibri" panose="020F0502020204030204" pitchFamily="34" charset="0"/>
                 <a:cs typeface="Consolas" panose="020B0609020204030204" pitchFamily="49" charset="0"/>
               </a:rPr>
+              <a:t>persistent_att_rules</a:t>
+            </a:r>
+            <a:r>
+              <a:rPr lang="en-US" sz="1100" b="1" dirty="0">
+                <a:solidFill>
+                  <a:srgbClr val="70AD47"/>
+                </a:solidFill>
+                <a:effectLst/>
+                <a:latin typeface="Consolas" panose="020B0609020204030204" pitchFamily="49" charset="0"/>
+                <a:ea typeface="Calibri" panose="020F0502020204030204" pitchFamily="34" charset="0"/>
+                <a:cs typeface="Consolas" panose="020B0609020204030204" pitchFamily="49" charset="0"/>
+              </a:rPr>
+              <a:t>"</a:t>
+            </a:r>
+            <a:r>
+              <a:rPr lang="en-US" sz="1100" dirty="0">
+                <a:solidFill>
+                  <a:srgbClr val="70AD47"/>
+                </a:solidFill>
+                <a:effectLst/>
+                <a:latin typeface="Consolas" panose="020B0609020204030204" pitchFamily="49" charset="0"/>
+                <a:ea typeface="Calibri" panose="020F0502020204030204" pitchFamily="34" charset="0"/>
+                <a:cs typeface="Consolas" panose="020B0609020204030204" pitchFamily="49" charset="0"/>
+              </a:rPr>
               <a:t>:[  </a:t>
             </a:r>
             <a:br>
-              <a:rPr lang="en-US" sz="1100">
+              <a:rPr lang="en-US" sz="1100" dirty="0">
                 <a:solidFill>
                   <a:srgbClr val="70AD47"/>
                 </a:solidFill>
@@ -12132,7 +12969,7 @@
               </a:rPr>
             </a:br>
             <a:r>
-              <a:rPr lang="en-US" sz="1100">
+              <a:rPr lang="en-US" sz="1100" dirty="0">
                 <a:solidFill>
                   <a:srgbClr val="70AD47"/>
                 </a:solidFill>
@@ -12144,7 +12981,7 @@
               <a:t>      {  </a:t>
             </a:r>
             <a:br>
-              <a:rPr lang="en-US" sz="1100">
+              <a:rPr lang="en-US" sz="1100" dirty="0">
                 <a:solidFill>
                   <a:srgbClr val="70AD47"/>
                 </a:solidFill>
@@ -12155,7 +12992,7 @@
               </a:rPr>
             </a:br>
             <a:r>
-              <a:rPr lang="en-US" sz="1100">
+              <a:rPr lang="en-US" sz="1100" dirty="0">
                 <a:solidFill>
                   <a:srgbClr val="70AD47"/>
                 </a:solidFill>
@@ -12167,7 +13004,7 @@
               <a:t>         </a:t>
             </a:r>
             <a:r>
-              <a:rPr lang="en-US" sz="1100" b="1">
+              <a:rPr lang="en-US" sz="1100" b="1" dirty="0">
                 <a:solidFill>
                   <a:srgbClr val="70AD47"/>
                 </a:solidFill>
@@ -12176,10 +13013,10 @@
                 <a:ea typeface="Calibri" panose="020F0502020204030204" pitchFamily="34" charset="0"/>
                 <a:cs typeface="Consolas" panose="020B0609020204030204" pitchFamily="49" charset="0"/>
               </a:rPr>
-              <a:t>"name"</a:t>
-            </a:r>
-            <a:r>
-              <a:rPr lang="en-US" sz="1100">
+              <a:t>"</a:t>
+            </a:r>
+            <a:r>
+              <a:rPr lang="en-US" sz="1100" b="1" dirty="0" err="1">
                 <a:solidFill>
                   <a:srgbClr val="70AD47"/>
                 </a:solidFill>
@@ -12188,10 +13025,34 @@
                 <a:ea typeface="Calibri" panose="020F0502020204030204" pitchFamily="34" charset="0"/>
                 <a:cs typeface="Consolas" panose="020B0609020204030204" pitchFamily="49" charset="0"/>
               </a:rPr>
-              <a:t>:"visited",</a:t>
+              <a:t>name"</a:t>
+            </a:r>
+            <a:r>
+              <a:rPr lang="en-US" sz="1100" dirty="0" err="1">
+                <a:solidFill>
+                  <a:srgbClr val="70AD47"/>
+                </a:solidFill>
+                <a:effectLst/>
+                <a:latin typeface="Consolas" panose="020B0609020204030204" pitchFamily="49" charset="0"/>
+                <a:ea typeface="Calibri" panose="020F0502020204030204" pitchFamily="34" charset="0"/>
+                <a:cs typeface="Consolas" panose="020B0609020204030204" pitchFamily="49" charset="0"/>
+              </a:rPr>
+              <a:t>:"visited</a:t>
+            </a:r>
+            <a:r>
+              <a:rPr lang="en-US" sz="1100" dirty="0">
+                <a:solidFill>
+                  <a:srgbClr val="70AD47"/>
+                </a:solidFill>
+                <a:effectLst/>
+                <a:latin typeface="Consolas" panose="020B0609020204030204" pitchFamily="49" charset="0"/>
+                <a:ea typeface="Calibri" panose="020F0502020204030204" pitchFamily="34" charset="0"/>
+                <a:cs typeface="Consolas" panose="020B0609020204030204" pitchFamily="49" charset="0"/>
+              </a:rPr>
+              <a:t>",</a:t>
             </a:r>
             <a:br>
-              <a:rPr lang="en-US" sz="1100">
+              <a:rPr lang="en-US" sz="1100" dirty="0">
                 <a:solidFill>
                   <a:srgbClr val="70AD47"/>
                 </a:solidFill>
@@ -12202,7 +13063,7 @@
               </a:rPr>
             </a:br>
             <a:r>
-              <a:rPr lang="en-US" sz="1100">
+              <a:rPr lang="en-US" sz="1100" dirty="0">
                 <a:solidFill>
                   <a:srgbClr val="70AD47"/>
                 </a:solidFill>
@@ -12214,7 +13075,7 @@
               <a:t>         </a:t>
             </a:r>
             <a:r>
-              <a:rPr lang="en-US" sz="1100" b="1">
+              <a:rPr lang="en-US" sz="1100" b="1" dirty="0">
                 <a:solidFill>
                   <a:srgbClr val="70AD47"/>
                 </a:solidFill>
@@ -12223,10 +13084,10 @@
                 <a:ea typeface="Calibri" panose="020F0502020204030204" pitchFamily="34" charset="0"/>
                 <a:cs typeface="Consolas" panose="020B0609020204030204" pitchFamily="49" charset="0"/>
               </a:rPr>
-              <a:t>"type"</a:t>
-            </a:r>
-            <a:r>
-              <a:rPr lang="en-US" sz="1100">
+              <a:t>"</a:t>
+            </a:r>
+            <a:r>
+              <a:rPr lang="en-US" sz="1100" b="1" dirty="0" err="1">
                 <a:solidFill>
                   <a:srgbClr val="70AD47"/>
                 </a:solidFill>
@@ -12235,10 +13096,34 @@
                 <a:ea typeface="Calibri" panose="020F0502020204030204" pitchFamily="34" charset="0"/>
                 <a:cs typeface="Consolas" panose="020B0609020204030204" pitchFamily="49" charset="0"/>
               </a:rPr>
-              <a:t>:"unary",</a:t>
+              <a:t>type"</a:t>
+            </a:r>
+            <a:r>
+              <a:rPr lang="en-US" sz="1100" dirty="0" err="1">
+                <a:solidFill>
+                  <a:srgbClr val="70AD47"/>
+                </a:solidFill>
+                <a:effectLst/>
+                <a:latin typeface="Consolas" panose="020B0609020204030204" pitchFamily="49" charset="0"/>
+                <a:ea typeface="Calibri" panose="020F0502020204030204" pitchFamily="34" charset="0"/>
+                <a:cs typeface="Consolas" panose="020B0609020204030204" pitchFamily="49" charset="0"/>
+              </a:rPr>
+              <a:t>:"unary</a:t>
+            </a:r>
+            <a:r>
+              <a:rPr lang="en-US" sz="1100" dirty="0">
+                <a:solidFill>
+                  <a:srgbClr val="70AD47"/>
+                </a:solidFill>
+                <a:effectLst/>
+                <a:latin typeface="Consolas" panose="020B0609020204030204" pitchFamily="49" charset="0"/>
+                <a:ea typeface="Calibri" panose="020F0502020204030204" pitchFamily="34" charset="0"/>
+                <a:cs typeface="Consolas" panose="020B0609020204030204" pitchFamily="49" charset="0"/>
+              </a:rPr>
+              <a:t>",</a:t>
             </a:r>
             <a:br>
-              <a:rPr lang="en-US" sz="1100">
+              <a:rPr lang="en-US" sz="1100" dirty="0">
                 <a:solidFill>
                   <a:srgbClr val="70AD47"/>
                 </a:solidFill>
@@ -12249,7 +13134,7 @@
               </a:rPr>
             </a:br>
             <a:r>
-              <a:rPr lang="en-US" sz="1100">
+              <a:rPr lang="en-US" sz="1100" dirty="0">
                 <a:solidFill>
                   <a:srgbClr val="70AD47"/>
                 </a:solidFill>
@@ -12261,7 +13146,7 @@
               <a:t>         </a:t>
             </a:r>
             <a:r>
-              <a:rPr lang="en-US" sz="1100" b="1">
+              <a:rPr lang="en-US" sz="1100" b="1" dirty="0">
                 <a:solidFill>
                   <a:srgbClr val="70AD47"/>
                 </a:solidFill>
@@ -12273,7 +13158,7 @@
               <a:t>"properties"</a:t>
             </a:r>
             <a:r>
-              <a:rPr lang="en-US" sz="1100">
+              <a:rPr lang="en-US" sz="1100" dirty="0">
                 <a:solidFill>
                   <a:srgbClr val="70AD47"/>
                 </a:solidFill>
@@ -12285,7 +13170,7 @@
               <a:t>:[  </a:t>
             </a:r>
             <a:br>
-              <a:rPr lang="en-US" sz="1100">
+              <a:rPr lang="en-US" sz="1100" dirty="0">
                 <a:solidFill>
                   <a:srgbClr val="70AD47"/>
                 </a:solidFill>
@@ -12296,7 +13181,7 @@
               </a:rPr>
             </a:br>
             <a:r>
-              <a:rPr lang="en-US" sz="1100">
+              <a:rPr lang="en-US" sz="1100" dirty="0">
                 <a:solidFill>
                   <a:srgbClr val="70AD47"/>
                 </a:solidFill>
@@ -12308,7 +13193,7 @@
               <a:t>            {  </a:t>
             </a:r>
             <a:br>
-              <a:rPr lang="en-US" sz="1100">
+              <a:rPr lang="en-US" sz="1100" dirty="0">
                 <a:solidFill>
                   <a:srgbClr val="70AD47"/>
                 </a:solidFill>
@@ -12319,7 +13204,7 @@
               </a:rPr>
             </a:br>
             <a:r>
-              <a:rPr lang="en-US" sz="1100">
+              <a:rPr lang="en-US" sz="1100" dirty="0">
                 <a:solidFill>
                   <a:srgbClr val="70AD47"/>
                 </a:solidFill>
@@ -12331,7 +13216,7 @@
               <a:t>               </a:t>
             </a:r>
             <a:r>
-              <a:rPr lang="en-US" sz="1100" b="1">
+              <a:rPr lang="en-US" sz="1100" b="1" dirty="0">
                 <a:solidFill>
                   <a:srgbClr val="70AD47"/>
                 </a:solidFill>
@@ -12340,10 +13225,10 @@
                 <a:ea typeface="Calibri" panose="020F0502020204030204" pitchFamily="34" charset="0"/>
                 <a:cs typeface="Consolas" panose="020B0609020204030204" pitchFamily="49" charset="0"/>
               </a:rPr>
-              <a:t>"name"</a:t>
-            </a:r>
-            <a:r>
-              <a:rPr lang="en-US" sz="1100">
+              <a:t>"</a:t>
+            </a:r>
+            <a:r>
+              <a:rPr lang="en-US" sz="1100" b="1" dirty="0" err="1">
                 <a:solidFill>
                   <a:srgbClr val="70AD47"/>
                 </a:solidFill>
@@ -12352,10 +13237,34 @@
                 <a:ea typeface="Calibri" panose="020F0502020204030204" pitchFamily="34" charset="0"/>
                 <a:cs typeface="Consolas" panose="020B0609020204030204" pitchFamily="49" charset="0"/>
               </a:rPr>
-              <a:t>:"visited",</a:t>
+              <a:t>name"</a:t>
+            </a:r>
+            <a:r>
+              <a:rPr lang="en-US" sz="1100" dirty="0" err="1">
+                <a:solidFill>
+                  <a:srgbClr val="70AD47"/>
+                </a:solidFill>
+                <a:effectLst/>
+                <a:latin typeface="Consolas" panose="020B0609020204030204" pitchFamily="49" charset="0"/>
+                <a:ea typeface="Calibri" panose="020F0502020204030204" pitchFamily="34" charset="0"/>
+                <a:cs typeface="Consolas" panose="020B0609020204030204" pitchFamily="49" charset="0"/>
+              </a:rPr>
+              <a:t>:"visited</a:t>
+            </a:r>
+            <a:r>
+              <a:rPr lang="en-US" sz="1100" dirty="0">
+                <a:solidFill>
+                  <a:srgbClr val="70AD47"/>
+                </a:solidFill>
+                <a:effectLst/>
+                <a:latin typeface="Consolas" panose="020B0609020204030204" pitchFamily="49" charset="0"/>
+                <a:ea typeface="Calibri" panose="020F0502020204030204" pitchFamily="34" charset="0"/>
+                <a:cs typeface="Consolas" panose="020B0609020204030204" pitchFamily="49" charset="0"/>
+              </a:rPr>
+              <a:t>",</a:t>
             </a:r>
             <a:br>
-              <a:rPr lang="en-US" sz="1100">
+              <a:rPr lang="en-US" sz="1100" dirty="0">
                 <a:solidFill>
                   <a:srgbClr val="70AD47"/>
                 </a:solidFill>
@@ -12366,7 +13275,7 @@
               </a:rPr>
             </a:br>
             <a:r>
-              <a:rPr lang="en-US" sz="1100">
+              <a:rPr lang="en-US" sz="1100" dirty="0">
                 <a:solidFill>
                   <a:srgbClr val="70AD47"/>
                 </a:solidFill>
@@ -12378,7 +13287,7 @@
               <a:t>               </a:t>
             </a:r>
             <a:r>
-              <a:rPr lang="en-US" sz="1100" b="1">
+              <a:rPr lang="en-US" sz="1100" b="1" dirty="0">
                 <a:solidFill>
                   <a:srgbClr val="70AD47"/>
                 </a:solidFill>
@@ -12387,10 +13296,10 @@
                 <a:ea typeface="Calibri" panose="020F0502020204030204" pitchFamily="34" charset="0"/>
                 <a:cs typeface="Consolas" panose="020B0609020204030204" pitchFamily="49" charset="0"/>
               </a:rPr>
-              <a:t>"type"</a:t>
-            </a:r>
-            <a:r>
-              <a:rPr lang="en-US" sz="1100">
+              <a:t>"</a:t>
+            </a:r>
+            <a:r>
+              <a:rPr lang="en-US" sz="1100" b="1" dirty="0" err="1">
                 <a:solidFill>
                   <a:srgbClr val="70AD47"/>
                 </a:solidFill>
@@ -12399,10 +13308,34 @@
                 <a:ea typeface="Calibri" panose="020F0502020204030204" pitchFamily="34" charset="0"/>
                 <a:cs typeface="Consolas" panose="020B0609020204030204" pitchFamily="49" charset="0"/>
               </a:rPr>
-              <a:t>:"Integer",</a:t>
+              <a:t>type"</a:t>
+            </a:r>
+            <a:r>
+              <a:rPr lang="en-US" sz="1100" dirty="0" err="1">
+                <a:solidFill>
+                  <a:srgbClr val="70AD47"/>
+                </a:solidFill>
+                <a:effectLst/>
+                <a:latin typeface="Consolas" panose="020B0609020204030204" pitchFamily="49" charset="0"/>
+                <a:ea typeface="Calibri" panose="020F0502020204030204" pitchFamily="34" charset="0"/>
+                <a:cs typeface="Consolas" panose="020B0609020204030204" pitchFamily="49" charset="0"/>
+              </a:rPr>
+              <a:t>:"Integer</a:t>
+            </a:r>
+            <a:r>
+              <a:rPr lang="en-US" sz="1100" dirty="0">
+                <a:solidFill>
+                  <a:srgbClr val="70AD47"/>
+                </a:solidFill>
+                <a:effectLst/>
+                <a:latin typeface="Consolas" panose="020B0609020204030204" pitchFamily="49" charset="0"/>
+                <a:ea typeface="Calibri" panose="020F0502020204030204" pitchFamily="34" charset="0"/>
+                <a:cs typeface="Consolas" panose="020B0609020204030204" pitchFamily="49" charset="0"/>
+              </a:rPr>
+              <a:t>",</a:t>
             </a:r>
             <a:br>
-              <a:rPr lang="en-US" sz="1100">
+              <a:rPr lang="en-US" sz="1100" dirty="0">
                 <a:solidFill>
                   <a:srgbClr val="70AD47"/>
                 </a:solidFill>
@@ -12413,7 +13346,7 @@
               </a:rPr>
             </a:br>
             <a:r>
-              <a:rPr lang="en-US" sz="1100">
+              <a:rPr lang="en-US" sz="1100" dirty="0">
                 <a:solidFill>
                   <a:srgbClr val="70AD47"/>
                 </a:solidFill>
@@ -12425,7 +13358,7 @@
               <a:t>               </a:t>
             </a:r>
             <a:r>
-              <a:rPr lang="en-US" sz="1100" b="1">
+              <a:rPr lang="en-US" sz="1100" b="1" dirty="0">
                 <a:solidFill>
                   <a:srgbClr val="70AD47"/>
                 </a:solidFill>
@@ -12434,10 +13367,10 @@
                 <a:ea typeface="Calibri" panose="020F0502020204030204" pitchFamily="34" charset="0"/>
                 <a:cs typeface="Consolas" panose="020B0609020204030204" pitchFamily="49" charset="0"/>
               </a:rPr>
-              <a:t>"defval"</a:t>
-            </a:r>
-            <a:r>
-              <a:rPr lang="en-US" sz="1100">
+              <a:t>"</a:t>
+            </a:r>
+            <a:r>
+              <a:rPr lang="en-US" sz="1100" b="1" dirty="0" err="1">
                 <a:solidFill>
                   <a:srgbClr val="70AD47"/>
                 </a:solidFill>
@@ -12446,10 +13379,34 @@
                 <a:ea typeface="Calibri" panose="020F0502020204030204" pitchFamily="34" charset="0"/>
                 <a:cs typeface="Consolas" panose="020B0609020204030204" pitchFamily="49" charset="0"/>
               </a:rPr>
+              <a:t>defval</a:t>
+            </a:r>
+            <a:r>
+              <a:rPr lang="en-US" sz="1100" b="1" dirty="0">
+                <a:solidFill>
+                  <a:srgbClr val="70AD47"/>
+                </a:solidFill>
+                <a:effectLst/>
+                <a:latin typeface="Consolas" panose="020B0609020204030204" pitchFamily="49" charset="0"/>
+                <a:ea typeface="Calibri" panose="020F0502020204030204" pitchFamily="34" charset="0"/>
+                <a:cs typeface="Consolas" panose="020B0609020204030204" pitchFamily="49" charset="0"/>
+              </a:rPr>
+              <a:t>"</a:t>
+            </a:r>
+            <a:r>
+              <a:rPr lang="en-US" sz="1100" dirty="0">
+                <a:solidFill>
+                  <a:srgbClr val="70AD47"/>
+                </a:solidFill>
+                <a:effectLst/>
+                <a:latin typeface="Consolas" panose="020B0609020204030204" pitchFamily="49" charset="0"/>
+                <a:ea typeface="Calibri" panose="020F0502020204030204" pitchFamily="34" charset="0"/>
+                <a:cs typeface="Consolas" panose="020B0609020204030204" pitchFamily="49" charset="0"/>
+              </a:rPr>
               <a:t>:""</a:t>
             </a:r>
             <a:br>
-              <a:rPr lang="en-US" sz="1100">
+              <a:rPr lang="en-US" sz="1100" dirty="0">
                 <a:solidFill>
                   <a:srgbClr val="70AD47"/>
                 </a:solidFill>
@@ -12460,7 +13417,7 @@
               </a:rPr>
             </a:br>
             <a:r>
-              <a:rPr lang="en-US" sz="1100">
+              <a:rPr lang="en-US" sz="1100" dirty="0">
                 <a:solidFill>
                   <a:srgbClr val="70AD47"/>
                 </a:solidFill>
@@ -12472,7 +13429,7 @@
               <a:t>            }</a:t>
             </a:r>
             <a:br>
-              <a:rPr lang="en-US" sz="1100">
+              <a:rPr lang="en-US" sz="1100" dirty="0">
                 <a:solidFill>
                   <a:srgbClr val="70AD47"/>
                 </a:solidFill>
@@ -12483,7 +13440,7 @@
               </a:rPr>
             </a:br>
             <a:r>
-              <a:rPr lang="en-US" sz="1100">
+              <a:rPr lang="en-US" sz="1100" dirty="0">
                 <a:solidFill>
                   <a:srgbClr val="70AD47"/>
                 </a:solidFill>
@@ -12495,7 +13452,7 @@
               <a:t>         ],</a:t>
             </a:r>
             <a:br>
-              <a:rPr lang="en-US" sz="1100">
+              <a:rPr lang="en-US" sz="1100" dirty="0">
                 <a:solidFill>
                   <a:srgbClr val="70AD47"/>
                 </a:solidFill>
@@ -12506,7 +13463,7 @@
               </a:rPr>
             </a:br>
             <a:r>
-              <a:rPr lang="en-US" sz="1100">
+              <a:rPr lang="en-US" sz="1100" dirty="0">
                 <a:solidFill>
                   <a:srgbClr val="70AD47"/>
                 </a:solidFill>
@@ -12518,7 +13475,7 @@
               <a:t>         </a:t>
             </a:r>
             <a:r>
-              <a:rPr lang="en-US" sz="1100" b="1">
+              <a:rPr lang="en-US" sz="1100" b="1" dirty="0">
                 <a:solidFill>
                   <a:srgbClr val="70AD47"/>
                 </a:solidFill>
@@ -12527,10 +13484,10 @@
                 <a:ea typeface="Calibri" panose="020F0502020204030204" pitchFamily="34" charset="0"/>
                 <a:cs typeface="Consolas" panose="020B0609020204030204" pitchFamily="49" charset="0"/>
               </a:rPr>
-              <a:t>"tooltip"</a:t>
-            </a:r>
-            <a:r>
-              <a:rPr lang="en-US" sz="1100">
+              <a:t>"</a:t>
+            </a:r>
+            <a:r>
+              <a:rPr lang="en-US" sz="1100" b="1" dirty="0" err="1">
                 <a:solidFill>
                   <a:srgbClr val="70AD47"/>
                 </a:solidFill>
@@ -12539,10 +13496,34 @@
                 <a:ea typeface="Calibri" panose="020F0502020204030204" pitchFamily="34" charset="0"/>
                 <a:cs typeface="Consolas" panose="020B0609020204030204" pitchFamily="49" charset="0"/>
               </a:rPr>
-              <a:t>:"stores number of concept visits in ‘visited’",</a:t>
+              <a:t>tooltip"</a:t>
+            </a:r>
+            <a:r>
+              <a:rPr lang="en-US" sz="1100" dirty="0" err="1">
+                <a:solidFill>
+                  <a:srgbClr val="70AD47"/>
+                </a:solidFill>
+                <a:effectLst/>
+                <a:latin typeface="Consolas" panose="020B0609020204030204" pitchFamily="49" charset="0"/>
+                <a:ea typeface="Calibri" panose="020F0502020204030204" pitchFamily="34" charset="0"/>
+                <a:cs typeface="Consolas" panose="020B0609020204030204" pitchFamily="49" charset="0"/>
+              </a:rPr>
+              <a:t>:"stores</a:t>
+            </a:r>
+            <a:r>
+              <a:rPr lang="en-US" sz="1100" dirty="0">
+                <a:solidFill>
+                  <a:srgbClr val="70AD47"/>
+                </a:solidFill>
+                <a:effectLst/>
+                <a:latin typeface="Consolas" panose="020B0609020204030204" pitchFamily="49" charset="0"/>
+                <a:ea typeface="Calibri" panose="020F0502020204030204" pitchFamily="34" charset="0"/>
+                <a:cs typeface="Consolas" panose="020B0609020204030204" pitchFamily="49" charset="0"/>
+              </a:rPr>
+              <a:t> number of concept visits in ‘visited’",</a:t>
             </a:r>
             <a:br>
-              <a:rPr lang="en-US" sz="1100">
+              <a:rPr lang="en-US" sz="1100" dirty="0">
                 <a:solidFill>
                   <a:srgbClr val="70AD47"/>
                 </a:solidFill>
@@ -12553,7 +13534,7 @@
               </a:rPr>
             </a:br>
             <a:r>
-              <a:rPr lang="en-US" sz="1100">
+              <a:rPr lang="en-US" sz="1100" dirty="0">
                 <a:solidFill>
                   <a:srgbClr val="70AD47"/>
                 </a:solidFill>
@@ -12565,7 +13546,7 @@
               <a:t>         </a:t>
             </a:r>
             <a:r>
-              <a:rPr lang="en-US" sz="1100" b="1">
+              <a:rPr lang="en-US" sz="1100" b="1" dirty="0">
                 <a:solidFill>
                   <a:srgbClr val="70AD47"/>
                 </a:solidFill>
@@ -12577,7 +13558,7 @@
               <a:t>"code"</a:t>
             </a:r>
             <a:r>
-              <a:rPr lang="en-US" sz="1100">
+              <a:rPr lang="en-US" sz="1100" dirty="0">
                 <a:solidFill>
                   <a:srgbClr val="70AD47"/>
                 </a:solidFill>
@@ -12589,7 +13570,7 @@
               <a:t>:"#[visited]:Integer event +`if (${#suitability}) { ${#visited}++;}`"</a:t>
             </a:r>
             <a:br>
-              <a:rPr lang="en-US" sz="1100">
+              <a:rPr lang="en-US" sz="1100" dirty="0">
                 <a:solidFill>
                   <a:srgbClr val="70AD47"/>
                 </a:solidFill>
@@ -12600,7 +13581,7 @@
               </a:rPr>
             </a:br>
             <a:r>
-              <a:rPr lang="en-US" sz="1100">
+              <a:rPr lang="en-US" sz="1100" dirty="0">
                 <a:solidFill>
                   <a:srgbClr val="70AD47"/>
                 </a:solidFill>
@@ -12612,7 +13593,7 @@
               <a:t>      }</a:t>
             </a:r>
             <a:br>
-              <a:rPr lang="en-US" sz="1100">
+              <a:rPr lang="en-US" sz="1100" dirty="0">
                 <a:solidFill>
                   <a:srgbClr val="70AD47"/>
                 </a:solidFill>
@@ -12623,7 +13604,7 @@
               </a:rPr>
             </a:br>
             <a:r>
-              <a:rPr lang="en-US" sz="1100">
+              <a:rPr lang="en-US" sz="1100" dirty="0">
                 <a:solidFill>
                   <a:srgbClr val="70AD47"/>
                 </a:solidFill>
@@ -12635,7 +13616,7 @@
               <a:t>   ],</a:t>
             </a:r>
             <a:br>
-              <a:rPr lang="en-US" sz="1100">
+              <a:rPr lang="en-US" sz="1100" dirty="0">
                 <a:solidFill>
                   <a:srgbClr val="70AD47"/>
                 </a:solidFill>
@@ -12646,7 +13627,7 @@
               </a:rPr>
             </a:br>
             <a:r>
-              <a:rPr lang="en-US" sz="1100">
+              <a:rPr lang="en-US" sz="1100" dirty="0">
                 <a:solidFill>
                   <a:srgbClr val="70AD47"/>
                 </a:solidFill>
@@ -12658,7 +13639,7 @@
               <a:t>   </a:t>
             </a:r>
             <a:r>
-              <a:rPr lang="en-US" sz="1100" b="1">
+              <a:rPr lang="en-US" sz="1100" b="1" dirty="0">
                 <a:solidFill>
                   <a:srgbClr val="70AD47"/>
                 </a:solidFill>
@@ -12667,10 +13648,10 @@
                 <a:ea typeface="Calibri" panose="020F0502020204030204" pitchFamily="34" charset="0"/>
                 <a:cs typeface="Consolas" panose="020B0609020204030204" pitchFamily="49" charset="0"/>
               </a:rPr>
-              <a:t>"def_relations"</a:t>
-            </a:r>
-            <a:r>
-              <a:rPr lang="en-US" sz="1100">
+              <a:t>"</a:t>
+            </a:r>
+            <a:r>
+              <a:rPr lang="en-US" sz="1100" b="1" dirty="0" err="1">
                 <a:solidFill>
                   <a:srgbClr val="70AD47"/>
                 </a:solidFill>
@@ -12679,10 +13660,34 @@
                 <a:ea typeface="Calibri" panose="020F0502020204030204" pitchFamily="34" charset="0"/>
                 <a:cs typeface="Consolas" panose="020B0609020204030204" pitchFamily="49" charset="0"/>
               </a:rPr>
+              <a:t>def_relations</a:t>
+            </a:r>
+            <a:r>
+              <a:rPr lang="en-US" sz="1100" b="1" dirty="0">
+                <a:solidFill>
+                  <a:srgbClr val="70AD47"/>
+                </a:solidFill>
+                <a:effectLst/>
+                <a:latin typeface="Consolas" panose="020B0609020204030204" pitchFamily="49" charset="0"/>
+                <a:ea typeface="Calibri" panose="020F0502020204030204" pitchFamily="34" charset="0"/>
+                <a:cs typeface="Consolas" panose="020B0609020204030204" pitchFamily="49" charset="0"/>
+              </a:rPr>
+              <a:t>"</a:t>
+            </a:r>
+            <a:r>
+              <a:rPr lang="en-US" sz="1100" dirty="0">
+                <a:solidFill>
+                  <a:srgbClr val="70AD47"/>
+                </a:solidFill>
+                <a:effectLst/>
+                <a:latin typeface="Consolas" panose="020B0609020204030204" pitchFamily="49" charset="0"/>
+                <a:ea typeface="Calibri" panose="020F0502020204030204" pitchFamily="34" charset="0"/>
+                <a:cs typeface="Consolas" panose="020B0609020204030204" pitchFamily="49" charset="0"/>
+              </a:rPr>
               <a:t>:[  </a:t>
             </a:r>
             <a:br>
-              <a:rPr lang="en-US" sz="1100">
+              <a:rPr lang="en-US" sz="1100" dirty="0">
                 <a:solidFill>
                   <a:srgbClr val="70AD47"/>
                 </a:solidFill>
@@ -12693,7 +13698,7 @@
               </a:rPr>
             </a:br>
             <a:r>
-              <a:rPr lang="en-US" sz="1100">
+              <a:rPr lang="en-US" sz="1100" dirty="0">
                 <a:solidFill>
                   <a:srgbClr val="70AD47"/>
                 </a:solidFill>
@@ -12705,7 +13710,7 @@
               <a:t>      {  </a:t>
             </a:r>
             <a:br>
-              <a:rPr lang="en-US" sz="1100">
+              <a:rPr lang="en-US" sz="1100" dirty="0">
                 <a:solidFill>
                   <a:srgbClr val="70AD47"/>
                 </a:solidFill>
@@ -12716,7 +13721,7 @@
               </a:rPr>
             </a:br>
             <a:r>
-              <a:rPr lang="en-US" sz="1100">
+              <a:rPr lang="en-US" sz="1100" dirty="0">
                 <a:solidFill>
                   <a:srgbClr val="70AD47"/>
                 </a:solidFill>
@@ -12728,7 +13733,7 @@
               <a:t>         </a:t>
             </a:r>
             <a:r>
-              <a:rPr lang="en-US" sz="1100" b="1">
+              <a:rPr lang="en-US" sz="1100" b="1" dirty="0">
                 <a:solidFill>
                   <a:srgbClr val="70AD47"/>
                 </a:solidFill>
@@ -12737,10 +13742,10 @@
                 <a:ea typeface="Calibri" panose="020F0502020204030204" pitchFamily="34" charset="0"/>
                 <a:cs typeface="Consolas" panose="020B0609020204030204" pitchFamily="49" charset="0"/>
               </a:rPr>
-              <a:t>"name"</a:t>
-            </a:r>
-            <a:r>
-              <a:rPr lang="en-US" sz="1100">
+              <a:t>"name</a:t>
+            </a:r>
+            <a:r>
+              <a:rPr lang="en-US" sz="1100" b="1" dirty="0" smtClean="0">
                 <a:solidFill>
                   <a:srgbClr val="70AD47"/>
                 </a:solidFill>
@@ -12749,10 +13754,58 @@
                 <a:ea typeface="Calibri" panose="020F0502020204030204" pitchFamily="34" charset="0"/>
                 <a:cs typeface="Consolas" panose="020B0609020204030204" pitchFamily="49" charset="0"/>
               </a:rPr>
-              <a:t>:"rotatesAround",</a:t>
+              <a:t>"</a:t>
+            </a:r>
+            <a:r>
+              <a:rPr lang="en-US" sz="1100" dirty="0" smtClean="0">
+                <a:solidFill>
+                  <a:srgbClr val="70AD47"/>
+                </a:solidFill>
+                <a:effectLst/>
+                <a:latin typeface="Consolas" panose="020B0609020204030204" pitchFamily="49" charset="0"/>
+                <a:ea typeface="Calibri" panose="020F0502020204030204" pitchFamily="34" charset="0"/>
+                <a:cs typeface="Consolas" panose="020B0609020204030204" pitchFamily="49" charset="0"/>
+              </a:rPr>
+              <a:t>:“</a:t>
+            </a:r>
+            <a:r>
+              <a:rPr lang="en-US" sz="1100" dirty="0" err="1" smtClean="0">
+                <a:solidFill>
+                  <a:srgbClr val="70AD47"/>
+                </a:solidFill>
+                <a:effectLst/>
+                <a:latin typeface="Consolas" panose="020B0609020204030204" pitchFamily="49" charset="0"/>
+                <a:ea typeface="Calibri" panose="020F0502020204030204" pitchFamily="34" charset="0"/>
+                <a:cs typeface="Consolas" panose="020B0609020204030204" pitchFamily="49" charset="0"/>
+              </a:rPr>
+              <a:t>isMoonOf</a:t>
+            </a:r>
+            <a:r>
+              <a:rPr lang="en-US" sz="1100" dirty="0" smtClean="0">
+                <a:solidFill>
+                  <a:srgbClr val="70AD47"/>
+                </a:solidFill>
+                <a:effectLst/>
+                <a:latin typeface="Consolas" panose="020B0609020204030204" pitchFamily="49" charset="0"/>
+                <a:ea typeface="Calibri" panose="020F0502020204030204" pitchFamily="34" charset="0"/>
+                <a:cs typeface="Consolas" panose="020B0609020204030204" pitchFamily="49" charset="0"/>
+              </a:rPr>
+              <a:t>",</a:t>
+            </a:r>
+            <a:r>
+              <a:rPr lang="en-US" sz="1100" dirty="0">
+                <a:solidFill>
+                  <a:srgbClr val="70AD47"/>
+                </a:solidFill>
+                <a:effectLst/>
+                <a:latin typeface="Consolas" panose="020B0609020204030204" pitchFamily="49" charset="0"/>
+                <a:ea typeface="Calibri" panose="020F0502020204030204" pitchFamily="34" charset="0"/>
+                <a:cs typeface="Consolas" panose="020B0609020204030204" pitchFamily="49" charset="0"/>
+              </a:rPr>
+              <a:t/>
             </a:r>
             <a:br>
-              <a:rPr lang="en-US" sz="1100">
+              <a:rPr lang="en-US" sz="1100" dirty="0">
                 <a:solidFill>
                   <a:srgbClr val="70AD47"/>
                 </a:solidFill>
@@ -12763,7 +13816,7 @@
               </a:rPr>
             </a:br>
             <a:r>
-              <a:rPr lang="en-US" sz="1100">
+              <a:rPr lang="en-US" sz="1100" dirty="0">
                 <a:solidFill>
                   <a:srgbClr val="70AD47"/>
                 </a:solidFill>
@@ -12775,7 +13828,7 @@
               <a:t>         </a:t>
             </a:r>
             <a:r>
-              <a:rPr lang="en-US" sz="1100" b="1">
+              <a:rPr lang="en-US" sz="1100" b="1" dirty="0">
                 <a:solidFill>
                   <a:srgbClr val="70AD47"/>
                 </a:solidFill>
@@ -12784,10 +13837,10 @@
                 <a:ea typeface="Calibri" panose="020F0502020204030204" pitchFamily="34" charset="0"/>
                 <a:cs typeface="Consolas" panose="020B0609020204030204" pitchFamily="49" charset="0"/>
               </a:rPr>
-              <a:t>"tooltip"</a:t>
-            </a:r>
-            <a:r>
-              <a:rPr lang="en-US" sz="1100">
+              <a:t>"</a:t>
+            </a:r>
+            <a:r>
+              <a:rPr lang="en-US" sz="1100" b="1" dirty="0" err="1">
                 <a:solidFill>
                   <a:srgbClr val="70AD47"/>
                 </a:solidFill>
@@ -12796,10 +13849,58 @@
                 <a:ea typeface="Calibri" panose="020F0502020204030204" pitchFamily="34" charset="0"/>
                 <a:cs typeface="Consolas" panose="020B0609020204030204" pitchFamily="49" charset="0"/>
               </a:rPr>
-              <a:t>:"source concept rotates around the target object."</a:t>
+              <a:t>tooltip"</a:t>
+            </a:r>
+            <a:r>
+              <a:rPr lang="en-US" sz="1100" dirty="0" err="1">
+                <a:solidFill>
+                  <a:srgbClr val="70AD47"/>
+                </a:solidFill>
+                <a:effectLst/>
+                <a:latin typeface="Consolas" panose="020B0609020204030204" pitchFamily="49" charset="0"/>
+                <a:ea typeface="Calibri" panose="020F0502020204030204" pitchFamily="34" charset="0"/>
+                <a:cs typeface="Consolas" panose="020B0609020204030204" pitchFamily="49" charset="0"/>
+              </a:rPr>
+              <a:t>:"source</a:t>
+            </a:r>
+            <a:r>
+              <a:rPr lang="en-US" sz="1100" dirty="0">
+                <a:solidFill>
+                  <a:srgbClr val="70AD47"/>
+                </a:solidFill>
+                <a:effectLst/>
+                <a:latin typeface="Consolas" panose="020B0609020204030204" pitchFamily="49" charset="0"/>
+                <a:ea typeface="Calibri" panose="020F0502020204030204" pitchFamily="34" charset="0"/>
+                <a:cs typeface="Consolas" panose="020B0609020204030204" pitchFamily="49" charset="0"/>
+              </a:rPr>
+              <a:t> </a:t>
+            </a:r>
+            <a:r>
+              <a:rPr lang="en-US" sz="1100" dirty="0" smtClean="0">
+                <a:solidFill>
+                  <a:srgbClr val="70AD47"/>
+                </a:solidFill>
+                <a:effectLst/>
+                <a:latin typeface="Consolas" panose="020B0609020204030204" pitchFamily="49" charset="0"/>
+                <a:ea typeface="Calibri" panose="020F0502020204030204" pitchFamily="34" charset="0"/>
+                <a:cs typeface="Consolas" panose="020B0609020204030204" pitchFamily="49" charset="0"/>
+              </a:rPr>
+              <a:t>concept is a moon of the</a:t>
+            </a:r>
+            <a:r>
+              <a:rPr lang="en-US" sz="1100" dirty="0">
+                <a:solidFill>
+                  <a:srgbClr val="70AD47"/>
+                </a:solidFill>
+                <a:effectLst/>
+                <a:latin typeface="Consolas" panose="020B0609020204030204" pitchFamily="49" charset="0"/>
+                <a:ea typeface="Calibri" panose="020F0502020204030204" pitchFamily="34" charset="0"/>
+                <a:cs typeface="Consolas" panose="020B0609020204030204" pitchFamily="49" charset="0"/>
+              </a:rPr>
+              <a:t> target object."</a:t>
             </a:r>
             <a:br>
-              <a:rPr lang="en-US" sz="1100">
+              <a:rPr lang="en-US" sz="1100" dirty="0">
                 <a:solidFill>
                   <a:srgbClr val="70AD47"/>
                 </a:solidFill>
@@ -12810,7 +13911,7 @@
               </a:rPr>
             </a:br>
             <a:r>
-              <a:rPr lang="en-US" sz="1100">
+              <a:rPr lang="en-US" sz="1100" dirty="0">
                 <a:solidFill>
                   <a:srgbClr val="70AD47"/>
                 </a:solidFill>
@@ -12822,7 +13923,7 @@
               <a:t>      }</a:t>
             </a:r>
             <a:br>
-              <a:rPr lang="en-US" sz="1100">
+              <a:rPr lang="en-US" sz="1100" dirty="0">
                 <a:solidFill>
                   <a:srgbClr val="70AD47"/>
                 </a:solidFill>
@@ -12833,7 +13934,7 @@
               </a:rPr>
             </a:br>
             <a:r>
-              <a:rPr lang="en-US" sz="1100">
+              <a:rPr lang="en-US" sz="1100" dirty="0">
                 <a:solidFill>
                   <a:srgbClr val="70AD47"/>
                 </a:solidFill>
@@ -12845,7 +13946,7 @@
               <a:t>   ]</a:t>
             </a:r>
             <a:br>
-              <a:rPr lang="en-US" sz="1100">
+              <a:rPr lang="en-US" sz="1100" dirty="0">
                 <a:solidFill>
                   <a:srgbClr val="70AD47"/>
                 </a:solidFill>
@@ -12856,7 +13957,7 @@
               </a:rPr>
             </a:br>
             <a:r>
-              <a:rPr lang="en-US" sz="1100">
+              <a:rPr lang="en-US" sz="1100" dirty="0">
                 <a:solidFill>
                   <a:srgbClr val="70AD47"/>
                 </a:solidFill>
@@ -12867,7 +13968,7 @@
               </a:rPr>
               <a:t>}</a:t>
             </a:r>
-            <a:endParaRPr lang="en-US" sz="1100">
+            <a:endParaRPr lang="en-US" sz="1100" dirty="0">
               <a:effectLst/>
               <a:latin typeface="Arial" panose="020B0604020202020204" pitchFamily="34" charset="0"/>
               <a:ea typeface="Calibri" panose="020F0502020204030204" pitchFamily="34" charset="0"/>
@@ -12953,10 +14054,21 @@
         </p:nvSpPr>
         <p:spPr/>
         <p:txBody>
-          <a:bodyPr/>
+          <a:bodyPr>
+            <a:normAutofit fontScale="70000" lnSpcReduction="20000"/>
+          </a:bodyPr>
           <a:lstStyle/>
           <a:p>
-            <a:endParaRPr lang="en-US"/>
+            <a:r>
+              <a:rPr lang="en-US" altLang="en-US" dirty="0">
+                <a:latin typeface="Arial" panose="020B0604020202020204" pitchFamily="34" charset="0"/>
+                <a:cs typeface="Arial" panose="020B0604020202020204" pitchFamily="34" charset="0"/>
+              </a:rPr>
+              <a:t>ALAT: A new authoring environment</a:t>
+            </a:r>
+          </a:p>
+          <a:p>
+            <a:endParaRPr lang="en-US" dirty="0"/>
           </a:p>
         </p:txBody>
       </p:sp>
@@ -13004,6 +14116,442 @@
 </p:sld>
 </file>
 
+<file path=ppt/slides/slide26.xml><?xml version="1.0" encoding="utf-8"?>
+<p:sld xmlns:a="http://schemas.openxmlformats.org/drawingml/2006/main" xmlns:r="http://schemas.openxmlformats.org/officeDocument/2006/relationships" xmlns:p="http://schemas.openxmlformats.org/presentationml/2006/main">
+  <p:cSld>
+    <p:spTree>
+      <p:nvGrpSpPr>
+        <p:cNvPr id="1" name=""/>
+        <p:cNvGrpSpPr/>
+        <p:nvPr/>
+      </p:nvGrpSpPr>
+      <p:grpSpPr>
+        <a:xfrm>
+          <a:off x="0" y="0"/>
+          <a:ext cx="0" cy="0"/>
+          <a:chOff x="0" y="0"/>
+          <a:chExt cx="0" cy="0"/>
+        </a:xfrm>
+      </p:grpSpPr>
+      <p:sp>
+        <p:nvSpPr>
+          <p:cNvPr id="2" name="Content Placeholder 1"/>
+          <p:cNvSpPr>
+            <a:spLocks noGrp="1"/>
+          </p:cNvSpPr>
+          <p:nvPr>
+            <p:ph sz="half" idx="2"/>
+          </p:nvPr>
+        </p:nvSpPr>
+        <p:spPr/>
+        <p:txBody>
+          <a:bodyPr>
+            <a:normAutofit/>
+          </a:bodyPr>
+          <a:lstStyle/>
+          <a:p>
+            <a:pPr marL="0" indent="0" algn="ctr">
+              <a:buNone/>
+            </a:pPr>
+            <a:r>
+              <a:rPr lang="en-US" sz="2800" b="1" dirty="0" smtClean="0"/>
+              <a:t>Future work</a:t>
+            </a:r>
+          </a:p>
+          <a:p>
+            <a:pPr marL="0" indent="0" algn="ctr">
+              <a:buNone/>
+            </a:pPr>
+            <a:endParaRPr lang="en-US" sz="2800" b="1" dirty="0"/>
+          </a:p>
+          <a:p>
+            <a:r>
+              <a:rPr lang="en-US" dirty="0" smtClean="0"/>
+              <a:t>More Showcase </a:t>
+            </a:r>
+            <a:r>
+              <a:rPr lang="en-US" dirty="0" smtClean="0"/>
+              <a:t>applications</a:t>
+            </a:r>
+          </a:p>
+          <a:p>
+            <a:r>
+              <a:rPr lang="en-US" dirty="0" smtClean="0"/>
+              <a:t>Real world usability testing</a:t>
+            </a:r>
+          </a:p>
+          <a:p>
+            <a:r>
+              <a:rPr lang="en-US" dirty="0" smtClean="0"/>
+              <a:t>Concept Blueprints &amp; rule sets</a:t>
+            </a:r>
+          </a:p>
+          <a:p>
+            <a:r>
+              <a:rPr lang="en-US" dirty="0" smtClean="0"/>
+              <a:t>Research projects:</a:t>
+            </a:r>
+          </a:p>
+          <a:p>
+            <a:pPr lvl="1"/>
+            <a:r>
+              <a:rPr lang="en-US" dirty="0" smtClean="0"/>
+              <a:t>Introduce support for different learning styles.</a:t>
+            </a:r>
+          </a:p>
+          <a:p>
+            <a:pPr lvl="1"/>
+            <a:r>
+              <a:rPr lang="en-US" dirty="0" smtClean="0"/>
+              <a:t>limited version for non-technical experts.</a:t>
+            </a:r>
+          </a:p>
+          <a:p>
+            <a:pPr lvl="1"/>
+            <a:r>
+              <a:rPr lang="en-US" dirty="0" smtClean="0"/>
+              <a:t>Try to make a graph interface work.</a:t>
+            </a:r>
+          </a:p>
+          <a:p>
+            <a:pPr lvl="1"/>
+            <a:endParaRPr lang="en-US" dirty="0" smtClean="0"/>
+          </a:p>
+          <a:p>
+            <a:pPr lvl="1"/>
+            <a:endParaRPr lang="en-US" dirty="0"/>
+          </a:p>
+        </p:txBody>
+      </p:sp>
+      <p:sp>
+        <p:nvSpPr>
+          <p:cNvPr id="3" name="Subtitle 2"/>
+          <p:cNvSpPr>
+            <a:spLocks noGrp="1"/>
+          </p:cNvSpPr>
+          <p:nvPr>
+            <p:ph type="subTitle" idx="1"/>
+          </p:nvPr>
+        </p:nvSpPr>
+        <p:spPr/>
+        <p:txBody>
+          <a:bodyPr>
+            <a:normAutofit fontScale="70000" lnSpcReduction="20000"/>
+          </a:bodyPr>
+          <a:lstStyle/>
+          <a:p>
+            <a:r>
+              <a:rPr lang="en-US" altLang="en-US" dirty="0">
+                <a:latin typeface="Arial" panose="020B0604020202020204" pitchFamily="34" charset="0"/>
+                <a:cs typeface="Arial" panose="020B0604020202020204" pitchFamily="34" charset="0"/>
+              </a:rPr>
+              <a:t>ALAT: A new authoring environment</a:t>
+            </a:r>
+          </a:p>
+          <a:p>
+            <a:endParaRPr lang="en-US" dirty="0"/>
+          </a:p>
+        </p:txBody>
+      </p:sp>
+      <p:sp>
+        <p:nvSpPr>
+          <p:cNvPr id="4" name="Slide Number Placeholder 3"/>
+          <p:cNvSpPr>
+            <a:spLocks noGrp="1"/>
+          </p:cNvSpPr>
+          <p:nvPr>
+            <p:ph type="sldNum" sz="quarter" idx="10"/>
+          </p:nvPr>
+        </p:nvSpPr>
+        <p:spPr/>
+        <p:txBody>
+          <a:bodyPr/>
+          <a:lstStyle/>
+          <a:p>
+            <a:fld id="{AEAEA9A1-7A57-4607-A57D-E63C9252F9ED}" type="slidenum">
+              <a:rPr lang="nl-NL" altLang="en-US" smtClean="0"/>
+              <a:pPr/>
+              <a:t>26</a:t>
+            </a:fld>
+            <a:endParaRPr lang="nl-NL" altLang="en-US"/>
+          </a:p>
+        </p:txBody>
+      </p:sp>
+    </p:spTree>
+    <p:extLst>
+      <p:ext uri="{BB962C8B-B14F-4D97-AF65-F5344CB8AC3E}">
+        <p14:creationId xmlns:p14="http://schemas.microsoft.com/office/powerpoint/2010/main" val="54384719"/>
+      </p:ext>
+    </p:extLst>
+  </p:cSld>
+  <p:clrMapOvr>
+    <a:masterClrMapping/>
+  </p:clrMapOvr>
+</p:sld>
+</file>
+
+<file path=ppt/slides/slide27.xml><?xml version="1.0" encoding="utf-8"?>
+<p:sld xmlns:a="http://schemas.openxmlformats.org/drawingml/2006/main" xmlns:r="http://schemas.openxmlformats.org/officeDocument/2006/relationships" xmlns:p="http://schemas.openxmlformats.org/presentationml/2006/main">
+  <p:cSld>
+    <p:spTree>
+      <p:nvGrpSpPr>
+        <p:cNvPr id="1" name=""/>
+        <p:cNvGrpSpPr/>
+        <p:nvPr/>
+      </p:nvGrpSpPr>
+      <p:grpSpPr>
+        <a:xfrm>
+          <a:off x="0" y="0"/>
+          <a:ext cx="0" cy="0"/>
+          <a:chOff x="0" y="0"/>
+          <a:chExt cx="0" cy="0"/>
+        </a:xfrm>
+      </p:grpSpPr>
+      <p:sp>
+        <p:nvSpPr>
+          <p:cNvPr id="2" name="Content Placeholder 1"/>
+          <p:cNvSpPr>
+            <a:spLocks noGrp="1"/>
+          </p:cNvSpPr>
+          <p:nvPr>
+            <p:ph sz="half" idx="2"/>
+          </p:nvPr>
+        </p:nvSpPr>
+        <p:spPr/>
+        <p:txBody>
+          <a:bodyPr>
+            <a:normAutofit/>
+          </a:bodyPr>
+          <a:lstStyle/>
+          <a:p>
+            <a:pPr marL="0" indent="0" algn="ctr">
+              <a:buNone/>
+            </a:pPr>
+            <a:r>
+              <a:rPr lang="en-US" sz="2800" b="1" dirty="0" smtClean="0"/>
+              <a:t>Conclusions</a:t>
+            </a:r>
+          </a:p>
+          <a:p>
+            <a:pPr marL="0" indent="0" algn="ctr">
+              <a:buNone/>
+            </a:pPr>
+            <a:endParaRPr lang="en-US" sz="2800" b="1" dirty="0"/>
+          </a:p>
+          <a:p>
+            <a:pPr marL="0" indent="0" algn="ctr">
+              <a:buNone/>
+            </a:pPr>
+            <a:endParaRPr lang="en-US" sz="2800" b="1" dirty="0" smtClean="0"/>
+          </a:p>
+          <a:p>
+            <a:r>
+              <a:rPr lang="en-US" dirty="0" smtClean="0"/>
+              <a:t>A new authoring platform</a:t>
+            </a:r>
+          </a:p>
+          <a:p>
+            <a:r>
+              <a:rPr lang="en-US" dirty="0" smtClean="0"/>
+              <a:t>Easy</a:t>
+            </a:r>
+          </a:p>
+          <a:p>
+            <a:r>
+              <a:rPr lang="en-US" dirty="0" smtClean="0"/>
+              <a:t>Fast</a:t>
+            </a:r>
+          </a:p>
+          <a:p>
+            <a:r>
+              <a:rPr lang="en-US" dirty="0" smtClean="0"/>
+              <a:t>Generic</a:t>
+            </a:r>
+          </a:p>
+          <a:p>
+            <a:endParaRPr lang="en-US" dirty="0"/>
+          </a:p>
+        </p:txBody>
+      </p:sp>
+      <p:sp>
+        <p:nvSpPr>
+          <p:cNvPr id="3" name="Subtitle 2"/>
+          <p:cNvSpPr>
+            <a:spLocks noGrp="1"/>
+          </p:cNvSpPr>
+          <p:nvPr>
+            <p:ph type="subTitle" idx="1"/>
+          </p:nvPr>
+        </p:nvSpPr>
+        <p:spPr/>
+        <p:txBody>
+          <a:bodyPr>
+            <a:normAutofit fontScale="70000" lnSpcReduction="20000"/>
+          </a:bodyPr>
+          <a:lstStyle/>
+          <a:p>
+            <a:r>
+              <a:rPr lang="en-US" altLang="en-US" dirty="0">
+                <a:latin typeface="Arial" panose="020B0604020202020204" pitchFamily="34" charset="0"/>
+                <a:cs typeface="Arial" panose="020B0604020202020204" pitchFamily="34" charset="0"/>
+              </a:rPr>
+              <a:t>ALAT: A new authoring environment</a:t>
+            </a:r>
+          </a:p>
+          <a:p>
+            <a:endParaRPr lang="en-US" dirty="0"/>
+          </a:p>
+        </p:txBody>
+      </p:sp>
+      <p:sp>
+        <p:nvSpPr>
+          <p:cNvPr id="4" name="Slide Number Placeholder 3"/>
+          <p:cNvSpPr>
+            <a:spLocks noGrp="1"/>
+          </p:cNvSpPr>
+          <p:nvPr>
+            <p:ph type="sldNum" sz="quarter" idx="10"/>
+          </p:nvPr>
+        </p:nvSpPr>
+        <p:spPr/>
+        <p:txBody>
+          <a:bodyPr/>
+          <a:lstStyle/>
+          <a:p>
+            <a:fld id="{AEAEA9A1-7A57-4607-A57D-E63C9252F9ED}" type="slidenum">
+              <a:rPr lang="nl-NL" altLang="en-US" smtClean="0"/>
+              <a:pPr/>
+              <a:t>27</a:t>
+            </a:fld>
+            <a:endParaRPr lang="nl-NL" altLang="en-US"/>
+          </a:p>
+        </p:txBody>
+      </p:sp>
+    </p:spTree>
+    <p:extLst>
+      <p:ext uri="{BB962C8B-B14F-4D97-AF65-F5344CB8AC3E}">
+        <p14:creationId xmlns:p14="http://schemas.microsoft.com/office/powerpoint/2010/main" val="1044670575"/>
+      </p:ext>
+    </p:extLst>
+  </p:cSld>
+  <p:clrMapOvr>
+    <a:masterClrMapping/>
+  </p:clrMapOvr>
+</p:sld>
+</file>
+
+<file path=ppt/slides/slide28.xml><?xml version="1.0" encoding="utf-8"?>
+<p:sld xmlns:a="http://schemas.openxmlformats.org/drawingml/2006/main" xmlns:r="http://schemas.openxmlformats.org/officeDocument/2006/relationships" xmlns:p="http://schemas.openxmlformats.org/presentationml/2006/main">
+  <p:cSld>
+    <p:spTree>
+      <p:nvGrpSpPr>
+        <p:cNvPr id="1" name=""/>
+        <p:cNvGrpSpPr/>
+        <p:nvPr/>
+      </p:nvGrpSpPr>
+      <p:grpSpPr>
+        <a:xfrm>
+          <a:off x="0" y="0"/>
+          <a:ext cx="0" cy="0"/>
+          <a:chOff x="0" y="0"/>
+          <a:chExt cx="0" cy="0"/>
+        </a:xfrm>
+      </p:grpSpPr>
+      <p:sp>
+        <p:nvSpPr>
+          <p:cNvPr id="2" name="Content Placeholder 1"/>
+          <p:cNvSpPr>
+            <a:spLocks noGrp="1"/>
+          </p:cNvSpPr>
+          <p:nvPr>
+            <p:ph sz="half" idx="2"/>
+          </p:nvPr>
+        </p:nvSpPr>
+        <p:spPr/>
+        <p:txBody>
+          <a:bodyPr>
+            <a:normAutofit/>
+          </a:bodyPr>
+          <a:lstStyle/>
+          <a:p>
+            <a:pPr marL="0" indent="0" algn="ctr">
+              <a:buNone/>
+            </a:pPr>
+            <a:r>
+              <a:rPr lang="en-US" sz="2800" b="1" dirty="0" smtClean="0"/>
+              <a:t>Q&amp;A!</a:t>
+            </a:r>
+            <a:endParaRPr lang="en-US" sz="2800" b="1" dirty="0"/>
+          </a:p>
+        </p:txBody>
+      </p:sp>
+      <p:sp>
+        <p:nvSpPr>
+          <p:cNvPr id="3" name="Subtitle 2"/>
+          <p:cNvSpPr>
+            <a:spLocks noGrp="1"/>
+          </p:cNvSpPr>
+          <p:nvPr>
+            <p:ph type="subTitle" idx="1"/>
+          </p:nvPr>
+        </p:nvSpPr>
+        <p:spPr/>
+        <p:txBody>
+          <a:bodyPr>
+            <a:normAutofit fontScale="70000" lnSpcReduction="20000"/>
+          </a:bodyPr>
+          <a:lstStyle/>
+          <a:p>
+            <a:r>
+              <a:rPr lang="en-US" altLang="en-US" dirty="0">
+                <a:latin typeface="Arial" panose="020B0604020202020204" pitchFamily="34" charset="0"/>
+                <a:cs typeface="Arial" panose="020B0604020202020204" pitchFamily="34" charset="0"/>
+              </a:rPr>
+              <a:t>ALAT: A new authoring environment</a:t>
+            </a:r>
+          </a:p>
+          <a:p>
+            <a:endParaRPr lang="en-US" dirty="0"/>
+          </a:p>
+        </p:txBody>
+      </p:sp>
+      <p:sp>
+        <p:nvSpPr>
+          <p:cNvPr id="4" name="Slide Number Placeholder 3"/>
+          <p:cNvSpPr>
+            <a:spLocks noGrp="1"/>
+          </p:cNvSpPr>
+          <p:nvPr>
+            <p:ph type="sldNum" sz="quarter" idx="10"/>
+          </p:nvPr>
+        </p:nvSpPr>
+        <p:spPr/>
+        <p:txBody>
+          <a:bodyPr/>
+          <a:lstStyle/>
+          <a:p>
+            <a:fld id="{AEAEA9A1-7A57-4607-A57D-E63C9252F9ED}" type="slidenum">
+              <a:rPr lang="nl-NL" altLang="en-US" smtClean="0"/>
+              <a:pPr/>
+              <a:t>28</a:t>
+            </a:fld>
+            <a:endParaRPr lang="nl-NL" altLang="en-US"/>
+          </a:p>
+        </p:txBody>
+      </p:sp>
+    </p:spTree>
+    <p:extLst>
+      <p:ext uri="{BB962C8B-B14F-4D97-AF65-F5344CB8AC3E}">
+        <p14:creationId xmlns:p14="http://schemas.microsoft.com/office/powerpoint/2010/main" val="1979649673"/>
+      </p:ext>
+    </p:extLst>
+  </p:cSld>
+  <p:clrMapOvr>
+    <a:masterClrMapping/>
+  </p:clrMapOvr>
+</p:sld>
+</file>
+
 <file path=ppt/slides/slide3.xml><?xml version="1.0" encoding="utf-8"?>
 <p:sld xmlns:a="http://schemas.openxmlformats.org/drawingml/2006/main" xmlns:r="http://schemas.openxmlformats.org/officeDocument/2006/relationships" xmlns:p="http://schemas.openxmlformats.org/presentationml/2006/main">
   <p:cSld>
@@ -13075,7 +14623,7 @@
           <a:p>
             <a:r>
               <a:rPr lang="en-US" dirty="0" smtClean="0"/>
-              <a:t>TU/e goal: More research and use of GALE.</a:t>
+              <a:t>TU/e goal: An improved authoring environment and a real-life application of GALE.</a:t>
             </a:r>
           </a:p>
           <a:p>
@@ -13116,7 +14664,7 @@
           <a:p>
             <a:r>
               <a:rPr lang="en-US" dirty="0" smtClean="0"/>
-              <a:t>Opportunity: a new authoring environment.</a:t>
+              <a:t>Opportunity for me: Creating a new authoring environment.</a:t>
             </a:r>
           </a:p>
         </p:txBody>
@@ -13197,8 +14745,8 @@
         </p:blipFill>
         <p:spPr>
           <a:xfrm>
-            <a:off x="6106270" y="3716710"/>
-            <a:ext cx="2143125" cy="2143125"/>
+            <a:off x="5736922" y="4255328"/>
+            <a:ext cx="1998907" cy="1998907"/>
           </a:xfrm>
           <a:prstGeom prst="rect">
             <a:avLst/>
@@ -13227,7 +14775,7 @@
         </p:blipFill>
         <p:spPr>
           <a:xfrm>
-            <a:off x="676902" y="4316785"/>
+            <a:off x="676902" y="4542253"/>
             <a:ext cx="2952750" cy="1543050"/>
           </a:xfrm>
           <a:prstGeom prst="rect">
@@ -13512,7 +15060,7 @@
             </a:pPr>
             <a:r>
               <a:rPr lang="en-US" sz="2800" b="1" dirty="0" smtClean="0"/>
-              <a:t>Adapt to what?</a:t>
+              <a:t>Adapt what?</a:t>
             </a:r>
           </a:p>
           <a:p>
@@ -13524,34 +15072,68 @@
           <a:p>
             <a:r>
               <a:rPr lang="en-US" dirty="0" smtClean="0"/>
-              <a:t>Previously visited pages</a:t>
-            </a:r>
-          </a:p>
-          <a:p>
+              <a:t>Hide/show links or information</a:t>
+            </a:r>
+          </a:p>
+          <a:p>
+            <a:pPr lvl="1"/>
             <a:r>
               <a:rPr lang="en-US" dirty="0" smtClean="0"/>
-              <a:t>Number of page visits</a:t>
-            </a:r>
-          </a:p>
-          <a:p>
+              <a:t>Text</a:t>
+            </a:r>
+          </a:p>
+          <a:p>
+            <a:pPr lvl="1"/>
             <a:r>
               <a:rPr lang="en-US" dirty="0" smtClean="0"/>
-              <a:t>Time spent visiting pages</a:t>
-            </a:r>
-          </a:p>
-          <a:p>
+              <a:t>Images</a:t>
+            </a:r>
+          </a:p>
+          <a:p>
+            <a:pPr lvl="1"/>
             <a:r>
               <a:rPr lang="en-US" dirty="0" smtClean="0"/>
-              <a:t>Test results</a:t>
-            </a:r>
-          </a:p>
-          <a:p>
+              <a:t>Video</a:t>
+            </a:r>
+          </a:p>
+          <a:p>
+            <a:pPr lvl="1"/>
             <a:r>
               <a:rPr lang="en-US" dirty="0" smtClean="0"/>
-              <a:t>User profile</a:t>
-            </a:r>
-          </a:p>
-          <a:p>
+              <a:t>Exercises</a:t>
+            </a:r>
+          </a:p>
+          <a:p>
+            <a:pPr lvl="1"/>
+            <a:r>
+              <a:rPr lang="en-US" dirty="0" smtClean="0"/>
+              <a:t>Questionnaires</a:t>
+            </a:r>
+            <a:endParaRPr lang="en-US" dirty="0" smtClean="0"/>
+          </a:p>
+          <a:p>
+            <a:pPr lvl="1"/>
+            <a:r>
+              <a:rPr lang="en-US" dirty="0" smtClean="0"/>
+              <a:t>Etc.</a:t>
+            </a:r>
+          </a:p>
+          <a:p>
+            <a:r>
+              <a:rPr lang="en-US" dirty="0" smtClean="0"/>
+              <a:t>Recommendations through hyperlink adaptation</a:t>
+            </a:r>
+          </a:p>
+          <a:p>
+            <a:r>
+              <a:rPr lang="en-US" dirty="0" smtClean="0"/>
+              <a:t>Whatever you can think of!</a:t>
+            </a:r>
+          </a:p>
+          <a:p>
+            <a:pPr marL="0" indent="0">
+              <a:buNone/>
+            </a:pPr>
             <a:endParaRPr lang="en-US" dirty="0"/>
           </a:p>
         </p:txBody>
@@ -13568,10 +15150,29 @@
         </p:nvSpPr>
         <p:spPr/>
         <p:txBody>
-          <a:bodyPr/>
+          <a:bodyPr>
+            <a:normAutofit fontScale="70000" lnSpcReduction="20000"/>
+          </a:bodyPr>
           <a:lstStyle/>
           <a:p>
-            <a:endParaRPr lang="en-US"/>
+            <a:r>
+              <a:rPr lang="en-US" altLang="en-US" dirty="0">
+                <a:latin typeface="Arial" panose="020B0604020202020204" pitchFamily="34" charset="0"/>
+                <a:cs typeface="Arial" panose="020B0604020202020204" pitchFamily="34" charset="0"/>
+              </a:rPr>
+              <a:t>ALAT: A new authoring </a:t>
+            </a:r>
+            <a:r>
+              <a:rPr lang="en-US" altLang="en-US" dirty="0" smtClean="0">
+                <a:latin typeface="Arial" panose="020B0604020202020204" pitchFamily="34" charset="0"/>
+                <a:cs typeface="Arial" panose="020B0604020202020204" pitchFamily="34" charset="0"/>
+              </a:rPr>
+              <a:t>environment</a:t>
+            </a:r>
+            <a:endParaRPr lang="en-US" altLang="en-US" dirty="0">
+              <a:latin typeface="Arial" panose="020B0604020202020204" pitchFamily="34" charset="0"/>
+              <a:cs typeface="Arial" panose="020B0604020202020204" pitchFamily="34" charset="0"/>
+            </a:endParaRPr>
           </a:p>
         </p:txBody>
       </p:sp>
@@ -13602,20 +15203,13 @@
     </p:spTree>
     <p:extLst>
       <p:ext uri="{BB962C8B-B14F-4D97-AF65-F5344CB8AC3E}">
-        <p14:creationId xmlns:p14="http://schemas.microsoft.com/office/powerpoint/2010/main" val="1511765906"/>
+        <p14:creationId xmlns:p14="http://schemas.microsoft.com/office/powerpoint/2010/main" val="1871874505"/>
       </p:ext>
     </p:extLst>
   </p:cSld>
   <p:clrMapOvr>
     <a:masterClrMapping/>
   </p:clrMapOvr>
-  <p:timing>
-    <p:tnLst>
-      <p:par>
-        <p:cTn id="1" dur="indefinite" restart="never" nodeType="tmRoot"/>
-      </p:par>
-    </p:tnLst>
-  </p:timing>
 </p:sld>
 </file>
 
@@ -13658,7 +15252,7 @@
             </a:pPr>
             <a:r>
               <a:rPr lang="en-US" sz="2800" b="1" dirty="0" smtClean="0"/>
-              <a:t>How does this work?</a:t>
+              <a:t>Adapt to what?</a:t>
             </a:r>
           </a:p>
           <a:p>
@@ -13670,53 +15264,65 @@
           <a:p>
             <a:r>
               <a:rPr lang="en-US" dirty="0" smtClean="0"/>
-              <a:t>Adaptive Hypermedia Systems</a:t>
+              <a:t>Previously visited pages</a:t>
             </a:r>
           </a:p>
           <a:p>
             <a:r>
               <a:rPr lang="en-US" dirty="0" smtClean="0"/>
-              <a:t>GALE (Generic Adaptation Language &amp; Engine)</a:t>
-            </a:r>
-          </a:p>
-          <a:p>
-            <a:r>
-              <a:rPr lang="en-US" dirty="0"/>
-              <a:t>A web server which performs </a:t>
-            </a:r>
+              <a:t>Number of page visits</a:t>
+            </a:r>
+          </a:p>
+          <a:p>
             <a:r>
               <a:rPr lang="en-US" dirty="0" smtClean="0"/>
-              <a:t>adaptivity</a:t>
+              <a:t>Time spent visiting pages</a:t>
             </a:r>
           </a:p>
           <a:p>
             <a:r>
               <a:rPr lang="en-US" dirty="0" smtClean="0"/>
-              <a:t>Adaptive applications</a:t>
-            </a:r>
+              <a:t>Test results</a:t>
+            </a:r>
+          </a:p>
+          <a:p>
+            <a:r>
+              <a:rPr lang="en-US" dirty="0" smtClean="0"/>
+              <a:t>User profile</a:t>
+            </a:r>
+          </a:p>
+          <a:p>
             <a:endParaRPr lang="en-US" dirty="0"/>
           </a:p>
+        </p:txBody>
+      </p:sp>
+      <p:sp>
+        <p:nvSpPr>
+          <p:cNvPr id="3" name="Subtitle 2"/>
+          <p:cNvSpPr>
+            <a:spLocks noGrp="1"/>
+          </p:cNvSpPr>
+          <p:nvPr>
+            <p:ph type="subTitle" idx="1"/>
+          </p:nvPr>
+        </p:nvSpPr>
+        <p:spPr/>
+        <p:txBody>
+          <a:bodyPr>
+            <a:normAutofit fontScale="70000" lnSpcReduction="20000"/>
+          </a:bodyPr>
+          <a:lstStyle/>
+          <a:p>
+            <a:r>
+              <a:rPr lang="en-US" altLang="en-US" dirty="0">
+                <a:latin typeface="Arial" panose="020B0604020202020204" pitchFamily="34" charset="0"/>
+                <a:cs typeface="Arial" panose="020B0604020202020204" pitchFamily="34" charset="0"/>
+              </a:rPr>
+              <a:t>ALAT: A new authoring environment</a:t>
+            </a:r>
+          </a:p>
           <a:p>
             <a:endParaRPr lang="en-US" dirty="0"/>
-          </a:p>
-        </p:txBody>
-      </p:sp>
-      <p:sp>
-        <p:nvSpPr>
-          <p:cNvPr id="3" name="Subtitle 2"/>
-          <p:cNvSpPr>
-            <a:spLocks noGrp="1"/>
-          </p:cNvSpPr>
-          <p:nvPr>
-            <p:ph type="subTitle" idx="1"/>
-          </p:nvPr>
-        </p:nvSpPr>
-        <p:spPr/>
-        <p:txBody>
-          <a:bodyPr/>
-          <a:lstStyle/>
-          <a:p>
-            <a:endParaRPr lang="en-US"/>
           </a:p>
         </p:txBody>
       </p:sp>
@@ -13747,7 +15353,7 @@
     </p:spTree>
     <p:extLst>
       <p:ext uri="{BB962C8B-B14F-4D97-AF65-F5344CB8AC3E}">
-        <p14:creationId xmlns:p14="http://schemas.microsoft.com/office/powerpoint/2010/main" val="1140365044"/>
+        <p14:creationId xmlns:p14="http://schemas.microsoft.com/office/powerpoint/2010/main" val="1511765906"/>
       </p:ext>
     </p:extLst>
   </p:cSld>
@@ -13803,7 +15409,7 @@
             </a:pPr>
             <a:r>
               <a:rPr lang="en-US" sz="2800" b="1" dirty="0" smtClean="0"/>
-              <a:t>Adaptive applications</a:t>
+              <a:t>How does this work?</a:t>
             </a:r>
           </a:p>
           <a:p>
@@ -13815,69 +15421,46 @@
           <a:p>
             <a:r>
               <a:rPr lang="en-US" dirty="0" smtClean="0"/>
-              <a:t>Domain model (DM)</a:t>
-            </a:r>
-          </a:p>
-          <a:p>
-            <a:pPr lvl="1"/>
+              <a:t>Adaptive Hypermedia Systems</a:t>
+            </a:r>
+          </a:p>
+          <a:p>
             <a:r>
               <a:rPr lang="en-US" dirty="0" smtClean="0"/>
-              <a:t>Concepts</a:t>
-            </a:r>
-          </a:p>
-          <a:p>
-            <a:pPr lvl="1"/>
+              <a:t>GALE (Generic Adaptation Language &amp; Engine</a:t>
+            </a:r>
             <a:r>
               <a:rPr lang="en-US" dirty="0" smtClean="0"/>
-              <a:t>Attributes &amp; Parameters</a:t>
-            </a:r>
-          </a:p>
-          <a:p>
-            <a:pPr lvl="1"/>
+              <a:t>)</a:t>
+            </a:r>
+          </a:p>
+          <a:p>
             <a:r>
               <a:rPr lang="en-US" dirty="0" smtClean="0"/>
-              <a:t>Non-pedagogical relations</a:t>
-            </a:r>
-          </a:p>
-          <a:p>
-            <a:pPr lvl="1"/>
+              <a:t>GRAPPLE project</a:t>
+            </a:r>
             <a:endParaRPr lang="en-US" dirty="0" smtClean="0"/>
           </a:p>
           <a:p>
             <a:r>
+              <a:rPr lang="en-US" dirty="0"/>
+              <a:t>A web server which performs </a:t>
+            </a:r>
+            <a:r>
               <a:rPr lang="en-US" dirty="0" smtClean="0"/>
-              <a:t>Adaptation model (AM)</a:t>
-            </a:r>
-          </a:p>
-          <a:p>
-            <a:pPr lvl="1"/>
+              <a:t>adaptivity</a:t>
+            </a:r>
+          </a:p>
+          <a:p>
             <a:r>
               <a:rPr lang="en-US" dirty="0" smtClean="0"/>
-              <a:t>Adaptation rules</a:t>
-            </a:r>
-          </a:p>
-          <a:p>
-            <a:pPr lvl="1"/>
-            <a:r>
-              <a:rPr lang="en-US" dirty="0" smtClean="0"/>
-              <a:t>GAM code</a:t>
-            </a:r>
-          </a:p>
-          <a:p>
-            <a:pPr lvl="1"/>
-            <a:r>
-              <a:rPr lang="en-US" dirty="0" smtClean="0"/>
-              <a:t>Unary (Visited counter)</a:t>
-            </a:r>
-          </a:p>
-          <a:p>
-            <a:pPr lvl="1"/>
-            <a:r>
-              <a:rPr lang="en-US" dirty="0" smtClean="0"/>
-              <a:t>Binary (Prerequisite)</a:t>
+              <a:t>Adaptive applications</a:t>
             </a:r>
             <a:endParaRPr lang="en-US" dirty="0"/>
           </a:p>
+          <a:p>
+            <a:endParaRPr lang="en-US" dirty="0"/>
+          </a:p>
         </p:txBody>
       </p:sp>
       <p:sp>
@@ -13892,10 +15475,21 @@
         </p:nvSpPr>
         <p:spPr/>
         <p:txBody>
-          <a:bodyPr/>
+          <a:bodyPr>
+            <a:normAutofit fontScale="70000" lnSpcReduction="20000"/>
+          </a:bodyPr>
           <a:lstStyle/>
           <a:p>
-            <a:endParaRPr lang="en-US"/>
+            <a:r>
+              <a:rPr lang="en-US" altLang="en-US" dirty="0">
+                <a:latin typeface="Arial" panose="020B0604020202020204" pitchFamily="34" charset="0"/>
+                <a:cs typeface="Arial" panose="020B0604020202020204" pitchFamily="34" charset="0"/>
+              </a:rPr>
+              <a:t>ALAT: A new authoring environment</a:t>
+            </a:r>
+          </a:p>
+          <a:p>
+            <a:endParaRPr lang="en-US" dirty="0"/>
           </a:p>
         </p:txBody>
       </p:sp>
@@ -13918,6 +15512,196 @@
               <a:rPr lang="nl-NL" altLang="en-US" smtClean="0"/>
               <a:pPr/>
               <a:t>7</a:t>
+            </a:fld>
+            <a:endParaRPr lang="nl-NL" altLang="en-US"/>
+          </a:p>
+        </p:txBody>
+      </p:sp>
+    </p:spTree>
+    <p:extLst>
+      <p:ext uri="{BB962C8B-B14F-4D97-AF65-F5344CB8AC3E}">
+        <p14:creationId xmlns:p14="http://schemas.microsoft.com/office/powerpoint/2010/main" val="1140365044"/>
+      </p:ext>
+    </p:extLst>
+  </p:cSld>
+  <p:clrMapOvr>
+    <a:masterClrMapping/>
+  </p:clrMapOvr>
+  <p:timing>
+    <p:tnLst>
+      <p:par>
+        <p:cTn id="1" dur="indefinite" restart="never" nodeType="tmRoot"/>
+      </p:par>
+    </p:tnLst>
+  </p:timing>
+</p:sld>
+</file>
+
+<file path=ppt/slides/slide8.xml><?xml version="1.0" encoding="utf-8"?>
+<p:sld xmlns:a="http://schemas.openxmlformats.org/drawingml/2006/main" xmlns:r="http://schemas.openxmlformats.org/officeDocument/2006/relationships" xmlns:p="http://schemas.openxmlformats.org/presentationml/2006/main">
+  <p:cSld>
+    <p:spTree>
+      <p:nvGrpSpPr>
+        <p:cNvPr id="1" name=""/>
+        <p:cNvGrpSpPr/>
+        <p:nvPr/>
+      </p:nvGrpSpPr>
+      <p:grpSpPr>
+        <a:xfrm>
+          <a:off x="0" y="0"/>
+          <a:ext cx="0" cy="0"/>
+          <a:chOff x="0" y="0"/>
+          <a:chExt cx="0" cy="0"/>
+        </a:xfrm>
+      </p:grpSpPr>
+      <p:sp>
+        <p:nvSpPr>
+          <p:cNvPr id="2" name="Content Placeholder 1"/>
+          <p:cNvSpPr>
+            <a:spLocks noGrp="1"/>
+          </p:cNvSpPr>
+          <p:nvPr>
+            <p:ph sz="half" idx="2"/>
+          </p:nvPr>
+        </p:nvSpPr>
+        <p:spPr/>
+        <p:txBody>
+          <a:bodyPr>
+            <a:normAutofit/>
+          </a:bodyPr>
+          <a:lstStyle/>
+          <a:p>
+            <a:pPr marL="0" indent="0" algn="ctr">
+              <a:buNone/>
+            </a:pPr>
+            <a:r>
+              <a:rPr lang="en-US" sz="2800" b="1" dirty="0" smtClean="0"/>
+              <a:t>Adaptive applications</a:t>
+            </a:r>
+          </a:p>
+          <a:p>
+            <a:pPr marL="0" indent="0" algn="ctr">
+              <a:buNone/>
+            </a:pPr>
+            <a:endParaRPr lang="en-US" sz="2800" b="1" dirty="0"/>
+          </a:p>
+          <a:p>
+            <a:r>
+              <a:rPr lang="en-US" dirty="0" smtClean="0"/>
+              <a:t>Domain model (DM)</a:t>
+            </a:r>
+          </a:p>
+          <a:p>
+            <a:pPr lvl="1"/>
+            <a:r>
+              <a:rPr lang="en-US" dirty="0" smtClean="0"/>
+              <a:t>Concepts</a:t>
+            </a:r>
+          </a:p>
+          <a:p>
+            <a:pPr lvl="1"/>
+            <a:r>
+              <a:rPr lang="en-US" dirty="0" smtClean="0"/>
+              <a:t>Attributes &amp; Parameters</a:t>
+            </a:r>
+          </a:p>
+          <a:p>
+            <a:pPr lvl="1"/>
+            <a:r>
+              <a:rPr lang="en-US" dirty="0" smtClean="0"/>
+              <a:t>Non-pedagogical relations</a:t>
+            </a:r>
+          </a:p>
+          <a:p>
+            <a:pPr lvl="1"/>
+            <a:endParaRPr lang="en-US" dirty="0" smtClean="0"/>
+          </a:p>
+          <a:p>
+            <a:r>
+              <a:rPr lang="en-US" dirty="0" smtClean="0"/>
+              <a:t>Adaptation model (AM)</a:t>
+            </a:r>
+          </a:p>
+          <a:p>
+            <a:pPr lvl="1"/>
+            <a:r>
+              <a:rPr lang="en-US" dirty="0" smtClean="0"/>
+              <a:t>Adaptation rules</a:t>
+            </a:r>
+          </a:p>
+          <a:p>
+            <a:pPr lvl="1"/>
+            <a:r>
+              <a:rPr lang="en-US" dirty="0" smtClean="0"/>
+              <a:t>GAM code</a:t>
+            </a:r>
+          </a:p>
+          <a:p>
+            <a:pPr lvl="1"/>
+            <a:r>
+              <a:rPr lang="en-US" dirty="0" smtClean="0"/>
+              <a:t>Unary (Visited counter)</a:t>
+            </a:r>
+          </a:p>
+          <a:p>
+            <a:pPr lvl="1"/>
+            <a:r>
+              <a:rPr lang="en-US" dirty="0" smtClean="0"/>
+              <a:t>Binary (Prerequisite)</a:t>
+            </a:r>
+            <a:endParaRPr lang="en-US" dirty="0"/>
+          </a:p>
+        </p:txBody>
+      </p:sp>
+      <p:sp>
+        <p:nvSpPr>
+          <p:cNvPr id="3" name="Subtitle 2"/>
+          <p:cNvSpPr>
+            <a:spLocks noGrp="1"/>
+          </p:cNvSpPr>
+          <p:nvPr>
+            <p:ph type="subTitle" idx="1"/>
+          </p:nvPr>
+        </p:nvSpPr>
+        <p:spPr/>
+        <p:txBody>
+          <a:bodyPr>
+            <a:normAutofit fontScale="70000" lnSpcReduction="20000"/>
+          </a:bodyPr>
+          <a:lstStyle/>
+          <a:p>
+            <a:r>
+              <a:rPr lang="en-US" altLang="en-US" dirty="0">
+                <a:latin typeface="Arial" panose="020B0604020202020204" pitchFamily="34" charset="0"/>
+                <a:cs typeface="Arial" panose="020B0604020202020204" pitchFamily="34" charset="0"/>
+              </a:rPr>
+              <a:t>ALAT: A new authoring environment</a:t>
+            </a:r>
+          </a:p>
+          <a:p>
+            <a:endParaRPr lang="en-US" dirty="0"/>
+          </a:p>
+        </p:txBody>
+      </p:sp>
+      <p:sp>
+        <p:nvSpPr>
+          <p:cNvPr id="4" name="Slide Number Placeholder 3"/>
+          <p:cNvSpPr>
+            <a:spLocks noGrp="1"/>
+          </p:cNvSpPr>
+          <p:nvPr>
+            <p:ph type="sldNum" sz="quarter" idx="10"/>
+          </p:nvPr>
+        </p:nvSpPr>
+        <p:spPr/>
+        <p:txBody>
+          <a:bodyPr/>
+          <a:lstStyle/>
+          <a:p>
+            <a:fld id="{AEAEA9A1-7A57-4607-A57D-E63C9252F9ED}" type="slidenum">
+              <a:rPr lang="nl-NL" altLang="en-US" smtClean="0"/>
+              <a:pPr/>
+              <a:t>8</a:t>
             </a:fld>
             <a:endParaRPr lang="nl-NL" altLang="en-US"/>
           </a:p>
@@ -13973,158 +15757,6 @@
 </p:sld>
 </file>
 
-<file path=ppt/slides/slide8.xml><?xml version="1.0" encoding="utf-8"?>
-<p:sld xmlns:a="http://schemas.openxmlformats.org/drawingml/2006/main" xmlns:r="http://schemas.openxmlformats.org/officeDocument/2006/relationships" xmlns:p="http://schemas.openxmlformats.org/presentationml/2006/main">
-  <p:cSld>
-    <p:spTree>
-      <p:nvGrpSpPr>
-        <p:cNvPr id="1" name=""/>
-        <p:cNvGrpSpPr/>
-        <p:nvPr/>
-      </p:nvGrpSpPr>
-      <p:grpSpPr>
-        <a:xfrm>
-          <a:off x="0" y="0"/>
-          <a:ext cx="0" cy="0"/>
-          <a:chOff x="0" y="0"/>
-          <a:chExt cx="0" cy="0"/>
-        </a:xfrm>
-      </p:grpSpPr>
-      <p:sp>
-        <p:nvSpPr>
-          <p:cNvPr id="2" name="Content Placeholder 1"/>
-          <p:cNvSpPr>
-            <a:spLocks noGrp="1"/>
-          </p:cNvSpPr>
-          <p:nvPr>
-            <p:ph sz="half" idx="2"/>
-          </p:nvPr>
-        </p:nvSpPr>
-        <p:spPr/>
-        <p:txBody>
-          <a:bodyPr>
-            <a:normAutofit/>
-          </a:bodyPr>
-          <a:lstStyle/>
-          <a:p>
-            <a:pPr marL="0" indent="0" algn="ctr">
-              <a:buNone/>
-            </a:pPr>
-            <a:r>
-              <a:rPr lang="en-US" sz="2800" b="1" dirty="0" smtClean="0"/>
-              <a:t>Authoring</a:t>
-            </a:r>
-          </a:p>
-          <a:p>
-            <a:pPr marL="0" indent="0" algn="ctr">
-              <a:buNone/>
-            </a:pPr>
-            <a:endParaRPr lang="en-US" sz="2800" b="1" dirty="0" smtClean="0"/>
-          </a:p>
-          <a:p>
-            <a:pPr marL="0" indent="0" algn="ctr">
-              <a:buNone/>
-            </a:pPr>
-            <a:r>
-              <a:rPr lang="en-US" sz="2400" i="1" dirty="0" smtClean="0"/>
-              <a:t>“The Achilles heel of Adaptive Hypermedia”</a:t>
-            </a:r>
-          </a:p>
-          <a:p>
-            <a:pPr marL="0" indent="0" algn="ctr">
-              <a:buNone/>
-            </a:pPr>
-            <a:endParaRPr lang="en-US" sz="2400" i="1" dirty="0" smtClean="0"/>
-          </a:p>
-          <a:p>
-            <a:pPr marL="0" indent="0" algn="ctr">
-              <a:buNone/>
-            </a:pPr>
-            <a:endParaRPr lang="en-US" sz="2400" i="1" dirty="0"/>
-          </a:p>
-          <a:p>
-            <a:r>
-              <a:rPr lang="en-US" i="1" dirty="0" smtClean="0"/>
-              <a:t>Complicated</a:t>
-            </a:r>
-          </a:p>
-          <a:p>
-            <a:r>
-              <a:rPr lang="en-US" i="1" dirty="0" smtClean="0"/>
-              <a:t>Tedious</a:t>
-            </a:r>
-          </a:p>
-          <a:p>
-            <a:r>
-              <a:rPr lang="en-US" i="1" dirty="0" smtClean="0"/>
-              <a:t>Might hinder widespread uptake</a:t>
-            </a:r>
-          </a:p>
-        </p:txBody>
-      </p:sp>
-      <p:sp>
-        <p:nvSpPr>
-          <p:cNvPr id="3" name="Subtitle 2"/>
-          <p:cNvSpPr>
-            <a:spLocks noGrp="1"/>
-          </p:cNvSpPr>
-          <p:nvPr>
-            <p:ph type="subTitle" idx="1"/>
-          </p:nvPr>
-        </p:nvSpPr>
-        <p:spPr/>
-        <p:txBody>
-          <a:bodyPr/>
-          <a:lstStyle/>
-          <a:p>
-            <a:endParaRPr lang="en-US"/>
-          </a:p>
-        </p:txBody>
-      </p:sp>
-      <p:sp>
-        <p:nvSpPr>
-          <p:cNvPr id="4" name="Slide Number Placeholder 3"/>
-          <p:cNvSpPr>
-            <a:spLocks noGrp="1"/>
-          </p:cNvSpPr>
-          <p:nvPr>
-            <p:ph type="sldNum" sz="quarter" idx="10"/>
-          </p:nvPr>
-        </p:nvSpPr>
-        <p:spPr/>
-        <p:txBody>
-          <a:bodyPr/>
-          <a:lstStyle/>
-          <a:p>
-            <a:fld id="{AEAEA9A1-7A57-4607-A57D-E63C9252F9ED}" type="slidenum">
-              <a:rPr lang="nl-NL" altLang="en-US" smtClean="0"/>
-              <a:pPr/>
-              <a:t>8</a:t>
-            </a:fld>
-            <a:endParaRPr lang="nl-NL" altLang="en-US"/>
-          </a:p>
-        </p:txBody>
-      </p:sp>
-    </p:spTree>
-    <p:extLst>
-      <p:ext uri="{BB962C8B-B14F-4D97-AF65-F5344CB8AC3E}">
-        <p14:creationId xmlns:p14="http://schemas.microsoft.com/office/powerpoint/2010/main" val="1074015660"/>
-      </p:ext>
-    </p:extLst>
-  </p:cSld>
-  <p:clrMapOvr>
-    <a:masterClrMapping/>
-  </p:clrMapOvr>
-  <p:timing>
-    <p:tnLst>
-      <p:par>
-        <p:cTn id="1" dur="indefinite" restart="never" nodeType="tmRoot"/>
-      </p:par>
-    </p:tnLst>
-  </p:timing>
-</p:sld>
-</file>
-
 <file path=ppt/slides/slide9.xml><?xml version="1.0" encoding="utf-8"?>
 <p:sld xmlns:a="http://schemas.openxmlformats.org/drawingml/2006/main" xmlns:r="http://schemas.openxmlformats.org/officeDocument/2006/relationships" xmlns:p="http://schemas.openxmlformats.org/presentationml/2006/main">
   <p:cSld>
@@ -14163,27 +15795,70 @@
               <a:buNone/>
             </a:pPr>
             <a:r>
-              <a:rPr lang="en-US" sz="2800" dirty="0" smtClean="0"/>
-              <a:t>The solution: Authoring Tools</a:t>
+              <a:rPr lang="en-US" sz="2800" b="1" dirty="0" smtClean="0"/>
+              <a:t>Authoring</a:t>
             </a:r>
           </a:p>
           <a:p>
             <a:pPr marL="0" indent="0" algn="ctr">
               <a:buNone/>
             </a:pPr>
-            <a:endParaRPr lang="en-US" sz="2800" dirty="0" smtClean="0"/>
+            <a:endParaRPr lang="en-US" sz="2800" b="1" dirty="0" smtClean="0"/>
           </a:p>
           <a:p>
             <a:pPr marL="0" indent="0" algn="ctr">
               <a:buNone/>
             </a:pPr>
-            <a:endParaRPr lang="en-US" sz="2800" dirty="0"/>
+            <a:r>
+              <a:rPr lang="en-US" sz="2400" i="1" dirty="0" smtClean="0"/>
+              <a:t>“The Achilles heel of Adaptive Hypermedia”</a:t>
+            </a:r>
           </a:p>
           <a:p>
             <a:pPr marL="0" indent="0" algn="ctr">
               <a:buNone/>
             </a:pPr>
-            <a:endParaRPr lang="en-US" sz="2800" dirty="0"/>
+            <a:endParaRPr lang="en-US" sz="2400" i="1" dirty="0" smtClean="0"/>
+          </a:p>
+          <a:p>
+            <a:pPr marL="0" indent="0" algn="ctr">
+              <a:buNone/>
+            </a:pPr>
+            <a:endParaRPr lang="en-US" sz="2400" i="1" dirty="0"/>
+          </a:p>
+          <a:p>
+            <a:r>
+              <a:rPr lang="en-US" i="1" dirty="0" smtClean="0"/>
+              <a:t>Complicated</a:t>
+            </a:r>
+          </a:p>
+          <a:p>
+            <a:pPr lvl="1"/>
+            <a:r>
+              <a:rPr lang="en-US" dirty="0" smtClean="0"/>
+              <a:t>increase </a:t>
+            </a:r>
+            <a:r>
+              <a:rPr lang="en-US" dirty="0"/>
+              <a:t>in complexity as more flexibility in adaptivity is </a:t>
+            </a:r>
+            <a:r>
+              <a:rPr lang="en-US" dirty="0" smtClean="0"/>
+              <a:t>introduced</a:t>
+            </a:r>
+            <a:endParaRPr lang="en-US" i="1" dirty="0" smtClean="0"/>
+          </a:p>
+          <a:p>
+            <a:r>
+              <a:rPr lang="en-US" i="1" dirty="0" smtClean="0"/>
+              <a:t>Tedious</a:t>
+            </a:r>
+          </a:p>
+          <a:p>
+            <a:r>
+              <a:rPr lang="en-US" i="1" dirty="0" smtClean="0"/>
+              <a:t>Might hinder widespread uptake</a:t>
+            </a:r>
           </a:p>
         </p:txBody>
       </p:sp>
@@ -14199,10 +15874,21 @@
         </p:nvSpPr>
         <p:spPr/>
         <p:txBody>
-          <a:bodyPr/>
+          <a:bodyPr>
+            <a:normAutofit fontScale="70000" lnSpcReduction="20000"/>
+          </a:bodyPr>
           <a:lstStyle/>
           <a:p>
-            <a:endParaRPr lang="en-US"/>
+            <a:r>
+              <a:rPr lang="en-US" altLang="en-US" dirty="0">
+                <a:latin typeface="Arial" panose="020B0604020202020204" pitchFamily="34" charset="0"/>
+                <a:cs typeface="Arial" panose="020B0604020202020204" pitchFamily="34" charset="0"/>
+              </a:rPr>
+              <a:t>ALAT: A new authoring environment</a:t>
+            </a:r>
+          </a:p>
+          <a:p>
+            <a:endParaRPr lang="en-US" dirty="0"/>
           </a:p>
         </p:txBody>
       </p:sp>
@@ -14233,7 +15919,7 @@
     </p:spTree>
     <p:extLst>
       <p:ext uri="{BB962C8B-B14F-4D97-AF65-F5344CB8AC3E}">
-        <p14:creationId xmlns:p14="http://schemas.microsoft.com/office/powerpoint/2010/main" val="2219527320"/>
+        <p14:creationId xmlns:p14="http://schemas.microsoft.com/office/powerpoint/2010/main" val="1074015660"/>
       </p:ext>
     </p:extLst>
   </p:cSld>

--- a/Documents/School/Thesis docs/ALAT.pptx
+++ b/Documents/School/Thesis docs/ALAT.pptx
@@ -277,7 +277,7 @@
             <a:fld id="{3782A233-DA86-4D22-A406-9137F2216474}" type="datetimeFigureOut">
               <a:rPr lang="nl-NL" altLang="en-US"/>
               <a:pPr/>
-              <a:t>18-1-2016</a:t>
+              <a:t>21-1-2016</a:t>
             </a:fld>
             <a:endParaRPr lang="nl-NL" altLang="en-US"/>
           </a:p>
@@ -480,7 +480,7 @@
             <a:fld id="{43CBADFD-BBA0-45DF-89BE-E3AA6C4EA091}" type="datetimeFigureOut">
               <a:rPr lang="nl-NL" altLang="en-US"/>
               <a:pPr/>
-              <a:t>18-1-2016</a:t>
+              <a:t>21-1-2016</a:t>
             </a:fld>
             <a:endParaRPr lang="nl-NL" altLang="en-US"/>
           </a:p>
@@ -1213,15 +1213,7 @@
             </a:pPr>
             <a:r>
               <a:rPr lang="en-US" baseline="0" dirty="0" smtClean="0"/>
-              <a:t>selection </a:t>
-            </a:r>
-            <a:r>
-              <a:rPr lang="en-US" baseline="0" dirty="0" smtClean="0"/>
-              <a:t>boxes when adding relations contain </a:t>
-            </a:r>
-            <a:r>
-              <a:rPr lang="en-US" baseline="0" dirty="0" smtClean="0"/>
-              <a:t>huge lists.</a:t>
+              <a:t>selection boxes when adding relations contain huge lists.</a:t>
             </a:r>
             <a:endParaRPr lang="en-US" dirty="0"/>
           </a:p>
@@ -2278,27 +2270,17 @@
               <a:rPr lang="en-US" baseline="0" dirty="0" smtClean="0"/>
               <a:t> new concepts standard behavior: Rules and attributes. </a:t>
             </a:r>
-            <a:endParaRPr lang="en-US" baseline="0" dirty="0" smtClean="0"/>
           </a:p>
           <a:p>
             <a:r>
               <a:rPr lang="en-US" baseline="0" dirty="0" smtClean="0"/>
-              <a:t>ALSO </a:t>
-            </a:r>
+              <a:t>ALSO defines attributes over all concept types (used for layouts in GALE.) </a:t>
+            </a:r>
+          </a:p>
+          <a:p>
             <a:r>
               <a:rPr lang="en-US" baseline="0" dirty="0" smtClean="0"/>
-              <a:t>defines attributes over all concept types (used for layouts in GALE.) </a:t>
-            </a:r>
-            <a:endParaRPr lang="en-US" baseline="0" dirty="0" smtClean="0"/>
-          </a:p>
-          <a:p>
-            <a:r>
-              <a:rPr lang="en-US" baseline="0" dirty="0" smtClean="0"/>
-              <a:t>prevents </a:t>
-            </a:r>
-            <a:r>
-              <a:rPr lang="en-US" baseline="0" dirty="0" smtClean="0"/>
-              <a:t>having to declare them for every concept.</a:t>
+              <a:t>prevents having to declare them for every concept.</a:t>
             </a:r>
           </a:p>
         </p:txBody>
@@ -2497,6 +2479,12 @@
           <a:p>
             <a:r>
               <a:rPr lang="en-US" dirty="0" smtClean="0"/>
+              <a:t>Relation definitions template</a:t>
+            </a:r>
+          </a:p>
+          <a:p>
+            <a:r>
+              <a:rPr lang="en-US" dirty="0" smtClean="0"/>
               <a:t>Def rules Volatile -&gt; code calculated value</a:t>
             </a:r>
             <a:r>
@@ -2511,13 +2499,8 @@
             </a:r>
             <a:r>
               <a:rPr lang="en-US" baseline="0" dirty="0" smtClean="0"/>
-              <a:t> rules persistent -&gt; Only attribute updates are calculated (attribute stored in user profile automatically by GALE</a:t>
-            </a:r>
-            <a:r>
-              <a:rPr lang="en-US" baseline="0" dirty="0" smtClean="0"/>
-              <a:t>)</a:t>
-            </a:r>
-            <a:endParaRPr lang="en-US" baseline="0" dirty="0" smtClean="0"/>
+              <a:t> rules persistent -&gt; Only attribute updates are calculated (attribute stored in user profile automatically by GALE)</a:t>
+            </a:r>
           </a:p>
         </p:txBody>
       </p:sp>
@@ -2652,7 +2635,6 @@
               <a:rPr lang="en-US" baseline="0" dirty="0" smtClean="0"/>
               <a:t>DM + AM in 1 tool.</a:t>
             </a:r>
-            <a:endParaRPr lang="en-US" baseline="0" dirty="0" smtClean="0"/>
           </a:p>
         </p:txBody>
       </p:sp>
@@ -2841,6 +2823,111 @@
 </p:notes>
 </file>
 
+<file path=ppt/notesSlides/notesSlide25.xml><?xml version="1.0" encoding="utf-8"?>
+<p:notes xmlns:a="http://schemas.openxmlformats.org/drawingml/2006/main" xmlns:r="http://schemas.openxmlformats.org/officeDocument/2006/relationships" xmlns:p="http://schemas.openxmlformats.org/presentationml/2006/main">
+  <p:cSld>
+    <p:spTree>
+      <p:nvGrpSpPr>
+        <p:cNvPr id="1" name=""/>
+        <p:cNvGrpSpPr/>
+        <p:nvPr/>
+      </p:nvGrpSpPr>
+      <p:grpSpPr>
+        <a:xfrm>
+          <a:off x="0" y="0"/>
+          <a:ext cx="0" cy="0"/>
+          <a:chOff x="0" y="0"/>
+          <a:chExt cx="0" cy="0"/>
+        </a:xfrm>
+      </p:grpSpPr>
+      <p:sp>
+        <p:nvSpPr>
+          <p:cNvPr id="2" name="Slide Image Placeholder 1"/>
+          <p:cNvSpPr>
+            <a:spLocks noGrp="1" noRot="1" noChangeAspect="1"/>
+          </p:cNvSpPr>
+          <p:nvPr>
+            <p:ph type="sldImg"/>
+          </p:nvPr>
+        </p:nvSpPr>
+        <p:spPr/>
+      </p:sp>
+      <p:sp>
+        <p:nvSpPr>
+          <p:cNvPr id="3" name="Notes Placeholder 2"/>
+          <p:cNvSpPr>
+            <a:spLocks noGrp="1"/>
+          </p:cNvSpPr>
+          <p:nvPr>
+            <p:ph type="body" idx="1"/>
+          </p:nvPr>
+        </p:nvSpPr>
+        <p:spPr/>
+        <p:txBody>
+          <a:bodyPr/>
+          <a:lstStyle/>
+          <a:p>
+            <a:r>
+              <a:rPr lang="en-US" dirty="0" smtClean="0"/>
+              <a:t>I hope ALAT will become</a:t>
+            </a:r>
+            <a:r>
+              <a:rPr lang="en-US" baseline="0" dirty="0" smtClean="0"/>
+              <a:t> an authoring platform with both real-world as well as academic applications. I also hope it will set a new standard for authoring in GALE and that it will bring many opportunities </a:t>
+            </a:r>
+            <a:r>
+              <a:rPr lang="en-US" baseline="0" smtClean="0"/>
+              <a:t>for future </a:t>
+            </a:r>
+            <a:r>
+              <a:rPr lang="en-US" baseline="0" dirty="0" smtClean="0"/>
+              <a:t>research and development in </a:t>
+            </a:r>
+            <a:r>
+              <a:rPr lang="en-US" baseline="0" smtClean="0"/>
+              <a:t>the field of AH and GALE.</a:t>
+            </a:r>
+            <a:endParaRPr lang="en-US" dirty="0"/>
+          </a:p>
+        </p:txBody>
+      </p:sp>
+      <p:sp>
+        <p:nvSpPr>
+          <p:cNvPr id="4" name="Slide Number Placeholder 3"/>
+          <p:cNvSpPr>
+            <a:spLocks noGrp="1"/>
+          </p:cNvSpPr>
+          <p:nvPr>
+            <p:ph type="sldNum" sz="quarter" idx="10"/>
+          </p:nvPr>
+        </p:nvSpPr>
+        <p:spPr/>
+        <p:txBody>
+          <a:bodyPr/>
+          <a:lstStyle/>
+          <a:p>
+            <a:fld id="{BA38712C-9AF5-4848-9673-7EF0823A4FB2}" type="slidenum">
+              <a:rPr lang="nl-NL" altLang="en-US" smtClean="0"/>
+              <a:pPr/>
+              <a:t>27</a:t>
+            </a:fld>
+            <a:endParaRPr lang="nl-NL" altLang="en-US"/>
+          </a:p>
+        </p:txBody>
+      </p:sp>
+    </p:spTree>
+    <p:extLst>
+      <p:ext uri="{BB962C8B-B14F-4D97-AF65-F5344CB8AC3E}">
+        <p14:creationId xmlns:p14="http://schemas.microsoft.com/office/powerpoint/2010/main" val="2917647730"/>
+      </p:ext>
+    </p:extLst>
+  </p:cSld>
+  <p:clrMapOvr>
+    <a:masterClrMapping/>
+  </p:clrMapOvr>
+</p:notes>
+</file>
+
 <file path=ppt/notesSlides/notesSlide3.xml><?xml version="1.0" encoding="utf-8"?>
 <p:notes xmlns:a="http://schemas.openxmlformats.org/drawingml/2006/main" xmlns:r="http://schemas.openxmlformats.org/officeDocument/2006/relationships" xmlns:p="http://schemas.openxmlformats.org/presentationml/2006/main">
   <p:cSld>
@@ -3097,11 +3184,7 @@
             </a:r>
             <a:r>
               <a:rPr lang="en-US" baseline="0" dirty="0" smtClean="0"/>
-              <a:t> system </a:t>
-            </a:r>
-            <a:r>
-              <a:rPr lang="en-US" baseline="0" dirty="0" smtClean="0"/>
-              <a:t>itself (like </a:t>
+              <a:t> system itself (like </a:t>
             </a:r>
             <a:r>
               <a:rPr lang="en-US" baseline="0" dirty="0" err="1" smtClean="0"/>
@@ -3123,19 +3206,7 @@
           <a:p>
             <a:r>
               <a:rPr lang="en-US" baseline="0" dirty="0" smtClean="0"/>
-              <a:t>Or </a:t>
-            </a:r>
-            <a:r>
-              <a:rPr lang="en-US" baseline="0" dirty="0" smtClean="0"/>
-              <a:t>externally from some other </a:t>
-            </a:r>
-            <a:r>
-              <a:rPr lang="en-US" baseline="0" dirty="0" smtClean="0"/>
-              <a:t>available data </a:t>
-            </a:r>
-            <a:r>
-              <a:rPr lang="en-US" baseline="0" dirty="0" smtClean="0"/>
-              <a:t>source</a:t>
+              <a:t>Or externally from some other available data source</a:t>
             </a:r>
             <a:endParaRPr lang="en-US" dirty="0"/>
           </a:p>
@@ -3500,13 +3571,8 @@
           <a:p>
             <a:r>
               <a:rPr lang="en-US" baseline="0" dirty="0" smtClean="0"/>
-              <a:t>Tedious: Lot of repeated behavior. This results in a lot of dumb </a:t>
-            </a:r>
-            <a:r>
-              <a:rPr lang="en-US" baseline="0" dirty="0" smtClean="0"/>
-              <a:t>labor.</a:t>
-            </a:r>
-            <a:endParaRPr lang="en-US" baseline="0" dirty="0" smtClean="0"/>
+              <a:t>Tedious: Lot of repeated behavior. This results in a lot of dumb labor.</a:t>
+            </a:r>
           </a:p>
           <a:p>
             <a:endParaRPr lang="en-US" dirty="0"/>
@@ -8366,11 +8432,7 @@
           <a:p>
             <a:r>
               <a:rPr lang="en-US" dirty="0" smtClean="0"/>
-              <a:t>GRAPPLE Authoring </a:t>
-            </a:r>
-            <a:r>
-              <a:rPr lang="en-US" dirty="0" smtClean="0"/>
-              <a:t>Tool</a:t>
+              <a:t>GRAPPLE Authoring Tool</a:t>
             </a:r>
           </a:p>
           <a:p>
@@ -8378,7 +8440,6 @@
               <a:rPr lang="en-US" dirty="0" smtClean="0"/>
               <a:t>Also developed during GRAPPLE project</a:t>
             </a:r>
-            <a:endParaRPr lang="en-US" dirty="0" smtClean="0"/>
           </a:p>
           <a:p>
             <a:r>
@@ -9174,11 +9235,7 @@
             </a:pPr>
             <a:r>
               <a:rPr lang="en-US" sz="2800" b="1" dirty="0" smtClean="0"/>
-              <a:t>Other </a:t>
-            </a:r>
-            <a:r>
-              <a:rPr lang="en-US" sz="2800" b="1" dirty="0" smtClean="0"/>
-              <a:t>related work</a:t>
+              <a:t>Other related work</a:t>
             </a:r>
             <a:endParaRPr lang="en-US" sz="2800" b="1" dirty="0"/>
           </a:p>
@@ -10160,7 +10217,6 @@
               <a:rPr lang="en-US" dirty="0" smtClean="0"/>
               <a:t>Relation definitions</a:t>
             </a:r>
-            <a:endParaRPr lang="en-US" dirty="0" smtClean="0"/>
           </a:p>
           <a:p>
             <a:r>
@@ -14167,11 +14223,7 @@
           <a:p>
             <a:r>
               <a:rPr lang="en-US" dirty="0" smtClean="0"/>
-              <a:t>More Showcase </a:t>
-            </a:r>
-            <a:r>
-              <a:rPr lang="en-US" dirty="0" smtClean="0"/>
-              <a:t>applications</a:t>
+              <a:t>More Showcase applications</a:t>
             </a:r>
           </a:p>
           <a:p>
@@ -14287,6 +14339,13 @@
   <p:clrMapOvr>
     <a:masterClrMapping/>
   </p:clrMapOvr>
+  <p:timing>
+    <p:tnLst>
+      <p:par>
+        <p:cTn id="1" dur="indefinite" restart="never" nodeType="tmRoot"/>
+      </p:par>
+    </p:tnLst>
+  </p:timing>
 </p:sld>
 </file>
 
@@ -14437,6 +14496,13 @@
   <p:clrMapOvr>
     <a:masterClrMapping/>
   </p:clrMapOvr>
+  <p:timing>
+    <p:tnLst>
+      <p:par>
+        <p:cTn id="1" dur="indefinite" restart="never" nodeType="tmRoot"/>
+      </p:par>
+    </p:tnLst>
+  </p:timing>
 </p:sld>
 </file>
 
@@ -14549,6 +14615,13 @@
   <p:clrMapOvr>
     <a:masterClrMapping/>
   </p:clrMapOvr>
+  <p:timing>
+    <p:tnLst>
+      <p:par>
+        <p:cTn id="1" dur="indefinite" restart="never" nodeType="tmRoot"/>
+      </p:par>
+    </p:tnLst>
+  </p:timing>
 </p:sld>
 </file>
 
@@ -15109,7 +15182,6 @@
               <a:rPr lang="en-US" dirty="0" smtClean="0"/>
               <a:t>Questionnaires</a:t>
             </a:r>
-            <a:endParaRPr lang="en-US" dirty="0" smtClean="0"/>
           </a:p>
           <a:p>
             <a:pPr lvl="1"/>
@@ -15210,6 +15282,13 @@
   <p:clrMapOvr>
     <a:masterClrMapping/>
   </p:clrMapOvr>
+  <p:timing>
+    <p:tnLst>
+      <p:par>
+        <p:cTn id="1" dur="indefinite" restart="never" nodeType="tmRoot"/>
+      </p:par>
+    </p:tnLst>
+  </p:timing>
 </p:sld>
 </file>
 
@@ -15427,11 +15506,7 @@
           <a:p>
             <a:r>
               <a:rPr lang="en-US" dirty="0" smtClean="0"/>
-              <a:t>GALE (Generic Adaptation Language &amp; Engine</a:t>
-            </a:r>
-            <a:r>
-              <a:rPr lang="en-US" dirty="0" smtClean="0"/>
-              <a:t>)</a:t>
+              <a:t>GALE (Generic Adaptation Language &amp; Engine)</a:t>
             </a:r>
           </a:p>
           <a:p>
@@ -15439,7 +15514,6 @@
               <a:rPr lang="en-US" dirty="0" smtClean="0"/>
               <a:t>GRAPPLE project</a:t>
             </a:r>
-            <a:endParaRPr lang="en-US" dirty="0" smtClean="0"/>
           </a:p>
           <a:p>
             <a:r>
